--- a/Slides/Ders 5.0 Design 1NF.pptx
+++ b/Slides/Ders 5.0 Design 1NF.pptx
@@ -5,7 +5,7 @@
     <p:sldMasterId id="2147483660" r:id="rId1"/>
   </p:sldMasterIdLst>
   <p:notesMasterIdLst>
-    <p:notesMasterId r:id="rId13"/>
+    <p:notesMasterId r:id="rId22"/>
   </p:notesMasterIdLst>
   <p:sldIdLst>
     <p:sldId id="256" r:id="rId2"/>
@@ -19,6 +19,15 @@
     <p:sldId id="264" r:id="rId10"/>
     <p:sldId id="265" r:id="rId11"/>
     <p:sldId id="266" r:id="rId12"/>
+    <p:sldId id="267" r:id="rId13"/>
+    <p:sldId id="268" r:id="rId14"/>
+    <p:sldId id="269" r:id="rId15"/>
+    <p:sldId id="270" r:id="rId16"/>
+    <p:sldId id="271" r:id="rId17"/>
+    <p:sldId id="272" r:id="rId18"/>
+    <p:sldId id="273" r:id="rId19"/>
+    <p:sldId id="274" r:id="rId20"/>
+    <p:sldId id="275" r:id="rId21"/>
   </p:sldIdLst>
   <p:sldSz cx="9144000" cy="6858000" type="screen4x3"/>
   <p:notesSz cx="6858000" cy="9144000"/>
@@ -207,7 +216,7 @@
           <a:p>
             <a:fld id="{DD4244C5-5D67-C540-97C4-F007CFC432EF}" type="datetimeFigureOut">
               <a:rPr lang="tr-TR" smtClean="0"/>
-              <a:t>9.02.2024</a:t>
+              <a:t>19.02.2024</a:t>
             </a:fld>
             <a:endParaRPr lang="tr-TR"/>
           </a:p>
@@ -606,7 +615,7 @@
           <a:p>
             <a:fld id="{26396F4E-1D0B-3F44-AA0F-A3430AE5742F}" type="datetimeFigureOut">
               <a:rPr lang="tr-TR" smtClean="0"/>
-              <a:t>9.02.2024</a:t>
+              <a:t>19.02.2024</a:t>
             </a:fld>
             <a:endParaRPr lang="tr-TR"/>
           </a:p>
@@ -776,7 +785,7 @@
           <a:p>
             <a:fld id="{26396F4E-1D0B-3F44-AA0F-A3430AE5742F}" type="datetimeFigureOut">
               <a:rPr lang="tr-TR" smtClean="0"/>
-              <a:t>9.02.2024</a:t>
+              <a:t>19.02.2024</a:t>
             </a:fld>
             <a:endParaRPr lang="tr-TR"/>
           </a:p>
@@ -956,7 +965,7 @@
           <a:p>
             <a:fld id="{26396F4E-1D0B-3F44-AA0F-A3430AE5742F}" type="datetimeFigureOut">
               <a:rPr lang="tr-TR" smtClean="0"/>
-              <a:t>9.02.2024</a:t>
+              <a:t>19.02.2024</a:t>
             </a:fld>
             <a:endParaRPr lang="tr-TR"/>
           </a:p>
@@ -1126,7 +1135,7 @@
           <a:p>
             <a:fld id="{26396F4E-1D0B-3F44-AA0F-A3430AE5742F}" type="datetimeFigureOut">
               <a:rPr lang="tr-TR" smtClean="0"/>
-              <a:t>9.02.2024</a:t>
+              <a:t>19.02.2024</a:t>
             </a:fld>
             <a:endParaRPr lang="tr-TR"/>
           </a:p>
@@ -1370,7 +1379,7 @@
           <a:p>
             <a:fld id="{26396F4E-1D0B-3F44-AA0F-A3430AE5742F}" type="datetimeFigureOut">
               <a:rPr lang="tr-TR" smtClean="0"/>
-              <a:t>9.02.2024</a:t>
+              <a:t>19.02.2024</a:t>
             </a:fld>
             <a:endParaRPr lang="tr-TR"/>
           </a:p>
@@ -1602,7 +1611,7 @@
           <a:p>
             <a:fld id="{26396F4E-1D0B-3F44-AA0F-A3430AE5742F}" type="datetimeFigureOut">
               <a:rPr lang="tr-TR" smtClean="0"/>
-              <a:t>9.02.2024</a:t>
+              <a:t>19.02.2024</a:t>
             </a:fld>
             <a:endParaRPr lang="tr-TR"/>
           </a:p>
@@ -1969,7 +1978,7 @@
           <a:p>
             <a:fld id="{26396F4E-1D0B-3F44-AA0F-A3430AE5742F}" type="datetimeFigureOut">
               <a:rPr lang="tr-TR" smtClean="0"/>
-              <a:t>9.02.2024</a:t>
+              <a:t>19.02.2024</a:t>
             </a:fld>
             <a:endParaRPr lang="tr-TR"/>
           </a:p>
@@ -2087,7 +2096,7 @@
           <a:p>
             <a:fld id="{26396F4E-1D0B-3F44-AA0F-A3430AE5742F}" type="datetimeFigureOut">
               <a:rPr lang="tr-TR" smtClean="0"/>
-              <a:t>9.02.2024</a:t>
+              <a:t>19.02.2024</a:t>
             </a:fld>
             <a:endParaRPr lang="tr-TR"/>
           </a:p>
@@ -2182,7 +2191,7 @@
           <a:p>
             <a:fld id="{26396F4E-1D0B-3F44-AA0F-A3430AE5742F}" type="datetimeFigureOut">
               <a:rPr lang="tr-TR" smtClean="0"/>
-              <a:t>9.02.2024</a:t>
+              <a:t>19.02.2024</a:t>
             </a:fld>
             <a:endParaRPr lang="tr-TR"/>
           </a:p>
@@ -2459,7 +2468,7 @@
           <a:p>
             <a:fld id="{26396F4E-1D0B-3F44-AA0F-A3430AE5742F}" type="datetimeFigureOut">
               <a:rPr lang="tr-TR" smtClean="0"/>
-              <a:t>9.02.2024</a:t>
+              <a:t>19.02.2024</a:t>
             </a:fld>
             <a:endParaRPr lang="tr-TR"/>
           </a:p>
@@ -2716,7 +2725,7 @@
           <a:p>
             <a:fld id="{26396F4E-1D0B-3F44-AA0F-A3430AE5742F}" type="datetimeFigureOut">
               <a:rPr lang="tr-TR" smtClean="0"/>
-              <a:t>9.02.2024</a:t>
+              <a:t>19.02.2024</a:t>
             </a:fld>
             <a:endParaRPr lang="tr-TR"/>
           </a:p>
@@ -2929,7 +2938,7 @@
           <a:p>
             <a:fld id="{26396F4E-1D0B-3F44-AA0F-A3430AE5742F}" type="datetimeFigureOut">
               <a:rPr lang="tr-TR" smtClean="0"/>
-              <a:t>9.02.2024</a:t>
+              <a:t>19.02.2024</a:t>
             </a:fld>
             <a:endParaRPr lang="tr-TR"/>
           </a:p>
@@ -3952,7 +3961,7 @@
         <p:spPr>
           <a:xfrm>
             <a:off x="2156403" y="3912713"/>
-            <a:ext cx="4831194" cy="2542363"/>
+            <a:ext cx="4831194" cy="2126864"/>
           </a:xfrm>
           <a:prstGeom prst="rect">
             <a:avLst/>
@@ -3964,57 +3973,6 @@
             <a:spAutoFit/>
           </a:bodyPr>
           <a:lstStyle/>
-          <a:p>
-            <a:pPr>
-              <a:lnSpc>
-                <a:spcPct val="150000"/>
-              </a:lnSpc>
-            </a:pPr>
-            <a:r>
-              <a:rPr lang="en-US" dirty="0"/>
-              <a:t>Bir </a:t>
-            </a:r>
-            <a:r>
-              <a:rPr lang="en-US" dirty="0" err="1"/>
-              <a:t>tablo</a:t>
-            </a:r>
-            <a:r>
-              <a:rPr lang="en-US" dirty="0"/>
-              <a:t> </a:t>
-            </a:r>
-            <a:r>
-              <a:rPr lang="en-US" dirty="0" err="1"/>
-              <a:t>aşağıdaki</a:t>
-            </a:r>
-            <a:r>
-              <a:rPr lang="en-US" dirty="0"/>
-              <a:t> </a:t>
-            </a:r>
-            <a:r>
-              <a:rPr lang="en-US" dirty="0" err="1"/>
-              <a:t>özelliklere</a:t>
-            </a:r>
-            <a:r>
-              <a:rPr lang="en-US" dirty="0"/>
-              <a:t> </a:t>
-            </a:r>
-            <a:r>
-              <a:rPr lang="en-US" dirty="0" err="1"/>
-              <a:t>sahipse</a:t>
-            </a:r>
-            <a:r>
-              <a:rPr lang="en-US" dirty="0"/>
-              <a:t> 1. </a:t>
-            </a:r>
-            <a:r>
-              <a:rPr lang="en-US" dirty="0" err="1"/>
-              <a:t>NF’dadır</a:t>
-            </a:r>
-            <a:r>
-              <a:rPr lang="en-US" dirty="0"/>
-              <a:t>.</a:t>
-            </a:r>
-          </a:p>
           <a:p>
             <a:pPr marL="285750" indent="-285750">
               <a:lnSpc>
@@ -4794,10 +4752,10 @@
       </p:sp>
       <p:sp>
         <p:nvSpPr>
-          <p:cNvPr id="3" name="TextBox 2">
+          <p:cNvPr id="6" name="TextBox 5">
             <a:extLst>
               <a:ext uri="{FF2B5EF4-FFF2-40B4-BE49-F238E27FC236}">
-                <a16:creationId xmlns:a16="http://schemas.microsoft.com/office/drawing/2014/main" id="{4D460C5D-389A-389C-D8EF-00B056027737}"/>
+                <a16:creationId xmlns:a16="http://schemas.microsoft.com/office/drawing/2014/main" id="{4019544E-6846-298C-DBD2-07DA7542ADFC}"/>
               </a:ext>
             </a:extLst>
           </p:cNvPr>
@@ -4807,7 +4765,7 @@
         <p:spPr>
           <a:xfrm>
             <a:off x="2156403" y="3912713"/>
-            <a:ext cx="4831194" cy="2542363"/>
+            <a:ext cx="4831194" cy="2126864"/>
           </a:xfrm>
           <a:prstGeom prst="rect">
             <a:avLst/>
@@ -4820,57 +4778,6 @@
           </a:bodyPr>
           <a:lstStyle/>
           <a:p>
-            <a:pPr>
-              <a:lnSpc>
-                <a:spcPct val="150000"/>
-              </a:lnSpc>
-            </a:pPr>
-            <a:r>
-              <a:rPr lang="en-US" dirty="0"/>
-              <a:t>Bir </a:t>
-            </a:r>
-            <a:r>
-              <a:rPr lang="en-US" dirty="0" err="1"/>
-              <a:t>tablo</a:t>
-            </a:r>
-            <a:r>
-              <a:rPr lang="en-US" dirty="0"/>
-              <a:t> </a:t>
-            </a:r>
-            <a:r>
-              <a:rPr lang="en-US" dirty="0" err="1"/>
-              <a:t>aşağıdaki</a:t>
-            </a:r>
-            <a:r>
-              <a:rPr lang="en-US" dirty="0"/>
-              <a:t> </a:t>
-            </a:r>
-            <a:r>
-              <a:rPr lang="en-US" dirty="0" err="1"/>
-              <a:t>özelliklere</a:t>
-            </a:r>
-            <a:r>
-              <a:rPr lang="en-US" dirty="0"/>
-              <a:t> </a:t>
-            </a:r>
-            <a:r>
-              <a:rPr lang="en-US" dirty="0" err="1"/>
-              <a:t>sahipse</a:t>
-            </a:r>
-            <a:r>
-              <a:rPr lang="en-US" dirty="0"/>
-              <a:t> 1. </a:t>
-            </a:r>
-            <a:r>
-              <a:rPr lang="en-US" dirty="0" err="1"/>
-              <a:t>NF’dadır</a:t>
-            </a:r>
-            <a:r>
-              <a:rPr lang="en-US" dirty="0"/>
-              <a:t>.</a:t>
-            </a:r>
-          </a:p>
-          <a:p>
             <a:pPr marL="285750" indent="-285750">
               <a:lnSpc>
                 <a:spcPct val="150000"/>
@@ -5153,6 +5060,6965 @@
     <p:extLst>
       <p:ext uri="{BB962C8B-B14F-4D97-AF65-F5344CB8AC3E}">
         <p14:creationId xmlns:p14="http://schemas.microsoft.com/office/powerpoint/2010/main" val="3700625109"/>
+      </p:ext>
+    </p:extLst>
+  </p:cSld>
+  <p:clrMapOvr>
+    <a:masterClrMapping/>
+  </p:clrMapOvr>
+</p:sld>
+</file>
+
+<file path=ppt/slides/slide12.xml><?xml version="1.0" encoding="utf-8"?>
+<p:sld xmlns:a="http://schemas.openxmlformats.org/drawingml/2006/main" xmlns:r="http://schemas.openxmlformats.org/officeDocument/2006/relationships" xmlns:p="http://schemas.openxmlformats.org/presentationml/2006/main">
+  <p:cSld>
+    <p:spTree>
+      <p:nvGrpSpPr>
+        <p:cNvPr id="1" name="">
+          <a:extLst>
+            <a:ext uri="{FF2B5EF4-FFF2-40B4-BE49-F238E27FC236}">
+              <a16:creationId xmlns:a16="http://schemas.microsoft.com/office/drawing/2014/main" id="{602DB50E-5F84-F9AA-3235-4E0239594244}"/>
+            </a:ext>
+          </a:extLst>
+        </p:cNvPr>
+        <p:cNvGrpSpPr/>
+        <p:nvPr/>
+      </p:nvGrpSpPr>
+      <p:grpSpPr>
+        <a:xfrm>
+          <a:off x="0" y="0"/>
+          <a:ext cx="0" cy="0"/>
+          <a:chOff x="0" y="0"/>
+          <a:chExt cx="0" cy="0"/>
+        </a:xfrm>
+      </p:grpSpPr>
+      <p:sp>
+        <p:nvSpPr>
+          <p:cNvPr id="2" name="Title 1">
+            <a:extLst>
+              <a:ext uri="{FF2B5EF4-FFF2-40B4-BE49-F238E27FC236}">
+                <a16:creationId xmlns:a16="http://schemas.microsoft.com/office/drawing/2014/main" id="{27DCC597-D3D8-FED5-C281-CB6F1D9A7855}"/>
+              </a:ext>
+            </a:extLst>
+          </p:cNvPr>
+          <p:cNvSpPr>
+            <a:spLocks noGrp="1"/>
+          </p:cNvSpPr>
+          <p:nvPr>
+            <p:ph type="title"/>
+          </p:nvPr>
+        </p:nvSpPr>
+        <p:spPr/>
+        <p:txBody>
+          <a:bodyPr/>
+          <a:lstStyle/>
+          <a:p>
+            <a:r>
+              <a:rPr lang="en-TR" dirty="0"/>
+              <a:t>1. Normal Form (1NF)</a:t>
+            </a:r>
+          </a:p>
+        </p:txBody>
+      </p:sp>
+      <p:graphicFrame>
+        <p:nvGraphicFramePr>
+          <p:cNvPr id="4" name="Content Placeholder 3">
+            <a:extLst>
+              <a:ext uri="{FF2B5EF4-FFF2-40B4-BE49-F238E27FC236}">
+                <a16:creationId xmlns:a16="http://schemas.microsoft.com/office/drawing/2014/main" id="{7D33FC9D-3759-EDD2-8072-2E874D736026}"/>
+              </a:ext>
+            </a:extLst>
+          </p:cNvPr>
+          <p:cNvGraphicFramePr>
+            <a:graphicFrameLocks noGrp="1"/>
+          </p:cNvGraphicFramePr>
+          <p:nvPr>
+            <p:ph idx="1"/>
+            <p:extLst>
+              <p:ext uri="{D42A27DB-BD31-4B8C-83A1-F6EECF244321}">
+                <p14:modId xmlns:p14="http://schemas.microsoft.com/office/powerpoint/2010/main" val="1638216451"/>
+              </p:ext>
+            </p:extLst>
+          </p:nvPr>
+        </p:nvGraphicFramePr>
+        <p:xfrm>
+          <a:off x="628649" y="2060021"/>
+          <a:ext cx="7886701" cy="1483360"/>
+        </p:xfrm>
+        <a:graphic>
+          <a:graphicData uri="http://schemas.openxmlformats.org/drawingml/2006/table">
+            <a:tbl>
+              <a:tblPr firstRow="1" bandRow="1">
+                <a:tableStyleId>{5C22544A-7EE6-4342-B048-85BDC9FD1C3A}</a:tableStyleId>
+              </a:tblPr>
+              <a:tblGrid>
+                <a:gridCol w="1373354">
+                  <a:extLst>
+                    <a:ext uri="{9D8B030D-6E8A-4147-A177-3AD203B41FA5}">
+                      <a16:colId xmlns:a16="http://schemas.microsoft.com/office/drawing/2014/main" val="3444992394"/>
+                    </a:ext>
+                  </a:extLst>
+                </a:gridCol>
+                <a:gridCol w="1373354">
+                  <a:extLst>
+                    <a:ext uri="{9D8B030D-6E8A-4147-A177-3AD203B41FA5}">
+                      <a16:colId xmlns:a16="http://schemas.microsoft.com/office/drawing/2014/main" val="1109569717"/>
+                    </a:ext>
+                  </a:extLst>
+                </a:gridCol>
+                <a:gridCol w="1224010">
+                  <a:extLst>
+                    <a:ext uri="{9D8B030D-6E8A-4147-A177-3AD203B41FA5}">
+                      <a16:colId xmlns:a16="http://schemas.microsoft.com/office/drawing/2014/main" val="1241659408"/>
+                    </a:ext>
+                  </a:extLst>
+                </a:gridCol>
+                <a:gridCol w="1373354">
+                  <a:extLst>
+                    <a:ext uri="{9D8B030D-6E8A-4147-A177-3AD203B41FA5}">
+                      <a16:colId xmlns:a16="http://schemas.microsoft.com/office/drawing/2014/main" val="2879877989"/>
+                    </a:ext>
+                  </a:extLst>
+                </a:gridCol>
+                <a:gridCol w="1169275">
+                  <a:extLst>
+                    <a:ext uri="{9D8B030D-6E8A-4147-A177-3AD203B41FA5}">
+                      <a16:colId xmlns:a16="http://schemas.microsoft.com/office/drawing/2014/main" val="842807791"/>
+                    </a:ext>
+                  </a:extLst>
+                </a:gridCol>
+                <a:gridCol w="1373354">
+                  <a:extLst>
+                    <a:ext uri="{9D8B030D-6E8A-4147-A177-3AD203B41FA5}">
+                      <a16:colId xmlns:a16="http://schemas.microsoft.com/office/drawing/2014/main" val="1846455800"/>
+                    </a:ext>
+                  </a:extLst>
+                </a:gridCol>
+              </a:tblGrid>
+              <a:tr h="370840">
+                <a:tc>
+                  <a:txBody>
+                    <a:bodyPr/>
+                    <a:lstStyle/>
+                    <a:p>
+                      <a:r>
+                        <a:rPr lang="en-TR" dirty="0"/>
+                        <a:t>ad</a:t>
+                      </a:r>
+                    </a:p>
+                  </a:txBody>
+                  <a:tcPr/>
+                </a:tc>
+                <a:tc>
+                  <a:txBody>
+                    <a:bodyPr/>
+                    <a:lstStyle/>
+                    <a:p>
+                      <a:r>
+                        <a:rPr lang="en-TR" dirty="0"/>
+                        <a:t>adres</a:t>
+                      </a:r>
+                    </a:p>
+                  </a:txBody>
+                  <a:tcPr/>
+                </a:tc>
+                <a:tc>
+                  <a:txBody>
+                    <a:bodyPr/>
+                    <a:lstStyle/>
+                    <a:p>
+                      <a:r>
+                        <a:rPr lang="en-TR" dirty="0"/>
+                        <a:t>ülkeKodu </a:t>
+                      </a:r>
+                    </a:p>
+                  </a:txBody>
+                  <a:tcPr/>
+                </a:tc>
+                <a:tc>
+                  <a:txBody>
+                    <a:bodyPr/>
+                    <a:lstStyle/>
+                    <a:p>
+                      <a:r>
+                        <a:rPr lang="en-TR" dirty="0"/>
+                        <a:t>telefon</a:t>
+                      </a:r>
+                    </a:p>
+                  </a:txBody>
+                  <a:tcPr/>
+                </a:tc>
+                <a:tc>
+                  <a:txBody>
+                    <a:bodyPr/>
+                    <a:lstStyle/>
+                    <a:p>
+                      <a:r>
+                        <a:rPr lang="en-TR" dirty="0"/>
+                        <a:t>ülkeKodu</a:t>
+                      </a:r>
+                    </a:p>
+                  </a:txBody>
+                  <a:tcPr/>
+                </a:tc>
+                <a:tc>
+                  <a:txBody>
+                    <a:bodyPr/>
+                    <a:lstStyle/>
+                    <a:p>
+                      <a:r>
+                        <a:rPr lang="en-TR" dirty="0"/>
+                        <a:t>telefon</a:t>
+                      </a:r>
+                    </a:p>
+                  </a:txBody>
+                  <a:tcPr/>
+                </a:tc>
+                <a:extLst>
+                  <a:ext uri="{0D108BD9-81ED-4DB2-BD59-A6C34878D82A}">
+                    <a16:rowId xmlns:a16="http://schemas.microsoft.com/office/drawing/2014/main" val="4007056995"/>
+                  </a:ext>
+                </a:extLst>
+              </a:tr>
+              <a:tr h="370840">
+                <a:tc>
+                  <a:txBody>
+                    <a:bodyPr/>
+                    <a:lstStyle/>
+                    <a:p>
+                      <a:r>
+                        <a:rPr lang="en-TR" dirty="0"/>
+                        <a:t>Ali</a:t>
+                      </a:r>
+                    </a:p>
+                  </a:txBody>
+                  <a:tcPr/>
+                </a:tc>
+                <a:tc>
+                  <a:txBody>
+                    <a:bodyPr/>
+                    <a:lstStyle/>
+                    <a:p>
+                      <a:r>
+                        <a:rPr lang="en-TR" dirty="0"/>
+                        <a:t>Adres 1</a:t>
+                      </a:r>
+                    </a:p>
+                  </a:txBody>
+                  <a:tcPr/>
+                </a:tc>
+                <a:tc>
+                  <a:txBody>
+                    <a:bodyPr/>
+                    <a:lstStyle/>
+                    <a:p>
+                      <a:r>
+                        <a:rPr lang="en-TR" dirty="0"/>
+                        <a:t>90</a:t>
+                      </a:r>
+                    </a:p>
+                  </a:txBody>
+                  <a:tcPr/>
+                </a:tc>
+                <a:tc>
+                  <a:txBody>
+                    <a:bodyPr/>
+                    <a:lstStyle/>
+                    <a:p>
+                      <a:r>
+                        <a:rPr lang="en-TR" dirty="0"/>
+                        <a:t>5551234567</a:t>
+                      </a:r>
+                    </a:p>
+                  </a:txBody>
+                  <a:tcPr/>
+                </a:tc>
+                <a:tc>
+                  <a:txBody>
+                    <a:bodyPr/>
+                    <a:lstStyle/>
+                    <a:p>
+                      <a:pPr marL="0" marR="0" lvl="0" indent="0" algn="l" defTabSz="914400" rtl="0" eaLnBrk="1" fontAlgn="auto" latinLnBrk="0" hangingPunct="1">
+                        <a:lnSpc>
+                          <a:spcPct val="100000"/>
+                        </a:lnSpc>
+                        <a:spcBef>
+                          <a:spcPts val="0"/>
+                        </a:spcBef>
+                        <a:spcAft>
+                          <a:spcPts val="0"/>
+                        </a:spcAft>
+                        <a:buClrTx/>
+                        <a:buSzTx/>
+                        <a:buFontTx/>
+                        <a:buNone/>
+                        <a:tabLst/>
+                        <a:defRPr/>
+                      </a:pPr>
+                      <a:r>
+                        <a:rPr lang="en-TR" dirty="0"/>
+                        <a:t>90</a:t>
+                      </a:r>
+                    </a:p>
+                  </a:txBody>
+                  <a:tcPr/>
+                </a:tc>
+                <a:tc>
+                  <a:txBody>
+                    <a:bodyPr/>
+                    <a:lstStyle/>
+                    <a:p>
+                      <a:pPr marL="0" marR="0" lvl="0" indent="0" algn="l" defTabSz="914400" rtl="0" eaLnBrk="1" fontAlgn="auto" latinLnBrk="0" hangingPunct="1">
+                        <a:lnSpc>
+                          <a:spcPct val="100000"/>
+                        </a:lnSpc>
+                        <a:spcBef>
+                          <a:spcPts val="0"/>
+                        </a:spcBef>
+                        <a:spcAft>
+                          <a:spcPts val="0"/>
+                        </a:spcAft>
+                        <a:buClrTx/>
+                        <a:buSzTx/>
+                        <a:buFontTx/>
+                        <a:buNone/>
+                        <a:tabLst/>
+                        <a:defRPr/>
+                      </a:pPr>
+                      <a:r>
+                        <a:rPr lang="en-TR" dirty="0"/>
+                        <a:t>5321234567</a:t>
+                      </a:r>
+                    </a:p>
+                  </a:txBody>
+                  <a:tcPr/>
+                </a:tc>
+                <a:extLst>
+                  <a:ext uri="{0D108BD9-81ED-4DB2-BD59-A6C34878D82A}">
+                    <a16:rowId xmlns:a16="http://schemas.microsoft.com/office/drawing/2014/main" val="4274227303"/>
+                  </a:ext>
+                </a:extLst>
+              </a:tr>
+              <a:tr h="370840">
+                <a:tc>
+                  <a:txBody>
+                    <a:bodyPr/>
+                    <a:lstStyle/>
+                    <a:p>
+                      <a:r>
+                        <a:rPr lang="en-TR" dirty="0"/>
+                        <a:t>Ali</a:t>
+                      </a:r>
+                    </a:p>
+                  </a:txBody>
+                  <a:tcPr/>
+                </a:tc>
+                <a:tc>
+                  <a:txBody>
+                    <a:bodyPr/>
+                    <a:lstStyle/>
+                    <a:p>
+                      <a:r>
+                        <a:rPr lang="en-TR" dirty="0"/>
+                        <a:t>Adres 2</a:t>
+                      </a:r>
+                    </a:p>
+                  </a:txBody>
+                  <a:tcPr/>
+                </a:tc>
+                <a:tc>
+                  <a:txBody>
+                    <a:bodyPr/>
+                    <a:lstStyle/>
+                    <a:p>
+                      <a:r>
+                        <a:rPr lang="en-TR" dirty="0"/>
+                        <a:t>49</a:t>
+                      </a:r>
+                    </a:p>
+                  </a:txBody>
+                  <a:tcPr/>
+                </a:tc>
+                <a:tc>
+                  <a:txBody>
+                    <a:bodyPr/>
+                    <a:lstStyle/>
+                    <a:p>
+                      <a:r>
+                        <a:rPr lang="en-TR" dirty="0"/>
+                        <a:t>123546789</a:t>
+                      </a:r>
+                    </a:p>
+                  </a:txBody>
+                  <a:tcPr/>
+                </a:tc>
+                <a:tc>
+                  <a:txBody>
+                    <a:bodyPr/>
+                    <a:lstStyle/>
+                    <a:p>
+                      <a:endParaRPr lang="en-TR" dirty="0"/>
+                    </a:p>
+                  </a:txBody>
+                  <a:tcPr/>
+                </a:tc>
+                <a:tc>
+                  <a:txBody>
+                    <a:bodyPr/>
+                    <a:lstStyle/>
+                    <a:p>
+                      <a:endParaRPr lang="en-TR" dirty="0"/>
+                    </a:p>
+                  </a:txBody>
+                  <a:tcPr/>
+                </a:tc>
+                <a:extLst>
+                  <a:ext uri="{0D108BD9-81ED-4DB2-BD59-A6C34878D82A}">
+                    <a16:rowId xmlns:a16="http://schemas.microsoft.com/office/drawing/2014/main" val="3412863520"/>
+                  </a:ext>
+                </a:extLst>
+              </a:tr>
+              <a:tr h="370840">
+                <a:tc>
+                  <a:txBody>
+                    <a:bodyPr/>
+                    <a:lstStyle/>
+                    <a:p>
+                      <a:r>
+                        <a:rPr lang="en-TR" dirty="0"/>
+                        <a:t>Ayşe</a:t>
+                      </a:r>
+                    </a:p>
+                  </a:txBody>
+                  <a:tcPr/>
+                </a:tc>
+                <a:tc>
+                  <a:txBody>
+                    <a:bodyPr/>
+                    <a:lstStyle/>
+                    <a:p>
+                      <a:r>
+                        <a:rPr lang="en-TR" dirty="0"/>
+                        <a:t>Adres 3</a:t>
+                      </a:r>
+                    </a:p>
+                  </a:txBody>
+                  <a:tcPr/>
+                </a:tc>
+                <a:tc>
+                  <a:txBody>
+                    <a:bodyPr/>
+                    <a:lstStyle/>
+                    <a:p>
+                      <a:r>
+                        <a:rPr lang="en-TR" dirty="0"/>
+                        <a:t>90</a:t>
+                      </a:r>
+                    </a:p>
+                  </a:txBody>
+                  <a:tcPr/>
+                </a:tc>
+                <a:tc>
+                  <a:txBody>
+                    <a:bodyPr/>
+                    <a:lstStyle/>
+                    <a:p>
+                      <a:r>
+                        <a:rPr lang="en-TR" dirty="0"/>
+                        <a:t>5051234567</a:t>
+                      </a:r>
+                    </a:p>
+                  </a:txBody>
+                  <a:tcPr/>
+                </a:tc>
+                <a:tc>
+                  <a:txBody>
+                    <a:bodyPr/>
+                    <a:lstStyle/>
+                    <a:p>
+                      <a:r>
+                        <a:rPr lang="en-TR" dirty="0"/>
+                        <a:t>90</a:t>
+                      </a:r>
+                    </a:p>
+                  </a:txBody>
+                  <a:tcPr/>
+                </a:tc>
+                <a:tc>
+                  <a:txBody>
+                    <a:bodyPr/>
+                    <a:lstStyle/>
+                    <a:p>
+                      <a:r>
+                        <a:rPr lang="en-TR" dirty="0"/>
+                        <a:t>5054567891</a:t>
+                      </a:r>
+                    </a:p>
+                  </a:txBody>
+                  <a:tcPr/>
+                </a:tc>
+                <a:extLst>
+                  <a:ext uri="{0D108BD9-81ED-4DB2-BD59-A6C34878D82A}">
+                    <a16:rowId xmlns:a16="http://schemas.microsoft.com/office/drawing/2014/main" val="3117025022"/>
+                  </a:ext>
+                </a:extLst>
+              </a:tr>
+            </a:tbl>
+          </a:graphicData>
+        </a:graphic>
+      </p:graphicFrame>
+      <p:sp>
+        <p:nvSpPr>
+          <p:cNvPr id="5" name="TextBox 4">
+            <a:extLst>
+              <a:ext uri="{FF2B5EF4-FFF2-40B4-BE49-F238E27FC236}">
+                <a16:creationId xmlns:a16="http://schemas.microsoft.com/office/drawing/2014/main" id="{39ED7191-2B98-7F6A-1A3B-78F3948B1727}"/>
+              </a:ext>
+            </a:extLst>
+          </p:cNvPr>
+          <p:cNvSpPr txBox="1"/>
+          <p:nvPr/>
+        </p:nvSpPr>
+        <p:spPr>
+          <a:xfrm>
+            <a:off x="4007485" y="1690689"/>
+            <a:ext cx="1129027" cy="369332"/>
+          </a:xfrm>
+          <a:prstGeom prst="rect">
+            <a:avLst/>
+          </a:prstGeom>
+          <a:noFill/>
+        </p:spPr>
+        <p:txBody>
+          <a:bodyPr wrap="none" rtlCol="0">
+            <a:spAutoFit/>
+          </a:bodyPr>
+          <a:lstStyle/>
+          <a:p>
+            <a:r>
+              <a:rPr lang="en-TR" dirty="0"/>
+              <a:t>öğrenciler</a:t>
+            </a:r>
+          </a:p>
+        </p:txBody>
+      </p:sp>
+      <p:sp>
+        <p:nvSpPr>
+          <p:cNvPr id="6" name="TextBox 5">
+            <a:extLst>
+              <a:ext uri="{FF2B5EF4-FFF2-40B4-BE49-F238E27FC236}">
+                <a16:creationId xmlns:a16="http://schemas.microsoft.com/office/drawing/2014/main" id="{4019544E-6846-298C-DBD2-07DA7542ADFC}"/>
+              </a:ext>
+            </a:extLst>
+          </p:cNvPr>
+          <p:cNvSpPr txBox="1"/>
+          <p:nvPr/>
+        </p:nvSpPr>
+        <p:spPr>
+          <a:xfrm>
+            <a:off x="2156403" y="3912713"/>
+            <a:ext cx="4831194" cy="2126864"/>
+          </a:xfrm>
+          <a:prstGeom prst="rect">
+            <a:avLst/>
+          </a:prstGeom>
+          <a:noFill/>
+        </p:spPr>
+        <p:txBody>
+          <a:bodyPr wrap="none" rtlCol="0">
+            <a:spAutoFit/>
+          </a:bodyPr>
+          <a:lstStyle/>
+          <a:p>
+            <a:pPr marL="285750" indent="-285750">
+              <a:lnSpc>
+                <a:spcPct val="150000"/>
+              </a:lnSpc>
+              <a:buFont typeface="Arial" panose="020B0604020202020204" pitchFamily="34" charset="0"/>
+              <a:buChar char="•"/>
+            </a:pPr>
+            <a:r>
+              <a:rPr lang="en-US" dirty="0" err="1">
+                <a:solidFill>
+                  <a:srgbClr val="00B050"/>
+                </a:solidFill>
+              </a:rPr>
+              <a:t>Sütunlarda</a:t>
+            </a:r>
+            <a:r>
+              <a:rPr lang="en-US" dirty="0">
+                <a:solidFill>
+                  <a:srgbClr val="00B050"/>
+                </a:solidFill>
+              </a:rPr>
+              <a:t> </a:t>
+            </a:r>
+            <a:r>
+              <a:rPr lang="en-US" dirty="0" err="1">
+                <a:solidFill>
+                  <a:srgbClr val="00B050"/>
+                </a:solidFill>
+              </a:rPr>
+              <a:t>yalnızca</a:t>
+            </a:r>
+            <a:r>
+              <a:rPr lang="en-US" dirty="0">
+                <a:solidFill>
+                  <a:srgbClr val="00B050"/>
+                </a:solidFill>
+              </a:rPr>
+              <a:t> </a:t>
+            </a:r>
+            <a:r>
+              <a:rPr lang="en-US" dirty="0" err="1">
+                <a:solidFill>
+                  <a:srgbClr val="00B050"/>
+                </a:solidFill>
+              </a:rPr>
+              <a:t>tek</a:t>
+            </a:r>
+            <a:r>
+              <a:rPr lang="en-US" dirty="0">
+                <a:solidFill>
+                  <a:srgbClr val="00B050"/>
+                </a:solidFill>
+              </a:rPr>
+              <a:t> </a:t>
+            </a:r>
+            <a:r>
+              <a:rPr lang="en-US" dirty="0" err="1">
+                <a:solidFill>
+                  <a:srgbClr val="00B050"/>
+                </a:solidFill>
+              </a:rPr>
+              <a:t>değerli</a:t>
+            </a:r>
+            <a:r>
+              <a:rPr lang="en-US" dirty="0">
+                <a:solidFill>
+                  <a:srgbClr val="00B050"/>
+                </a:solidFill>
+              </a:rPr>
+              <a:t> </a:t>
+            </a:r>
+            <a:r>
+              <a:rPr lang="en-US" dirty="0" err="1">
+                <a:solidFill>
+                  <a:srgbClr val="00B050"/>
+                </a:solidFill>
+              </a:rPr>
+              <a:t>nitelikler</a:t>
+            </a:r>
+            <a:r>
+              <a:rPr lang="en-US" dirty="0">
+                <a:solidFill>
+                  <a:srgbClr val="00B050"/>
+                </a:solidFill>
+              </a:rPr>
+              <a:t> </a:t>
+            </a:r>
+            <a:r>
+              <a:rPr lang="en-US" dirty="0" err="1">
+                <a:solidFill>
+                  <a:srgbClr val="00B050"/>
+                </a:solidFill>
+              </a:rPr>
+              <a:t>vardır</a:t>
+            </a:r>
+            <a:r>
+              <a:rPr lang="en-US" dirty="0">
+                <a:solidFill>
+                  <a:srgbClr val="00B050"/>
+                </a:solidFill>
+              </a:rPr>
+              <a:t>.</a:t>
+            </a:r>
+          </a:p>
+          <a:p>
+            <a:pPr marL="285750" indent="-285750">
+              <a:lnSpc>
+                <a:spcPct val="150000"/>
+              </a:lnSpc>
+              <a:buFont typeface="Arial" panose="020B0604020202020204" pitchFamily="34" charset="0"/>
+              <a:buChar char="•"/>
+            </a:pPr>
+            <a:r>
+              <a:rPr lang="en-US" dirty="0" err="1">
+                <a:solidFill>
+                  <a:srgbClr val="00B050"/>
+                </a:solidFill>
+              </a:rPr>
+              <a:t>Aynı</a:t>
+            </a:r>
+            <a:r>
+              <a:rPr lang="en-US" dirty="0">
+                <a:solidFill>
+                  <a:srgbClr val="00B050"/>
+                </a:solidFill>
+              </a:rPr>
+              <a:t> </a:t>
+            </a:r>
+            <a:r>
+              <a:rPr lang="en-US" dirty="0" err="1">
+                <a:solidFill>
+                  <a:srgbClr val="00B050"/>
+                </a:solidFill>
+              </a:rPr>
+              <a:t>sütunda</a:t>
+            </a:r>
+            <a:r>
+              <a:rPr lang="en-US" dirty="0">
+                <a:solidFill>
+                  <a:srgbClr val="00B050"/>
+                </a:solidFill>
+              </a:rPr>
+              <a:t> 1’den </a:t>
+            </a:r>
+            <a:r>
+              <a:rPr lang="en-US" dirty="0" err="1">
+                <a:solidFill>
+                  <a:srgbClr val="00B050"/>
+                </a:solidFill>
+              </a:rPr>
+              <a:t>çok</a:t>
+            </a:r>
+            <a:r>
+              <a:rPr lang="en-US" dirty="0">
+                <a:solidFill>
+                  <a:srgbClr val="00B050"/>
+                </a:solidFill>
+              </a:rPr>
+              <a:t> </a:t>
+            </a:r>
+            <a:r>
+              <a:rPr lang="en-US" dirty="0" err="1">
+                <a:solidFill>
+                  <a:srgbClr val="00B050"/>
+                </a:solidFill>
+              </a:rPr>
+              <a:t>tipte</a:t>
+            </a:r>
+            <a:r>
+              <a:rPr lang="en-US" dirty="0">
+                <a:solidFill>
+                  <a:srgbClr val="00B050"/>
+                </a:solidFill>
+              </a:rPr>
+              <a:t> </a:t>
+            </a:r>
+            <a:r>
+              <a:rPr lang="en-US" dirty="0" err="1">
+                <a:solidFill>
+                  <a:srgbClr val="00B050"/>
+                </a:solidFill>
+              </a:rPr>
+              <a:t>veri</a:t>
+            </a:r>
+            <a:r>
+              <a:rPr lang="en-US" dirty="0">
+                <a:solidFill>
+                  <a:srgbClr val="00B050"/>
+                </a:solidFill>
+              </a:rPr>
+              <a:t> </a:t>
+            </a:r>
+            <a:r>
+              <a:rPr lang="en-US" dirty="0" err="1">
+                <a:solidFill>
+                  <a:srgbClr val="00B050"/>
+                </a:solidFill>
+              </a:rPr>
+              <a:t>olmamalıdır</a:t>
+            </a:r>
+            <a:r>
+              <a:rPr lang="en-US" dirty="0">
+                <a:solidFill>
+                  <a:srgbClr val="00B050"/>
+                </a:solidFill>
+              </a:rPr>
+              <a:t>.</a:t>
+            </a:r>
+          </a:p>
+          <a:p>
+            <a:pPr marL="285750" indent="-285750">
+              <a:lnSpc>
+                <a:spcPct val="150000"/>
+              </a:lnSpc>
+              <a:buFont typeface="Arial" panose="020B0604020202020204" pitchFamily="34" charset="0"/>
+              <a:buChar char="•"/>
+            </a:pPr>
+            <a:r>
+              <a:rPr lang="en-US" dirty="0"/>
+              <a:t>Her </a:t>
+            </a:r>
+            <a:r>
+              <a:rPr lang="en-US" dirty="0" err="1"/>
+              <a:t>sütun</a:t>
+            </a:r>
+            <a:r>
+              <a:rPr lang="en-US" dirty="0"/>
+              <a:t> </a:t>
+            </a:r>
+            <a:r>
+              <a:rPr lang="en-US" dirty="0" err="1"/>
+              <a:t>için</a:t>
+            </a:r>
+            <a:r>
+              <a:rPr lang="en-US" dirty="0"/>
+              <a:t> </a:t>
+            </a:r>
+            <a:r>
+              <a:rPr lang="en-US" dirty="0" err="1"/>
+              <a:t>benzersiz</a:t>
+            </a:r>
+            <a:r>
+              <a:rPr lang="en-US" dirty="0"/>
+              <a:t> </a:t>
+            </a:r>
+            <a:r>
+              <a:rPr lang="en-US" dirty="0" err="1"/>
+              <a:t>bir</a:t>
+            </a:r>
+            <a:r>
+              <a:rPr lang="en-US" dirty="0"/>
+              <a:t> ad </a:t>
+            </a:r>
+            <a:r>
+              <a:rPr lang="en-US" dirty="0" err="1"/>
+              <a:t>vardır</a:t>
+            </a:r>
+            <a:r>
+              <a:rPr lang="en-US" dirty="0"/>
+              <a:t>.</a:t>
+            </a:r>
+          </a:p>
+          <a:p>
+            <a:pPr marL="285750" indent="-285750">
+              <a:lnSpc>
+                <a:spcPct val="150000"/>
+              </a:lnSpc>
+              <a:buFont typeface="Arial" panose="020B0604020202020204" pitchFamily="34" charset="0"/>
+              <a:buChar char="•"/>
+            </a:pPr>
+            <a:r>
+              <a:rPr lang="en-US" dirty="0"/>
+              <a:t>Primary key </a:t>
+            </a:r>
+            <a:r>
+              <a:rPr lang="en-US" dirty="0" err="1"/>
+              <a:t>bulunmalıdır</a:t>
+            </a:r>
+            <a:r>
+              <a:rPr lang="en-US" dirty="0"/>
+              <a:t>.</a:t>
+            </a:r>
+          </a:p>
+          <a:p>
+            <a:pPr marL="285750" indent="-285750">
+              <a:lnSpc>
+                <a:spcPct val="150000"/>
+              </a:lnSpc>
+              <a:buFont typeface="Arial" panose="020B0604020202020204" pitchFamily="34" charset="0"/>
+              <a:buChar char="•"/>
+            </a:pPr>
+            <a:r>
+              <a:rPr lang="en-US" dirty="0" err="1"/>
+              <a:t>Tekrar</a:t>
+            </a:r>
+            <a:r>
+              <a:rPr lang="en-US" dirty="0"/>
+              <a:t> </a:t>
+            </a:r>
+            <a:r>
+              <a:rPr lang="en-US" dirty="0" err="1"/>
+              <a:t>eden</a:t>
+            </a:r>
+            <a:r>
+              <a:rPr lang="en-US" dirty="0"/>
+              <a:t> </a:t>
+            </a:r>
+            <a:r>
+              <a:rPr lang="en-US" dirty="0" err="1"/>
+              <a:t>sütunlar</a:t>
+            </a:r>
+            <a:r>
+              <a:rPr lang="en-US" dirty="0"/>
+              <a:t> </a:t>
+            </a:r>
+            <a:r>
+              <a:rPr lang="en-US" dirty="0" err="1"/>
+              <a:t>olmamalıdır</a:t>
+            </a:r>
+            <a:r>
+              <a:rPr lang="en-US" dirty="0"/>
+              <a:t>.</a:t>
+            </a:r>
+          </a:p>
+        </p:txBody>
+      </p:sp>
+    </p:spTree>
+    <p:extLst>
+      <p:ext uri="{BB962C8B-B14F-4D97-AF65-F5344CB8AC3E}">
+        <p14:creationId xmlns:p14="http://schemas.microsoft.com/office/powerpoint/2010/main" val="2935546415"/>
+      </p:ext>
+    </p:extLst>
+  </p:cSld>
+  <p:clrMapOvr>
+    <a:masterClrMapping/>
+  </p:clrMapOvr>
+</p:sld>
+</file>
+
+<file path=ppt/slides/slide13.xml><?xml version="1.0" encoding="utf-8"?>
+<p:sld xmlns:a="http://schemas.openxmlformats.org/drawingml/2006/main" xmlns:r="http://schemas.openxmlformats.org/officeDocument/2006/relationships" xmlns:p="http://schemas.openxmlformats.org/presentationml/2006/main">
+  <p:cSld>
+    <p:spTree>
+      <p:nvGrpSpPr>
+        <p:cNvPr id="1" name="">
+          <a:extLst>
+            <a:ext uri="{FF2B5EF4-FFF2-40B4-BE49-F238E27FC236}">
+              <a16:creationId xmlns:a16="http://schemas.microsoft.com/office/drawing/2014/main" id="{602DB50E-5F84-F9AA-3235-4E0239594244}"/>
+            </a:ext>
+          </a:extLst>
+        </p:cNvPr>
+        <p:cNvGrpSpPr/>
+        <p:nvPr/>
+      </p:nvGrpSpPr>
+      <p:grpSpPr>
+        <a:xfrm>
+          <a:off x="0" y="0"/>
+          <a:ext cx="0" cy="0"/>
+          <a:chOff x="0" y="0"/>
+          <a:chExt cx="0" cy="0"/>
+        </a:xfrm>
+      </p:grpSpPr>
+      <p:sp>
+        <p:nvSpPr>
+          <p:cNvPr id="2" name="Title 1">
+            <a:extLst>
+              <a:ext uri="{FF2B5EF4-FFF2-40B4-BE49-F238E27FC236}">
+                <a16:creationId xmlns:a16="http://schemas.microsoft.com/office/drawing/2014/main" id="{27DCC597-D3D8-FED5-C281-CB6F1D9A7855}"/>
+              </a:ext>
+            </a:extLst>
+          </p:cNvPr>
+          <p:cNvSpPr>
+            <a:spLocks noGrp="1"/>
+          </p:cNvSpPr>
+          <p:nvPr>
+            <p:ph type="title"/>
+          </p:nvPr>
+        </p:nvSpPr>
+        <p:spPr/>
+        <p:txBody>
+          <a:bodyPr/>
+          <a:lstStyle/>
+          <a:p>
+            <a:r>
+              <a:rPr lang="en-TR" dirty="0"/>
+              <a:t>1. Normal Form (1NF)</a:t>
+            </a:r>
+          </a:p>
+        </p:txBody>
+      </p:sp>
+      <p:graphicFrame>
+        <p:nvGraphicFramePr>
+          <p:cNvPr id="4" name="Content Placeholder 3">
+            <a:extLst>
+              <a:ext uri="{FF2B5EF4-FFF2-40B4-BE49-F238E27FC236}">
+                <a16:creationId xmlns:a16="http://schemas.microsoft.com/office/drawing/2014/main" id="{7D33FC9D-3759-EDD2-8072-2E874D736026}"/>
+              </a:ext>
+            </a:extLst>
+          </p:cNvPr>
+          <p:cNvGraphicFramePr>
+            <a:graphicFrameLocks noGrp="1"/>
+          </p:cNvGraphicFramePr>
+          <p:nvPr>
+            <p:ph idx="1"/>
+            <p:extLst>
+              <p:ext uri="{D42A27DB-BD31-4B8C-83A1-F6EECF244321}">
+                <p14:modId xmlns:p14="http://schemas.microsoft.com/office/powerpoint/2010/main" val="3031223241"/>
+              </p:ext>
+            </p:extLst>
+          </p:nvPr>
+        </p:nvGraphicFramePr>
+        <p:xfrm>
+          <a:off x="628649" y="2060021"/>
+          <a:ext cx="7601384" cy="1483360"/>
+        </p:xfrm>
+        <a:graphic>
+          <a:graphicData uri="http://schemas.openxmlformats.org/drawingml/2006/table">
+            <a:tbl>
+              <a:tblPr firstRow="1" bandRow="1">
+                <a:tableStyleId>{5C22544A-7EE6-4342-B048-85BDC9FD1C3A}</a:tableStyleId>
+              </a:tblPr>
+              <a:tblGrid>
+                <a:gridCol w="1004208">
+                  <a:extLst>
+                    <a:ext uri="{9D8B030D-6E8A-4147-A177-3AD203B41FA5}">
+                      <a16:colId xmlns:a16="http://schemas.microsoft.com/office/drawing/2014/main" val="3444992394"/>
+                    </a:ext>
+                  </a:extLst>
+                </a:gridCol>
+                <a:gridCol w="1099457">
+                  <a:extLst>
+                    <a:ext uri="{9D8B030D-6E8A-4147-A177-3AD203B41FA5}">
+                      <a16:colId xmlns:a16="http://schemas.microsoft.com/office/drawing/2014/main" val="1109569717"/>
+                    </a:ext>
+                  </a:extLst>
+                </a:gridCol>
+                <a:gridCol w="1401699">
+                  <a:extLst>
+                    <a:ext uri="{9D8B030D-6E8A-4147-A177-3AD203B41FA5}">
+                      <a16:colId xmlns:a16="http://schemas.microsoft.com/office/drawing/2014/main" val="1241659408"/>
+                    </a:ext>
+                  </a:extLst>
+                </a:gridCol>
+                <a:gridCol w="1373354">
+                  <a:extLst>
+                    <a:ext uri="{9D8B030D-6E8A-4147-A177-3AD203B41FA5}">
+                      <a16:colId xmlns:a16="http://schemas.microsoft.com/office/drawing/2014/main" val="2879877989"/>
+                    </a:ext>
+                  </a:extLst>
+                </a:gridCol>
+                <a:gridCol w="1349312">
+                  <a:extLst>
+                    <a:ext uri="{9D8B030D-6E8A-4147-A177-3AD203B41FA5}">
+                      <a16:colId xmlns:a16="http://schemas.microsoft.com/office/drawing/2014/main" val="842807791"/>
+                    </a:ext>
+                  </a:extLst>
+                </a:gridCol>
+                <a:gridCol w="1373354">
+                  <a:extLst>
+                    <a:ext uri="{9D8B030D-6E8A-4147-A177-3AD203B41FA5}">
+                      <a16:colId xmlns:a16="http://schemas.microsoft.com/office/drawing/2014/main" val="1846455800"/>
+                    </a:ext>
+                  </a:extLst>
+                </a:gridCol>
+              </a:tblGrid>
+              <a:tr h="370840">
+                <a:tc>
+                  <a:txBody>
+                    <a:bodyPr/>
+                    <a:lstStyle/>
+                    <a:p>
+                      <a:r>
+                        <a:rPr lang="en-TR" dirty="0"/>
+                        <a:t>ad</a:t>
+                      </a:r>
+                    </a:p>
+                  </a:txBody>
+                  <a:tcPr/>
+                </a:tc>
+                <a:tc>
+                  <a:txBody>
+                    <a:bodyPr/>
+                    <a:lstStyle/>
+                    <a:p>
+                      <a:r>
+                        <a:rPr lang="en-TR" dirty="0"/>
+                        <a:t>adres</a:t>
+                      </a:r>
+                    </a:p>
+                  </a:txBody>
+                  <a:tcPr/>
+                </a:tc>
+                <a:tc>
+                  <a:txBody>
+                    <a:bodyPr/>
+                    <a:lstStyle/>
+                    <a:p>
+                      <a:r>
+                        <a:rPr lang="en-TR" dirty="0"/>
+                        <a:t>ülkeKodu_1 </a:t>
+                      </a:r>
+                    </a:p>
+                  </a:txBody>
+                  <a:tcPr/>
+                </a:tc>
+                <a:tc>
+                  <a:txBody>
+                    <a:bodyPr/>
+                    <a:lstStyle/>
+                    <a:p>
+                      <a:r>
+                        <a:rPr lang="en-US" dirty="0" err="1"/>
+                        <a:t>telefon</a:t>
+                      </a:r>
+                      <a:r>
+                        <a:rPr lang="en-TR" dirty="0"/>
+                        <a:t>_1</a:t>
+                      </a:r>
+                    </a:p>
+                  </a:txBody>
+                  <a:tcPr/>
+                </a:tc>
+                <a:tc>
+                  <a:txBody>
+                    <a:bodyPr/>
+                    <a:lstStyle/>
+                    <a:p>
+                      <a:r>
+                        <a:rPr lang="en-TR" dirty="0"/>
+                        <a:t>ülkeKodu_2</a:t>
+                      </a:r>
+                    </a:p>
+                  </a:txBody>
+                  <a:tcPr/>
+                </a:tc>
+                <a:tc>
+                  <a:txBody>
+                    <a:bodyPr/>
+                    <a:lstStyle/>
+                    <a:p>
+                      <a:r>
+                        <a:rPr lang="en-TR" dirty="0"/>
+                        <a:t>telefon_2</a:t>
+                      </a:r>
+                    </a:p>
+                  </a:txBody>
+                  <a:tcPr/>
+                </a:tc>
+                <a:extLst>
+                  <a:ext uri="{0D108BD9-81ED-4DB2-BD59-A6C34878D82A}">
+                    <a16:rowId xmlns:a16="http://schemas.microsoft.com/office/drawing/2014/main" val="4007056995"/>
+                  </a:ext>
+                </a:extLst>
+              </a:tr>
+              <a:tr h="370840">
+                <a:tc>
+                  <a:txBody>
+                    <a:bodyPr/>
+                    <a:lstStyle/>
+                    <a:p>
+                      <a:r>
+                        <a:rPr lang="en-TR" dirty="0"/>
+                        <a:t>Ali</a:t>
+                      </a:r>
+                    </a:p>
+                  </a:txBody>
+                  <a:tcPr/>
+                </a:tc>
+                <a:tc>
+                  <a:txBody>
+                    <a:bodyPr/>
+                    <a:lstStyle/>
+                    <a:p>
+                      <a:r>
+                        <a:rPr lang="en-TR" dirty="0"/>
+                        <a:t>Adres 1</a:t>
+                      </a:r>
+                    </a:p>
+                  </a:txBody>
+                  <a:tcPr/>
+                </a:tc>
+                <a:tc>
+                  <a:txBody>
+                    <a:bodyPr/>
+                    <a:lstStyle/>
+                    <a:p>
+                      <a:r>
+                        <a:rPr lang="en-TR" dirty="0"/>
+                        <a:t>90</a:t>
+                      </a:r>
+                    </a:p>
+                  </a:txBody>
+                  <a:tcPr/>
+                </a:tc>
+                <a:tc>
+                  <a:txBody>
+                    <a:bodyPr/>
+                    <a:lstStyle/>
+                    <a:p>
+                      <a:r>
+                        <a:rPr lang="en-TR" dirty="0"/>
+                        <a:t>5551234567</a:t>
+                      </a:r>
+                    </a:p>
+                  </a:txBody>
+                  <a:tcPr/>
+                </a:tc>
+                <a:tc>
+                  <a:txBody>
+                    <a:bodyPr/>
+                    <a:lstStyle/>
+                    <a:p>
+                      <a:pPr marL="0" marR="0" lvl="0" indent="0" algn="l" defTabSz="914400" rtl="0" eaLnBrk="1" fontAlgn="auto" latinLnBrk="0" hangingPunct="1">
+                        <a:lnSpc>
+                          <a:spcPct val="100000"/>
+                        </a:lnSpc>
+                        <a:spcBef>
+                          <a:spcPts val="0"/>
+                        </a:spcBef>
+                        <a:spcAft>
+                          <a:spcPts val="0"/>
+                        </a:spcAft>
+                        <a:buClrTx/>
+                        <a:buSzTx/>
+                        <a:buFontTx/>
+                        <a:buNone/>
+                        <a:tabLst/>
+                        <a:defRPr/>
+                      </a:pPr>
+                      <a:r>
+                        <a:rPr lang="en-TR" dirty="0"/>
+                        <a:t>90</a:t>
+                      </a:r>
+                    </a:p>
+                  </a:txBody>
+                  <a:tcPr/>
+                </a:tc>
+                <a:tc>
+                  <a:txBody>
+                    <a:bodyPr/>
+                    <a:lstStyle/>
+                    <a:p>
+                      <a:pPr marL="0" marR="0" lvl="0" indent="0" algn="l" defTabSz="914400" rtl="0" eaLnBrk="1" fontAlgn="auto" latinLnBrk="0" hangingPunct="1">
+                        <a:lnSpc>
+                          <a:spcPct val="100000"/>
+                        </a:lnSpc>
+                        <a:spcBef>
+                          <a:spcPts val="0"/>
+                        </a:spcBef>
+                        <a:spcAft>
+                          <a:spcPts val="0"/>
+                        </a:spcAft>
+                        <a:buClrTx/>
+                        <a:buSzTx/>
+                        <a:buFontTx/>
+                        <a:buNone/>
+                        <a:tabLst/>
+                        <a:defRPr/>
+                      </a:pPr>
+                      <a:r>
+                        <a:rPr lang="en-TR" dirty="0"/>
+                        <a:t>5321234567</a:t>
+                      </a:r>
+                    </a:p>
+                  </a:txBody>
+                  <a:tcPr/>
+                </a:tc>
+                <a:extLst>
+                  <a:ext uri="{0D108BD9-81ED-4DB2-BD59-A6C34878D82A}">
+                    <a16:rowId xmlns:a16="http://schemas.microsoft.com/office/drawing/2014/main" val="4274227303"/>
+                  </a:ext>
+                </a:extLst>
+              </a:tr>
+              <a:tr h="370840">
+                <a:tc>
+                  <a:txBody>
+                    <a:bodyPr/>
+                    <a:lstStyle/>
+                    <a:p>
+                      <a:r>
+                        <a:rPr lang="en-TR" dirty="0"/>
+                        <a:t>Ali</a:t>
+                      </a:r>
+                    </a:p>
+                  </a:txBody>
+                  <a:tcPr/>
+                </a:tc>
+                <a:tc>
+                  <a:txBody>
+                    <a:bodyPr/>
+                    <a:lstStyle/>
+                    <a:p>
+                      <a:r>
+                        <a:rPr lang="en-TR" dirty="0"/>
+                        <a:t>Adres 2</a:t>
+                      </a:r>
+                    </a:p>
+                  </a:txBody>
+                  <a:tcPr/>
+                </a:tc>
+                <a:tc>
+                  <a:txBody>
+                    <a:bodyPr/>
+                    <a:lstStyle/>
+                    <a:p>
+                      <a:r>
+                        <a:rPr lang="en-TR" dirty="0"/>
+                        <a:t>49</a:t>
+                      </a:r>
+                    </a:p>
+                  </a:txBody>
+                  <a:tcPr/>
+                </a:tc>
+                <a:tc>
+                  <a:txBody>
+                    <a:bodyPr/>
+                    <a:lstStyle/>
+                    <a:p>
+                      <a:r>
+                        <a:rPr lang="en-TR" dirty="0"/>
+                        <a:t>123546789</a:t>
+                      </a:r>
+                    </a:p>
+                  </a:txBody>
+                  <a:tcPr/>
+                </a:tc>
+                <a:tc>
+                  <a:txBody>
+                    <a:bodyPr/>
+                    <a:lstStyle/>
+                    <a:p>
+                      <a:endParaRPr lang="en-TR" dirty="0"/>
+                    </a:p>
+                  </a:txBody>
+                  <a:tcPr/>
+                </a:tc>
+                <a:tc>
+                  <a:txBody>
+                    <a:bodyPr/>
+                    <a:lstStyle/>
+                    <a:p>
+                      <a:endParaRPr lang="en-TR" dirty="0"/>
+                    </a:p>
+                  </a:txBody>
+                  <a:tcPr/>
+                </a:tc>
+                <a:extLst>
+                  <a:ext uri="{0D108BD9-81ED-4DB2-BD59-A6C34878D82A}">
+                    <a16:rowId xmlns:a16="http://schemas.microsoft.com/office/drawing/2014/main" val="3412863520"/>
+                  </a:ext>
+                </a:extLst>
+              </a:tr>
+              <a:tr h="370840">
+                <a:tc>
+                  <a:txBody>
+                    <a:bodyPr/>
+                    <a:lstStyle/>
+                    <a:p>
+                      <a:r>
+                        <a:rPr lang="en-TR" dirty="0"/>
+                        <a:t>Ayşe</a:t>
+                      </a:r>
+                    </a:p>
+                  </a:txBody>
+                  <a:tcPr/>
+                </a:tc>
+                <a:tc>
+                  <a:txBody>
+                    <a:bodyPr/>
+                    <a:lstStyle/>
+                    <a:p>
+                      <a:r>
+                        <a:rPr lang="en-TR" dirty="0"/>
+                        <a:t>Adres 3</a:t>
+                      </a:r>
+                    </a:p>
+                  </a:txBody>
+                  <a:tcPr/>
+                </a:tc>
+                <a:tc>
+                  <a:txBody>
+                    <a:bodyPr/>
+                    <a:lstStyle/>
+                    <a:p>
+                      <a:r>
+                        <a:rPr lang="en-TR" dirty="0"/>
+                        <a:t>90</a:t>
+                      </a:r>
+                    </a:p>
+                  </a:txBody>
+                  <a:tcPr/>
+                </a:tc>
+                <a:tc>
+                  <a:txBody>
+                    <a:bodyPr/>
+                    <a:lstStyle/>
+                    <a:p>
+                      <a:r>
+                        <a:rPr lang="en-TR" dirty="0"/>
+                        <a:t>5051234567</a:t>
+                      </a:r>
+                    </a:p>
+                  </a:txBody>
+                  <a:tcPr/>
+                </a:tc>
+                <a:tc>
+                  <a:txBody>
+                    <a:bodyPr/>
+                    <a:lstStyle/>
+                    <a:p>
+                      <a:r>
+                        <a:rPr lang="en-TR" dirty="0"/>
+                        <a:t>90</a:t>
+                      </a:r>
+                    </a:p>
+                  </a:txBody>
+                  <a:tcPr/>
+                </a:tc>
+                <a:tc>
+                  <a:txBody>
+                    <a:bodyPr/>
+                    <a:lstStyle/>
+                    <a:p>
+                      <a:r>
+                        <a:rPr lang="en-TR" dirty="0"/>
+                        <a:t>5054567891</a:t>
+                      </a:r>
+                    </a:p>
+                  </a:txBody>
+                  <a:tcPr/>
+                </a:tc>
+                <a:extLst>
+                  <a:ext uri="{0D108BD9-81ED-4DB2-BD59-A6C34878D82A}">
+                    <a16:rowId xmlns:a16="http://schemas.microsoft.com/office/drawing/2014/main" val="3117025022"/>
+                  </a:ext>
+                </a:extLst>
+              </a:tr>
+            </a:tbl>
+          </a:graphicData>
+        </a:graphic>
+      </p:graphicFrame>
+      <p:sp>
+        <p:nvSpPr>
+          <p:cNvPr id="5" name="TextBox 4">
+            <a:extLst>
+              <a:ext uri="{FF2B5EF4-FFF2-40B4-BE49-F238E27FC236}">
+                <a16:creationId xmlns:a16="http://schemas.microsoft.com/office/drawing/2014/main" id="{39ED7191-2B98-7F6A-1A3B-78F3948B1727}"/>
+              </a:ext>
+            </a:extLst>
+          </p:cNvPr>
+          <p:cNvSpPr txBox="1"/>
+          <p:nvPr/>
+        </p:nvSpPr>
+        <p:spPr>
+          <a:xfrm>
+            <a:off x="4007485" y="1690689"/>
+            <a:ext cx="1129027" cy="369332"/>
+          </a:xfrm>
+          <a:prstGeom prst="rect">
+            <a:avLst/>
+          </a:prstGeom>
+          <a:noFill/>
+        </p:spPr>
+        <p:txBody>
+          <a:bodyPr wrap="none" rtlCol="0">
+            <a:spAutoFit/>
+          </a:bodyPr>
+          <a:lstStyle/>
+          <a:p>
+            <a:r>
+              <a:rPr lang="en-TR" dirty="0"/>
+              <a:t>öğrenciler</a:t>
+            </a:r>
+          </a:p>
+        </p:txBody>
+      </p:sp>
+      <p:sp>
+        <p:nvSpPr>
+          <p:cNvPr id="6" name="TextBox 5">
+            <a:extLst>
+              <a:ext uri="{FF2B5EF4-FFF2-40B4-BE49-F238E27FC236}">
+                <a16:creationId xmlns:a16="http://schemas.microsoft.com/office/drawing/2014/main" id="{4019544E-6846-298C-DBD2-07DA7542ADFC}"/>
+              </a:ext>
+            </a:extLst>
+          </p:cNvPr>
+          <p:cNvSpPr txBox="1"/>
+          <p:nvPr/>
+        </p:nvSpPr>
+        <p:spPr>
+          <a:xfrm>
+            <a:off x="2156403" y="3912713"/>
+            <a:ext cx="4831194" cy="2126864"/>
+          </a:xfrm>
+          <a:prstGeom prst="rect">
+            <a:avLst/>
+          </a:prstGeom>
+          <a:noFill/>
+        </p:spPr>
+        <p:txBody>
+          <a:bodyPr wrap="none" rtlCol="0">
+            <a:spAutoFit/>
+          </a:bodyPr>
+          <a:lstStyle/>
+          <a:p>
+            <a:pPr marL="285750" indent="-285750">
+              <a:lnSpc>
+                <a:spcPct val="150000"/>
+              </a:lnSpc>
+              <a:buFont typeface="Arial" panose="020B0604020202020204" pitchFamily="34" charset="0"/>
+              <a:buChar char="•"/>
+            </a:pPr>
+            <a:r>
+              <a:rPr lang="en-US" dirty="0" err="1">
+                <a:solidFill>
+                  <a:srgbClr val="00B050"/>
+                </a:solidFill>
+              </a:rPr>
+              <a:t>Sütunlarda</a:t>
+            </a:r>
+            <a:r>
+              <a:rPr lang="en-US" dirty="0">
+                <a:solidFill>
+                  <a:srgbClr val="00B050"/>
+                </a:solidFill>
+              </a:rPr>
+              <a:t> </a:t>
+            </a:r>
+            <a:r>
+              <a:rPr lang="en-US" dirty="0" err="1">
+                <a:solidFill>
+                  <a:srgbClr val="00B050"/>
+                </a:solidFill>
+              </a:rPr>
+              <a:t>yalnızca</a:t>
+            </a:r>
+            <a:r>
+              <a:rPr lang="en-US" dirty="0">
+                <a:solidFill>
+                  <a:srgbClr val="00B050"/>
+                </a:solidFill>
+              </a:rPr>
+              <a:t> </a:t>
+            </a:r>
+            <a:r>
+              <a:rPr lang="en-US" dirty="0" err="1">
+                <a:solidFill>
+                  <a:srgbClr val="00B050"/>
+                </a:solidFill>
+              </a:rPr>
+              <a:t>tek</a:t>
+            </a:r>
+            <a:r>
+              <a:rPr lang="en-US" dirty="0">
+                <a:solidFill>
+                  <a:srgbClr val="00B050"/>
+                </a:solidFill>
+              </a:rPr>
+              <a:t> </a:t>
+            </a:r>
+            <a:r>
+              <a:rPr lang="en-US" dirty="0" err="1">
+                <a:solidFill>
+                  <a:srgbClr val="00B050"/>
+                </a:solidFill>
+              </a:rPr>
+              <a:t>değerli</a:t>
+            </a:r>
+            <a:r>
+              <a:rPr lang="en-US" dirty="0">
+                <a:solidFill>
+                  <a:srgbClr val="00B050"/>
+                </a:solidFill>
+              </a:rPr>
+              <a:t> </a:t>
+            </a:r>
+            <a:r>
+              <a:rPr lang="en-US" dirty="0" err="1">
+                <a:solidFill>
+                  <a:srgbClr val="00B050"/>
+                </a:solidFill>
+              </a:rPr>
+              <a:t>nitelikler</a:t>
+            </a:r>
+            <a:r>
+              <a:rPr lang="en-US" dirty="0">
+                <a:solidFill>
+                  <a:srgbClr val="00B050"/>
+                </a:solidFill>
+              </a:rPr>
+              <a:t> </a:t>
+            </a:r>
+            <a:r>
+              <a:rPr lang="en-US" dirty="0" err="1">
+                <a:solidFill>
+                  <a:srgbClr val="00B050"/>
+                </a:solidFill>
+              </a:rPr>
+              <a:t>vardır</a:t>
+            </a:r>
+            <a:r>
+              <a:rPr lang="en-US" dirty="0">
+                <a:solidFill>
+                  <a:srgbClr val="00B050"/>
+                </a:solidFill>
+              </a:rPr>
+              <a:t>.</a:t>
+            </a:r>
+          </a:p>
+          <a:p>
+            <a:pPr marL="285750" indent="-285750">
+              <a:lnSpc>
+                <a:spcPct val="150000"/>
+              </a:lnSpc>
+              <a:buFont typeface="Arial" panose="020B0604020202020204" pitchFamily="34" charset="0"/>
+              <a:buChar char="•"/>
+            </a:pPr>
+            <a:r>
+              <a:rPr lang="en-US" dirty="0" err="1">
+                <a:solidFill>
+                  <a:srgbClr val="00B050"/>
+                </a:solidFill>
+              </a:rPr>
+              <a:t>Aynı</a:t>
+            </a:r>
+            <a:r>
+              <a:rPr lang="en-US" dirty="0">
+                <a:solidFill>
+                  <a:srgbClr val="00B050"/>
+                </a:solidFill>
+              </a:rPr>
+              <a:t> </a:t>
+            </a:r>
+            <a:r>
+              <a:rPr lang="en-US" dirty="0" err="1">
+                <a:solidFill>
+                  <a:srgbClr val="00B050"/>
+                </a:solidFill>
+              </a:rPr>
+              <a:t>sütunda</a:t>
+            </a:r>
+            <a:r>
+              <a:rPr lang="en-US" dirty="0">
+                <a:solidFill>
+                  <a:srgbClr val="00B050"/>
+                </a:solidFill>
+              </a:rPr>
+              <a:t> 1’den </a:t>
+            </a:r>
+            <a:r>
+              <a:rPr lang="en-US" dirty="0" err="1">
+                <a:solidFill>
+                  <a:srgbClr val="00B050"/>
+                </a:solidFill>
+              </a:rPr>
+              <a:t>çok</a:t>
+            </a:r>
+            <a:r>
+              <a:rPr lang="en-US" dirty="0">
+                <a:solidFill>
+                  <a:srgbClr val="00B050"/>
+                </a:solidFill>
+              </a:rPr>
+              <a:t> </a:t>
+            </a:r>
+            <a:r>
+              <a:rPr lang="en-US" dirty="0" err="1">
+                <a:solidFill>
+                  <a:srgbClr val="00B050"/>
+                </a:solidFill>
+              </a:rPr>
+              <a:t>tipte</a:t>
+            </a:r>
+            <a:r>
+              <a:rPr lang="en-US" dirty="0">
+                <a:solidFill>
+                  <a:srgbClr val="00B050"/>
+                </a:solidFill>
+              </a:rPr>
+              <a:t> </a:t>
+            </a:r>
+            <a:r>
+              <a:rPr lang="en-US" dirty="0" err="1">
+                <a:solidFill>
+                  <a:srgbClr val="00B050"/>
+                </a:solidFill>
+              </a:rPr>
+              <a:t>veri</a:t>
+            </a:r>
+            <a:r>
+              <a:rPr lang="en-US" dirty="0">
+                <a:solidFill>
+                  <a:srgbClr val="00B050"/>
+                </a:solidFill>
+              </a:rPr>
+              <a:t> </a:t>
+            </a:r>
+            <a:r>
+              <a:rPr lang="en-US" dirty="0" err="1">
+                <a:solidFill>
+                  <a:srgbClr val="00B050"/>
+                </a:solidFill>
+              </a:rPr>
+              <a:t>olmamalıdır</a:t>
+            </a:r>
+            <a:r>
+              <a:rPr lang="en-US" dirty="0">
+                <a:solidFill>
+                  <a:srgbClr val="00B050"/>
+                </a:solidFill>
+              </a:rPr>
+              <a:t>.</a:t>
+            </a:r>
+          </a:p>
+          <a:p>
+            <a:pPr marL="285750" indent="-285750">
+              <a:lnSpc>
+                <a:spcPct val="150000"/>
+              </a:lnSpc>
+              <a:buFont typeface="Arial" panose="020B0604020202020204" pitchFamily="34" charset="0"/>
+              <a:buChar char="•"/>
+            </a:pPr>
+            <a:r>
+              <a:rPr lang="en-US" dirty="0">
+                <a:solidFill>
+                  <a:srgbClr val="00B050"/>
+                </a:solidFill>
+              </a:rPr>
+              <a:t>Her </a:t>
+            </a:r>
+            <a:r>
+              <a:rPr lang="en-US" dirty="0" err="1">
+                <a:solidFill>
+                  <a:srgbClr val="00B050"/>
+                </a:solidFill>
+              </a:rPr>
+              <a:t>sütun</a:t>
+            </a:r>
+            <a:r>
+              <a:rPr lang="en-US" dirty="0">
+                <a:solidFill>
+                  <a:srgbClr val="00B050"/>
+                </a:solidFill>
+              </a:rPr>
+              <a:t> </a:t>
+            </a:r>
+            <a:r>
+              <a:rPr lang="en-US" dirty="0" err="1">
+                <a:solidFill>
+                  <a:srgbClr val="00B050"/>
+                </a:solidFill>
+              </a:rPr>
+              <a:t>için</a:t>
+            </a:r>
+            <a:r>
+              <a:rPr lang="en-US" dirty="0">
+                <a:solidFill>
+                  <a:srgbClr val="00B050"/>
+                </a:solidFill>
+              </a:rPr>
+              <a:t> </a:t>
+            </a:r>
+            <a:r>
+              <a:rPr lang="en-US" dirty="0" err="1">
+                <a:solidFill>
+                  <a:srgbClr val="00B050"/>
+                </a:solidFill>
+              </a:rPr>
+              <a:t>benzersiz</a:t>
+            </a:r>
+            <a:r>
+              <a:rPr lang="en-US" dirty="0">
+                <a:solidFill>
+                  <a:srgbClr val="00B050"/>
+                </a:solidFill>
+              </a:rPr>
+              <a:t> </a:t>
+            </a:r>
+            <a:r>
+              <a:rPr lang="en-US" dirty="0" err="1">
+                <a:solidFill>
+                  <a:srgbClr val="00B050"/>
+                </a:solidFill>
+              </a:rPr>
+              <a:t>bir</a:t>
+            </a:r>
+            <a:r>
+              <a:rPr lang="en-US" dirty="0">
+                <a:solidFill>
+                  <a:srgbClr val="00B050"/>
+                </a:solidFill>
+              </a:rPr>
+              <a:t> ad </a:t>
+            </a:r>
+            <a:r>
+              <a:rPr lang="en-US" dirty="0" err="1">
+                <a:solidFill>
+                  <a:srgbClr val="00B050"/>
+                </a:solidFill>
+              </a:rPr>
+              <a:t>vardır</a:t>
+            </a:r>
+            <a:r>
+              <a:rPr lang="en-US" dirty="0">
+                <a:solidFill>
+                  <a:srgbClr val="00B050"/>
+                </a:solidFill>
+              </a:rPr>
+              <a:t>.</a:t>
+            </a:r>
+          </a:p>
+          <a:p>
+            <a:pPr marL="285750" indent="-285750">
+              <a:lnSpc>
+                <a:spcPct val="150000"/>
+              </a:lnSpc>
+              <a:buFont typeface="Arial" panose="020B0604020202020204" pitchFamily="34" charset="0"/>
+              <a:buChar char="•"/>
+            </a:pPr>
+            <a:r>
+              <a:rPr lang="en-US" dirty="0"/>
+              <a:t>Primary key </a:t>
+            </a:r>
+            <a:r>
+              <a:rPr lang="en-US" dirty="0" err="1"/>
+              <a:t>bulunmalıdır</a:t>
+            </a:r>
+            <a:r>
+              <a:rPr lang="en-US" dirty="0"/>
+              <a:t>.</a:t>
+            </a:r>
+          </a:p>
+          <a:p>
+            <a:pPr marL="285750" indent="-285750">
+              <a:lnSpc>
+                <a:spcPct val="150000"/>
+              </a:lnSpc>
+              <a:buFont typeface="Arial" panose="020B0604020202020204" pitchFamily="34" charset="0"/>
+              <a:buChar char="•"/>
+            </a:pPr>
+            <a:r>
+              <a:rPr lang="en-US" dirty="0" err="1"/>
+              <a:t>Tekrar</a:t>
+            </a:r>
+            <a:r>
+              <a:rPr lang="en-US" dirty="0"/>
+              <a:t> </a:t>
+            </a:r>
+            <a:r>
+              <a:rPr lang="en-US" dirty="0" err="1"/>
+              <a:t>eden</a:t>
+            </a:r>
+            <a:r>
+              <a:rPr lang="en-US" dirty="0"/>
+              <a:t> </a:t>
+            </a:r>
+            <a:r>
+              <a:rPr lang="en-US" dirty="0" err="1"/>
+              <a:t>sütunlar</a:t>
+            </a:r>
+            <a:r>
+              <a:rPr lang="en-US" dirty="0"/>
+              <a:t> </a:t>
+            </a:r>
+            <a:r>
+              <a:rPr lang="en-US" dirty="0" err="1"/>
+              <a:t>olmamalıdır</a:t>
+            </a:r>
+            <a:r>
+              <a:rPr lang="en-US" dirty="0"/>
+              <a:t>.</a:t>
+            </a:r>
+          </a:p>
+        </p:txBody>
+      </p:sp>
+    </p:spTree>
+    <p:extLst>
+      <p:ext uri="{BB962C8B-B14F-4D97-AF65-F5344CB8AC3E}">
+        <p14:creationId xmlns:p14="http://schemas.microsoft.com/office/powerpoint/2010/main" val="2297243105"/>
+      </p:ext>
+    </p:extLst>
+  </p:cSld>
+  <p:clrMapOvr>
+    <a:masterClrMapping/>
+  </p:clrMapOvr>
+</p:sld>
+</file>
+
+<file path=ppt/slides/slide14.xml><?xml version="1.0" encoding="utf-8"?>
+<p:sld xmlns:a="http://schemas.openxmlformats.org/drawingml/2006/main" xmlns:r="http://schemas.openxmlformats.org/officeDocument/2006/relationships" xmlns:p="http://schemas.openxmlformats.org/presentationml/2006/main">
+  <p:cSld>
+    <p:spTree>
+      <p:nvGrpSpPr>
+        <p:cNvPr id="1" name="">
+          <a:extLst>
+            <a:ext uri="{FF2B5EF4-FFF2-40B4-BE49-F238E27FC236}">
+              <a16:creationId xmlns:a16="http://schemas.microsoft.com/office/drawing/2014/main" id="{602DB50E-5F84-F9AA-3235-4E0239594244}"/>
+            </a:ext>
+          </a:extLst>
+        </p:cNvPr>
+        <p:cNvGrpSpPr/>
+        <p:nvPr/>
+      </p:nvGrpSpPr>
+      <p:grpSpPr>
+        <a:xfrm>
+          <a:off x="0" y="0"/>
+          <a:ext cx="0" cy="0"/>
+          <a:chOff x="0" y="0"/>
+          <a:chExt cx="0" cy="0"/>
+        </a:xfrm>
+      </p:grpSpPr>
+      <p:sp>
+        <p:nvSpPr>
+          <p:cNvPr id="2" name="Title 1">
+            <a:extLst>
+              <a:ext uri="{FF2B5EF4-FFF2-40B4-BE49-F238E27FC236}">
+                <a16:creationId xmlns:a16="http://schemas.microsoft.com/office/drawing/2014/main" id="{27DCC597-D3D8-FED5-C281-CB6F1D9A7855}"/>
+              </a:ext>
+            </a:extLst>
+          </p:cNvPr>
+          <p:cNvSpPr>
+            <a:spLocks noGrp="1"/>
+          </p:cNvSpPr>
+          <p:nvPr>
+            <p:ph type="title"/>
+          </p:nvPr>
+        </p:nvSpPr>
+        <p:spPr/>
+        <p:txBody>
+          <a:bodyPr/>
+          <a:lstStyle/>
+          <a:p>
+            <a:r>
+              <a:rPr lang="en-TR" dirty="0"/>
+              <a:t>1. Normal Form (1NF)</a:t>
+            </a:r>
+          </a:p>
+        </p:txBody>
+      </p:sp>
+      <p:graphicFrame>
+        <p:nvGraphicFramePr>
+          <p:cNvPr id="4" name="Content Placeholder 3">
+            <a:extLst>
+              <a:ext uri="{FF2B5EF4-FFF2-40B4-BE49-F238E27FC236}">
+                <a16:creationId xmlns:a16="http://schemas.microsoft.com/office/drawing/2014/main" id="{7D33FC9D-3759-EDD2-8072-2E874D736026}"/>
+              </a:ext>
+            </a:extLst>
+          </p:cNvPr>
+          <p:cNvGraphicFramePr>
+            <a:graphicFrameLocks noGrp="1"/>
+          </p:cNvGraphicFramePr>
+          <p:nvPr>
+            <p:ph idx="1"/>
+            <p:extLst>
+              <p:ext uri="{D42A27DB-BD31-4B8C-83A1-F6EECF244321}">
+                <p14:modId xmlns:p14="http://schemas.microsoft.com/office/powerpoint/2010/main" val="222599807"/>
+              </p:ext>
+            </p:extLst>
+          </p:nvPr>
+        </p:nvGraphicFramePr>
+        <p:xfrm>
+          <a:off x="628649" y="2060021"/>
+          <a:ext cx="7458262" cy="1483360"/>
+        </p:xfrm>
+        <a:graphic>
+          <a:graphicData uri="http://schemas.openxmlformats.org/drawingml/2006/table">
+            <a:tbl>
+              <a:tblPr firstRow="1" bandRow="1">
+                <a:tableStyleId>{5C22544A-7EE6-4342-B048-85BDC9FD1C3A}</a:tableStyleId>
+              </a:tblPr>
+              <a:tblGrid>
+                <a:gridCol w="1004208">
+                  <a:extLst>
+                    <a:ext uri="{9D8B030D-6E8A-4147-A177-3AD203B41FA5}">
+                      <a16:colId xmlns:a16="http://schemas.microsoft.com/office/drawing/2014/main" val="3444992394"/>
+                    </a:ext>
+                  </a:extLst>
+                </a:gridCol>
+                <a:gridCol w="935546">
+                  <a:extLst>
+                    <a:ext uri="{9D8B030D-6E8A-4147-A177-3AD203B41FA5}">
+                      <a16:colId xmlns:a16="http://schemas.microsoft.com/office/drawing/2014/main" val="1109569717"/>
+                    </a:ext>
+                  </a:extLst>
+                </a:gridCol>
+                <a:gridCol w="1401699">
+                  <a:extLst>
+                    <a:ext uri="{9D8B030D-6E8A-4147-A177-3AD203B41FA5}">
+                      <a16:colId xmlns:a16="http://schemas.microsoft.com/office/drawing/2014/main" val="1241659408"/>
+                    </a:ext>
+                  </a:extLst>
+                </a:gridCol>
+                <a:gridCol w="1394143">
+                  <a:extLst>
+                    <a:ext uri="{9D8B030D-6E8A-4147-A177-3AD203B41FA5}">
+                      <a16:colId xmlns:a16="http://schemas.microsoft.com/office/drawing/2014/main" val="2879877989"/>
+                    </a:ext>
+                  </a:extLst>
+                </a:gridCol>
+                <a:gridCol w="1349312">
+                  <a:extLst>
+                    <a:ext uri="{9D8B030D-6E8A-4147-A177-3AD203B41FA5}">
+                      <a16:colId xmlns:a16="http://schemas.microsoft.com/office/drawing/2014/main" val="842807791"/>
+                    </a:ext>
+                  </a:extLst>
+                </a:gridCol>
+                <a:gridCol w="1373354">
+                  <a:extLst>
+                    <a:ext uri="{9D8B030D-6E8A-4147-A177-3AD203B41FA5}">
+                      <a16:colId xmlns:a16="http://schemas.microsoft.com/office/drawing/2014/main" val="1846455800"/>
+                    </a:ext>
+                  </a:extLst>
+                </a:gridCol>
+              </a:tblGrid>
+              <a:tr h="370840">
+                <a:tc>
+                  <a:txBody>
+                    <a:bodyPr/>
+                    <a:lstStyle/>
+                    <a:p>
+                      <a:r>
+                        <a:rPr lang="en-TR" u="sng" dirty="0"/>
+                        <a:t>ad</a:t>
+                      </a:r>
+                    </a:p>
+                  </a:txBody>
+                  <a:tcPr/>
+                </a:tc>
+                <a:tc>
+                  <a:txBody>
+                    <a:bodyPr/>
+                    <a:lstStyle/>
+                    <a:p>
+                      <a:r>
+                        <a:rPr lang="en-TR" u="sng" dirty="0"/>
+                        <a:t>adres</a:t>
+                      </a:r>
+                    </a:p>
+                  </a:txBody>
+                  <a:tcPr/>
+                </a:tc>
+                <a:tc>
+                  <a:txBody>
+                    <a:bodyPr/>
+                    <a:lstStyle/>
+                    <a:p>
+                      <a:r>
+                        <a:rPr lang="en-TR" dirty="0"/>
+                        <a:t>ülkeKodu_1 </a:t>
+                      </a:r>
+                    </a:p>
+                  </a:txBody>
+                  <a:tcPr/>
+                </a:tc>
+                <a:tc>
+                  <a:txBody>
+                    <a:bodyPr/>
+                    <a:lstStyle/>
+                    <a:p>
+                      <a:r>
+                        <a:rPr lang="en-US" dirty="0" err="1"/>
+                        <a:t>telefon</a:t>
+                      </a:r>
+                      <a:r>
+                        <a:rPr lang="en-TR" dirty="0"/>
+                        <a:t>_1</a:t>
+                      </a:r>
+                    </a:p>
+                  </a:txBody>
+                  <a:tcPr/>
+                </a:tc>
+                <a:tc>
+                  <a:txBody>
+                    <a:bodyPr/>
+                    <a:lstStyle/>
+                    <a:p>
+                      <a:r>
+                        <a:rPr lang="en-TR" dirty="0"/>
+                        <a:t>ülkeKodu_2</a:t>
+                      </a:r>
+                    </a:p>
+                  </a:txBody>
+                  <a:tcPr/>
+                </a:tc>
+                <a:tc>
+                  <a:txBody>
+                    <a:bodyPr/>
+                    <a:lstStyle/>
+                    <a:p>
+                      <a:r>
+                        <a:rPr lang="en-TR" dirty="0"/>
+                        <a:t>telefon_2</a:t>
+                      </a:r>
+                    </a:p>
+                  </a:txBody>
+                  <a:tcPr/>
+                </a:tc>
+                <a:extLst>
+                  <a:ext uri="{0D108BD9-81ED-4DB2-BD59-A6C34878D82A}">
+                    <a16:rowId xmlns:a16="http://schemas.microsoft.com/office/drawing/2014/main" val="4007056995"/>
+                  </a:ext>
+                </a:extLst>
+              </a:tr>
+              <a:tr h="370840">
+                <a:tc>
+                  <a:txBody>
+                    <a:bodyPr/>
+                    <a:lstStyle/>
+                    <a:p>
+                      <a:r>
+                        <a:rPr lang="en-TR" dirty="0"/>
+                        <a:t>Ali</a:t>
+                      </a:r>
+                    </a:p>
+                  </a:txBody>
+                  <a:tcPr/>
+                </a:tc>
+                <a:tc>
+                  <a:txBody>
+                    <a:bodyPr/>
+                    <a:lstStyle/>
+                    <a:p>
+                      <a:r>
+                        <a:rPr lang="en-TR" dirty="0"/>
+                        <a:t>Adres 1</a:t>
+                      </a:r>
+                    </a:p>
+                  </a:txBody>
+                  <a:tcPr/>
+                </a:tc>
+                <a:tc>
+                  <a:txBody>
+                    <a:bodyPr/>
+                    <a:lstStyle/>
+                    <a:p>
+                      <a:r>
+                        <a:rPr lang="en-TR" dirty="0"/>
+                        <a:t>90</a:t>
+                      </a:r>
+                    </a:p>
+                  </a:txBody>
+                  <a:tcPr/>
+                </a:tc>
+                <a:tc>
+                  <a:txBody>
+                    <a:bodyPr/>
+                    <a:lstStyle/>
+                    <a:p>
+                      <a:r>
+                        <a:rPr lang="en-TR" dirty="0"/>
+                        <a:t>5551234567</a:t>
+                      </a:r>
+                    </a:p>
+                  </a:txBody>
+                  <a:tcPr/>
+                </a:tc>
+                <a:tc>
+                  <a:txBody>
+                    <a:bodyPr/>
+                    <a:lstStyle/>
+                    <a:p>
+                      <a:pPr marL="0" marR="0" lvl="0" indent="0" algn="l" defTabSz="914400" rtl="0" eaLnBrk="1" fontAlgn="auto" latinLnBrk="0" hangingPunct="1">
+                        <a:lnSpc>
+                          <a:spcPct val="100000"/>
+                        </a:lnSpc>
+                        <a:spcBef>
+                          <a:spcPts val="0"/>
+                        </a:spcBef>
+                        <a:spcAft>
+                          <a:spcPts val="0"/>
+                        </a:spcAft>
+                        <a:buClrTx/>
+                        <a:buSzTx/>
+                        <a:buFontTx/>
+                        <a:buNone/>
+                        <a:tabLst/>
+                        <a:defRPr/>
+                      </a:pPr>
+                      <a:r>
+                        <a:rPr lang="en-TR" dirty="0"/>
+                        <a:t>90</a:t>
+                      </a:r>
+                    </a:p>
+                  </a:txBody>
+                  <a:tcPr/>
+                </a:tc>
+                <a:tc>
+                  <a:txBody>
+                    <a:bodyPr/>
+                    <a:lstStyle/>
+                    <a:p>
+                      <a:pPr marL="0" marR="0" lvl="0" indent="0" algn="l" defTabSz="914400" rtl="0" eaLnBrk="1" fontAlgn="auto" latinLnBrk="0" hangingPunct="1">
+                        <a:lnSpc>
+                          <a:spcPct val="100000"/>
+                        </a:lnSpc>
+                        <a:spcBef>
+                          <a:spcPts val="0"/>
+                        </a:spcBef>
+                        <a:spcAft>
+                          <a:spcPts val="0"/>
+                        </a:spcAft>
+                        <a:buClrTx/>
+                        <a:buSzTx/>
+                        <a:buFontTx/>
+                        <a:buNone/>
+                        <a:tabLst/>
+                        <a:defRPr/>
+                      </a:pPr>
+                      <a:r>
+                        <a:rPr lang="en-TR" dirty="0"/>
+                        <a:t>5321234567</a:t>
+                      </a:r>
+                    </a:p>
+                  </a:txBody>
+                  <a:tcPr/>
+                </a:tc>
+                <a:extLst>
+                  <a:ext uri="{0D108BD9-81ED-4DB2-BD59-A6C34878D82A}">
+                    <a16:rowId xmlns:a16="http://schemas.microsoft.com/office/drawing/2014/main" val="4274227303"/>
+                  </a:ext>
+                </a:extLst>
+              </a:tr>
+              <a:tr h="370840">
+                <a:tc>
+                  <a:txBody>
+                    <a:bodyPr/>
+                    <a:lstStyle/>
+                    <a:p>
+                      <a:r>
+                        <a:rPr lang="en-TR" dirty="0"/>
+                        <a:t>Ali</a:t>
+                      </a:r>
+                    </a:p>
+                  </a:txBody>
+                  <a:tcPr/>
+                </a:tc>
+                <a:tc>
+                  <a:txBody>
+                    <a:bodyPr/>
+                    <a:lstStyle/>
+                    <a:p>
+                      <a:r>
+                        <a:rPr lang="en-TR" dirty="0"/>
+                        <a:t>Adres 2</a:t>
+                      </a:r>
+                    </a:p>
+                  </a:txBody>
+                  <a:tcPr/>
+                </a:tc>
+                <a:tc>
+                  <a:txBody>
+                    <a:bodyPr/>
+                    <a:lstStyle/>
+                    <a:p>
+                      <a:r>
+                        <a:rPr lang="en-TR" dirty="0"/>
+                        <a:t>49</a:t>
+                      </a:r>
+                    </a:p>
+                  </a:txBody>
+                  <a:tcPr/>
+                </a:tc>
+                <a:tc>
+                  <a:txBody>
+                    <a:bodyPr/>
+                    <a:lstStyle/>
+                    <a:p>
+                      <a:r>
+                        <a:rPr lang="en-TR" dirty="0"/>
+                        <a:t>123546789</a:t>
+                      </a:r>
+                    </a:p>
+                  </a:txBody>
+                  <a:tcPr/>
+                </a:tc>
+                <a:tc>
+                  <a:txBody>
+                    <a:bodyPr/>
+                    <a:lstStyle/>
+                    <a:p>
+                      <a:endParaRPr lang="en-TR" dirty="0"/>
+                    </a:p>
+                  </a:txBody>
+                  <a:tcPr/>
+                </a:tc>
+                <a:tc>
+                  <a:txBody>
+                    <a:bodyPr/>
+                    <a:lstStyle/>
+                    <a:p>
+                      <a:endParaRPr lang="en-TR" dirty="0"/>
+                    </a:p>
+                  </a:txBody>
+                  <a:tcPr/>
+                </a:tc>
+                <a:extLst>
+                  <a:ext uri="{0D108BD9-81ED-4DB2-BD59-A6C34878D82A}">
+                    <a16:rowId xmlns:a16="http://schemas.microsoft.com/office/drawing/2014/main" val="3412863520"/>
+                  </a:ext>
+                </a:extLst>
+              </a:tr>
+              <a:tr h="370840">
+                <a:tc>
+                  <a:txBody>
+                    <a:bodyPr/>
+                    <a:lstStyle/>
+                    <a:p>
+                      <a:r>
+                        <a:rPr lang="en-TR" dirty="0"/>
+                        <a:t>Ayşe</a:t>
+                      </a:r>
+                    </a:p>
+                  </a:txBody>
+                  <a:tcPr/>
+                </a:tc>
+                <a:tc>
+                  <a:txBody>
+                    <a:bodyPr/>
+                    <a:lstStyle/>
+                    <a:p>
+                      <a:r>
+                        <a:rPr lang="en-TR" dirty="0"/>
+                        <a:t>Adres 3</a:t>
+                      </a:r>
+                    </a:p>
+                  </a:txBody>
+                  <a:tcPr/>
+                </a:tc>
+                <a:tc>
+                  <a:txBody>
+                    <a:bodyPr/>
+                    <a:lstStyle/>
+                    <a:p>
+                      <a:r>
+                        <a:rPr lang="en-TR" dirty="0"/>
+                        <a:t>90</a:t>
+                      </a:r>
+                    </a:p>
+                  </a:txBody>
+                  <a:tcPr/>
+                </a:tc>
+                <a:tc>
+                  <a:txBody>
+                    <a:bodyPr/>
+                    <a:lstStyle/>
+                    <a:p>
+                      <a:r>
+                        <a:rPr lang="en-TR" dirty="0"/>
+                        <a:t>5051234567</a:t>
+                      </a:r>
+                    </a:p>
+                  </a:txBody>
+                  <a:tcPr/>
+                </a:tc>
+                <a:tc>
+                  <a:txBody>
+                    <a:bodyPr/>
+                    <a:lstStyle/>
+                    <a:p>
+                      <a:r>
+                        <a:rPr lang="en-TR" dirty="0"/>
+                        <a:t>90</a:t>
+                      </a:r>
+                    </a:p>
+                  </a:txBody>
+                  <a:tcPr/>
+                </a:tc>
+                <a:tc>
+                  <a:txBody>
+                    <a:bodyPr/>
+                    <a:lstStyle/>
+                    <a:p>
+                      <a:r>
+                        <a:rPr lang="en-TR" dirty="0"/>
+                        <a:t>5054567891</a:t>
+                      </a:r>
+                    </a:p>
+                  </a:txBody>
+                  <a:tcPr/>
+                </a:tc>
+                <a:extLst>
+                  <a:ext uri="{0D108BD9-81ED-4DB2-BD59-A6C34878D82A}">
+                    <a16:rowId xmlns:a16="http://schemas.microsoft.com/office/drawing/2014/main" val="3117025022"/>
+                  </a:ext>
+                </a:extLst>
+              </a:tr>
+            </a:tbl>
+          </a:graphicData>
+        </a:graphic>
+      </p:graphicFrame>
+      <p:sp>
+        <p:nvSpPr>
+          <p:cNvPr id="5" name="TextBox 4">
+            <a:extLst>
+              <a:ext uri="{FF2B5EF4-FFF2-40B4-BE49-F238E27FC236}">
+                <a16:creationId xmlns:a16="http://schemas.microsoft.com/office/drawing/2014/main" id="{39ED7191-2B98-7F6A-1A3B-78F3948B1727}"/>
+              </a:ext>
+            </a:extLst>
+          </p:cNvPr>
+          <p:cNvSpPr txBox="1"/>
+          <p:nvPr/>
+        </p:nvSpPr>
+        <p:spPr>
+          <a:xfrm>
+            <a:off x="4007485" y="1690689"/>
+            <a:ext cx="1129027" cy="369332"/>
+          </a:xfrm>
+          <a:prstGeom prst="rect">
+            <a:avLst/>
+          </a:prstGeom>
+          <a:noFill/>
+        </p:spPr>
+        <p:txBody>
+          <a:bodyPr wrap="none" rtlCol="0">
+            <a:spAutoFit/>
+          </a:bodyPr>
+          <a:lstStyle/>
+          <a:p>
+            <a:r>
+              <a:rPr lang="en-TR" dirty="0"/>
+              <a:t>öğrenciler</a:t>
+            </a:r>
+          </a:p>
+        </p:txBody>
+      </p:sp>
+      <p:sp>
+        <p:nvSpPr>
+          <p:cNvPr id="6" name="TextBox 5">
+            <a:extLst>
+              <a:ext uri="{FF2B5EF4-FFF2-40B4-BE49-F238E27FC236}">
+                <a16:creationId xmlns:a16="http://schemas.microsoft.com/office/drawing/2014/main" id="{4019544E-6846-298C-DBD2-07DA7542ADFC}"/>
+              </a:ext>
+            </a:extLst>
+          </p:cNvPr>
+          <p:cNvSpPr txBox="1"/>
+          <p:nvPr/>
+        </p:nvSpPr>
+        <p:spPr>
+          <a:xfrm>
+            <a:off x="2156403" y="3912713"/>
+            <a:ext cx="4831194" cy="2126864"/>
+          </a:xfrm>
+          <a:prstGeom prst="rect">
+            <a:avLst/>
+          </a:prstGeom>
+          <a:noFill/>
+        </p:spPr>
+        <p:txBody>
+          <a:bodyPr wrap="none" rtlCol="0">
+            <a:spAutoFit/>
+          </a:bodyPr>
+          <a:lstStyle/>
+          <a:p>
+            <a:pPr marL="285750" indent="-285750">
+              <a:lnSpc>
+                <a:spcPct val="150000"/>
+              </a:lnSpc>
+              <a:buFont typeface="Arial" panose="020B0604020202020204" pitchFamily="34" charset="0"/>
+              <a:buChar char="•"/>
+            </a:pPr>
+            <a:r>
+              <a:rPr lang="en-US" dirty="0" err="1">
+                <a:solidFill>
+                  <a:srgbClr val="00B050"/>
+                </a:solidFill>
+              </a:rPr>
+              <a:t>Sütunlarda</a:t>
+            </a:r>
+            <a:r>
+              <a:rPr lang="en-US" dirty="0">
+                <a:solidFill>
+                  <a:srgbClr val="00B050"/>
+                </a:solidFill>
+              </a:rPr>
+              <a:t> </a:t>
+            </a:r>
+            <a:r>
+              <a:rPr lang="en-US" dirty="0" err="1">
+                <a:solidFill>
+                  <a:srgbClr val="00B050"/>
+                </a:solidFill>
+              </a:rPr>
+              <a:t>yalnızca</a:t>
+            </a:r>
+            <a:r>
+              <a:rPr lang="en-US" dirty="0">
+                <a:solidFill>
+                  <a:srgbClr val="00B050"/>
+                </a:solidFill>
+              </a:rPr>
+              <a:t> </a:t>
+            </a:r>
+            <a:r>
+              <a:rPr lang="en-US" dirty="0" err="1">
+                <a:solidFill>
+                  <a:srgbClr val="00B050"/>
+                </a:solidFill>
+              </a:rPr>
+              <a:t>tek</a:t>
+            </a:r>
+            <a:r>
+              <a:rPr lang="en-US" dirty="0">
+                <a:solidFill>
+                  <a:srgbClr val="00B050"/>
+                </a:solidFill>
+              </a:rPr>
+              <a:t> </a:t>
+            </a:r>
+            <a:r>
+              <a:rPr lang="en-US" dirty="0" err="1">
+                <a:solidFill>
+                  <a:srgbClr val="00B050"/>
+                </a:solidFill>
+              </a:rPr>
+              <a:t>değerli</a:t>
+            </a:r>
+            <a:r>
+              <a:rPr lang="en-US" dirty="0">
+                <a:solidFill>
+                  <a:srgbClr val="00B050"/>
+                </a:solidFill>
+              </a:rPr>
+              <a:t> </a:t>
+            </a:r>
+            <a:r>
+              <a:rPr lang="en-US" dirty="0" err="1">
+                <a:solidFill>
+                  <a:srgbClr val="00B050"/>
+                </a:solidFill>
+              </a:rPr>
+              <a:t>nitelikler</a:t>
+            </a:r>
+            <a:r>
+              <a:rPr lang="en-US" dirty="0">
+                <a:solidFill>
+                  <a:srgbClr val="00B050"/>
+                </a:solidFill>
+              </a:rPr>
+              <a:t> </a:t>
+            </a:r>
+            <a:r>
+              <a:rPr lang="en-US" dirty="0" err="1">
+                <a:solidFill>
+                  <a:srgbClr val="00B050"/>
+                </a:solidFill>
+              </a:rPr>
+              <a:t>vardır</a:t>
+            </a:r>
+            <a:r>
+              <a:rPr lang="en-US" dirty="0">
+                <a:solidFill>
+                  <a:srgbClr val="00B050"/>
+                </a:solidFill>
+              </a:rPr>
+              <a:t>.</a:t>
+            </a:r>
+          </a:p>
+          <a:p>
+            <a:pPr marL="285750" indent="-285750">
+              <a:lnSpc>
+                <a:spcPct val="150000"/>
+              </a:lnSpc>
+              <a:buFont typeface="Arial" panose="020B0604020202020204" pitchFamily="34" charset="0"/>
+              <a:buChar char="•"/>
+            </a:pPr>
+            <a:r>
+              <a:rPr lang="en-US" dirty="0" err="1">
+                <a:solidFill>
+                  <a:srgbClr val="00B050"/>
+                </a:solidFill>
+              </a:rPr>
+              <a:t>Aynı</a:t>
+            </a:r>
+            <a:r>
+              <a:rPr lang="en-US" dirty="0">
+                <a:solidFill>
+                  <a:srgbClr val="00B050"/>
+                </a:solidFill>
+              </a:rPr>
+              <a:t> </a:t>
+            </a:r>
+            <a:r>
+              <a:rPr lang="en-US" dirty="0" err="1">
+                <a:solidFill>
+                  <a:srgbClr val="00B050"/>
+                </a:solidFill>
+              </a:rPr>
+              <a:t>sütunda</a:t>
+            </a:r>
+            <a:r>
+              <a:rPr lang="en-US" dirty="0">
+                <a:solidFill>
+                  <a:srgbClr val="00B050"/>
+                </a:solidFill>
+              </a:rPr>
+              <a:t> 1’den </a:t>
+            </a:r>
+            <a:r>
+              <a:rPr lang="en-US" dirty="0" err="1">
+                <a:solidFill>
+                  <a:srgbClr val="00B050"/>
+                </a:solidFill>
+              </a:rPr>
+              <a:t>çok</a:t>
+            </a:r>
+            <a:r>
+              <a:rPr lang="en-US" dirty="0">
+                <a:solidFill>
+                  <a:srgbClr val="00B050"/>
+                </a:solidFill>
+              </a:rPr>
+              <a:t> </a:t>
+            </a:r>
+            <a:r>
+              <a:rPr lang="en-US" dirty="0" err="1">
+                <a:solidFill>
+                  <a:srgbClr val="00B050"/>
+                </a:solidFill>
+              </a:rPr>
+              <a:t>tipte</a:t>
+            </a:r>
+            <a:r>
+              <a:rPr lang="en-US" dirty="0">
+                <a:solidFill>
+                  <a:srgbClr val="00B050"/>
+                </a:solidFill>
+              </a:rPr>
+              <a:t> </a:t>
+            </a:r>
+            <a:r>
+              <a:rPr lang="en-US" dirty="0" err="1">
+                <a:solidFill>
+                  <a:srgbClr val="00B050"/>
+                </a:solidFill>
+              </a:rPr>
+              <a:t>veri</a:t>
+            </a:r>
+            <a:r>
+              <a:rPr lang="en-US" dirty="0">
+                <a:solidFill>
+                  <a:srgbClr val="00B050"/>
+                </a:solidFill>
+              </a:rPr>
+              <a:t> </a:t>
+            </a:r>
+            <a:r>
+              <a:rPr lang="en-US" dirty="0" err="1">
+                <a:solidFill>
+                  <a:srgbClr val="00B050"/>
+                </a:solidFill>
+              </a:rPr>
+              <a:t>olmamalıdır</a:t>
+            </a:r>
+            <a:r>
+              <a:rPr lang="en-US" dirty="0">
+                <a:solidFill>
+                  <a:srgbClr val="00B050"/>
+                </a:solidFill>
+              </a:rPr>
+              <a:t>.</a:t>
+            </a:r>
+          </a:p>
+          <a:p>
+            <a:pPr marL="285750" indent="-285750">
+              <a:lnSpc>
+                <a:spcPct val="150000"/>
+              </a:lnSpc>
+              <a:buFont typeface="Arial" panose="020B0604020202020204" pitchFamily="34" charset="0"/>
+              <a:buChar char="•"/>
+            </a:pPr>
+            <a:r>
+              <a:rPr lang="en-US" dirty="0">
+                <a:solidFill>
+                  <a:srgbClr val="00B050"/>
+                </a:solidFill>
+              </a:rPr>
+              <a:t>Her </a:t>
+            </a:r>
+            <a:r>
+              <a:rPr lang="en-US" dirty="0" err="1">
+                <a:solidFill>
+                  <a:srgbClr val="00B050"/>
+                </a:solidFill>
+              </a:rPr>
+              <a:t>sütun</a:t>
+            </a:r>
+            <a:r>
+              <a:rPr lang="en-US" dirty="0">
+                <a:solidFill>
+                  <a:srgbClr val="00B050"/>
+                </a:solidFill>
+              </a:rPr>
+              <a:t> </a:t>
+            </a:r>
+            <a:r>
+              <a:rPr lang="en-US" dirty="0" err="1">
+                <a:solidFill>
+                  <a:srgbClr val="00B050"/>
+                </a:solidFill>
+              </a:rPr>
+              <a:t>için</a:t>
+            </a:r>
+            <a:r>
+              <a:rPr lang="en-US" dirty="0">
+                <a:solidFill>
+                  <a:srgbClr val="00B050"/>
+                </a:solidFill>
+              </a:rPr>
+              <a:t> </a:t>
+            </a:r>
+            <a:r>
+              <a:rPr lang="en-US" dirty="0" err="1">
+                <a:solidFill>
+                  <a:srgbClr val="00B050"/>
+                </a:solidFill>
+              </a:rPr>
+              <a:t>benzersiz</a:t>
+            </a:r>
+            <a:r>
+              <a:rPr lang="en-US" dirty="0">
+                <a:solidFill>
+                  <a:srgbClr val="00B050"/>
+                </a:solidFill>
+              </a:rPr>
+              <a:t> </a:t>
+            </a:r>
+            <a:r>
+              <a:rPr lang="en-US" dirty="0" err="1">
+                <a:solidFill>
+                  <a:srgbClr val="00B050"/>
+                </a:solidFill>
+              </a:rPr>
+              <a:t>bir</a:t>
+            </a:r>
+            <a:r>
+              <a:rPr lang="en-US" dirty="0">
+                <a:solidFill>
+                  <a:srgbClr val="00B050"/>
+                </a:solidFill>
+              </a:rPr>
+              <a:t> ad </a:t>
+            </a:r>
+            <a:r>
+              <a:rPr lang="en-US" dirty="0" err="1">
+                <a:solidFill>
+                  <a:srgbClr val="00B050"/>
+                </a:solidFill>
+              </a:rPr>
+              <a:t>vardır</a:t>
+            </a:r>
+            <a:r>
+              <a:rPr lang="en-US" dirty="0">
+                <a:solidFill>
+                  <a:srgbClr val="00B050"/>
+                </a:solidFill>
+              </a:rPr>
+              <a:t>.</a:t>
+            </a:r>
+          </a:p>
+          <a:p>
+            <a:pPr marL="285750" indent="-285750">
+              <a:lnSpc>
+                <a:spcPct val="150000"/>
+              </a:lnSpc>
+              <a:buFont typeface="Arial" panose="020B0604020202020204" pitchFamily="34" charset="0"/>
+              <a:buChar char="•"/>
+            </a:pPr>
+            <a:r>
+              <a:rPr lang="en-US" dirty="0">
+                <a:solidFill>
+                  <a:srgbClr val="00B050"/>
+                </a:solidFill>
+              </a:rPr>
+              <a:t>Primary key </a:t>
+            </a:r>
+            <a:r>
+              <a:rPr lang="en-US" dirty="0" err="1">
+                <a:solidFill>
+                  <a:srgbClr val="00B050"/>
+                </a:solidFill>
+              </a:rPr>
+              <a:t>bulunmalıdır</a:t>
+            </a:r>
+            <a:r>
+              <a:rPr lang="en-US" dirty="0">
+                <a:solidFill>
+                  <a:srgbClr val="00B050"/>
+                </a:solidFill>
+              </a:rPr>
+              <a:t>.</a:t>
+            </a:r>
+          </a:p>
+          <a:p>
+            <a:pPr marL="285750" indent="-285750">
+              <a:lnSpc>
+                <a:spcPct val="150000"/>
+              </a:lnSpc>
+              <a:buFont typeface="Arial" panose="020B0604020202020204" pitchFamily="34" charset="0"/>
+              <a:buChar char="•"/>
+            </a:pPr>
+            <a:r>
+              <a:rPr lang="en-US" dirty="0" err="1"/>
+              <a:t>Tekrar</a:t>
+            </a:r>
+            <a:r>
+              <a:rPr lang="en-US" dirty="0"/>
+              <a:t> </a:t>
+            </a:r>
+            <a:r>
+              <a:rPr lang="en-US" dirty="0" err="1"/>
+              <a:t>eden</a:t>
+            </a:r>
+            <a:r>
+              <a:rPr lang="en-US" dirty="0"/>
+              <a:t> </a:t>
+            </a:r>
+            <a:r>
+              <a:rPr lang="en-US" dirty="0" err="1"/>
+              <a:t>sütunlar</a:t>
+            </a:r>
+            <a:r>
+              <a:rPr lang="en-US" dirty="0"/>
+              <a:t> </a:t>
+            </a:r>
+            <a:r>
+              <a:rPr lang="en-US" dirty="0" err="1"/>
+              <a:t>olmamalıdır</a:t>
+            </a:r>
+            <a:r>
+              <a:rPr lang="en-US" dirty="0"/>
+              <a:t>.</a:t>
+            </a:r>
+          </a:p>
+        </p:txBody>
+      </p:sp>
+    </p:spTree>
+    <p:extLst>
+      <p:ext uri="{BB962C8B-B14F-4D97-AF65-F5344CB8AC3E}">
+        <p14:creationId xmlns:p14="http://schemas.microsoft.com/office/powerpoint/2010/main" val="3382062179"/>
+      </p:ext>
+    </p:extLst>
+  </p:cSld>
+  <p:clrMapOvr>
+    <a:masterClrMapping/>
+  </p:clrMapOvr>
+</p:sld>
+</file>
+
+<file path=ppt/slides/slide15.xml><?xml version="1.0" encoding="utf-8"?>
+<p:sld xmlns:a="http://schemas.openxmlformats.org/drawingml/2006/main" xmlns:r="http://schemas.openxmlformats.org/officeDocument/2006/relationships" xmlns:p="http://schemas.openxmlformats.org/presentationml/2006/main">
+  <p:cSld>
+    <p:spTree>
+      <p:nvGrpSpPr>
+        <p:cNvPr id="1" name="">
+          <a:extLst>
+            <a:ext uri="{FF2B5EF4-FFF2-40B4-BE49-F238E27FC236}">
+              <a16:creationId xmlns:a16="http://schemas.microsoft.com/office/drawing/2014/main" id="{602DB50E-5F84-F9AA-3235-4E0239594244}"/>
+            </a:ext>
+          </a:extLst>
+        </p:cNvPr>
+        <p:cNvGrpSpPr/>
+        <p:nvPr/>
+      </p:nvGrpSpPr>
+      <p:grpSpPr>
+        <a:xfrm>
+          <a:off x="0" y="0"/>
+          <a:ext cx="0" cy="0"/>
+          <a:chOff x="0" y="0"/>
+          <a:chExt cx="0" cy="0"/>
+        </a:xfrm>
+      </p:grpSpPr>
+      <p:sp>
+        <p:nvSpPr>
+          <p:cNvPr id="2" name="Title 1">
+            <a:extLst>
+              <a:ext uri="{FF2B5EF4-FFF2-40B4-BE49-F238E27FC236}">
+                <a16:creationId xmlns:a16="http://schemas.microsoft.com/office/drawing/2014/main" id="{27DCC597-D3D8-FED5-C281-CB6F1D9A7855}"/>
+              </a:ext>
+            </a:extLst>
+          </p:cNvPr>
+          <p:cNvSpPr>
+            <a:spLocks noGrp="1"/>
+          </p:cNvSpPr>
+          <p:nvPr>
+            <p:ph type="title"/>
+          </p:nvPr>
+        </p:nvSpPr>
+        <p:spPr/>
+        <p:txBody>
+          <a:bodyPr/>
+          <a:lstStyle/>
+          <a:p>
+            <a:r>
+              <a:rPr lang="en-TR" dirty="0"/>
+              <a:t>1. Normal Form (1NF)</a:t>
+            </a:r>
+          </a:p>
+        </p:txBody>
+      </p:sp>
+      <p:graphicFrame>
+        <p:nvGraphicFramePr>
+          <p:cNvPr id="4" name="Content Placeholder 3">
+            <a:extLst>
+              <a:ext uri="{FF2B5EF4-FFF2-40B4-BE49-F238E27FC236}">
+                <a16:creationId xmlns:a16="http://schemas.microsoft.com/office/drawing/2014/main" id="{7D33FC9D-3759-EDD2-8072-2E874D736026}"/>
+              </a:ext>
+            </a:extLst>
+          </p:cNvPr>
+          <p:cNvGraphicFramePr>
+            <a:graphicFrameLocks noGrp="1"/>
+          </p:cNvGraphicFramePr>
+          <p:nvPr>
+            <p:ph idx="1"/>
+            <p:extLst>
+              <p:ext uri="{D42A27DB-BD31-4B8C-83A1-F6EECF244321}">
+                <p14:modId xmlns:p14="http://schemas.microsoft.com/office/powerpoint/2010/main" val="942523971"/>
+              </p:ext>
+            </p:extLst>
+          </p:nvPr>
+        </p:nvGraphicFramePr>
+        <p:xfrm>
+          <a:off x="628649" y="2060021"/>
+          <a:ext cx="2103665" cy="1483360"/>
+        </p:xfrm>
+        <a:graphic>
+          <a:graphicData uri="http://schemas.openxmlformats.org/drawingml/2006/table">
+            <a:tbl>
+              <a:tblPr firstRow="1" bandRow="1">
+                <a:tableStyleId>{5C22544A-7EE6-4342-B048-85BDC9FD1C3A}</a:tableStyleId>
+              </a:tblPr>
+              <a:tblGrid>
+                <a:gridCol w="1004208">
+                  <a:extLst>
+                    <a:ext uri="{9D8B030D-6E8A-4147-A177-3AD203B41FA5}">
+                      <a16:colId xmlns:a16="http://schemas.microsoft.com/office/drawing/2014/main" val="3444992394"/>
+                    </a:ext>
+                  </a:extLst>
+                </a:gridCol>
+                <a:gridCol w="1099457">
+                  <a:extLst>
+                    <a:ext uri="{9D8B030D-6E8A-4147-A177-3AD203B41FA5}">
+                      <a16:colId xmlns:a16="http://schemas.microsoft.com/office/drawing/2014/main" val="1109569717"/>
+                    </a:ext>
+                  </a:extLst>
+                </a:gridCol>
+              </a:tblGrid>
+              <a:tr h="370840">
+                <a:tc>
+                  <a:txBody>
+                    <a:bodyPr/>
+                    <a:lstStyle/>
+                    <a:p>
+                      <a:r>
+                        <a:rPr lang="en-TR" u="sng" dirty="0"/>
+                        <a:t>ad</a:t>
+                      </a:r>
+                    </a:p>
+                  </a:txBody>
+                  <a:tcPr/>
+                </a:tc>
+                <a:tc>
+                  <a:txBody>
+                    <a:bodyPr/>
+                    <a:lstStyle/>
+                    <a:p>
+                      <a:r>
+                        <a:rPr lang="en-TR" u="sng" dirty="0"/>
+                        <a:t>adres</a:t>
+                      </a:r>
+                    </a:p>
+                  </a:txBody>
+                  <a:tcPr/>
+                </a:tc>
+                <a:extLst>
+                  <a:ext uri="{0D108BD9-81ED-4DB2-BD59-A6C34878D82A}">
+                    <a16:rowId xmlns:a16="http://schemas.microsoft.com/office/drawing/2014/main" val="4007056995"/>
+                  </a:ext>
+                </a:extLst>
+              </a:tr>
+              <a:tr h="370840">
+                <a:tc>
+                  <a:txBody>
+                    <a:bodyPr/>
+                    <a:lstStyle/>
+                    <a:p>
+                      <a:r>
+                        <a:rPr lang="en-TR" dirty="0"/>
+                        <a:t>Ali</a:t>
+                      </a:r>
+                    </a:p>
+                  </a:txBody>
+                  <a:tcPr/>
+                </a:tc>
+                <a:tc>
+                  <a:txBody>
+                    <a:bodyPr/>
+                    <a:lstStyle/>
+                    <a:p>
+                      <a:r>
+                        <a:rPr lang="en-TR" dirty="0"/>
+                        <a:t>Adres 1</a:t>
+                      </a:r>
+                    </a:p>
+                  </a:txBody>
+                  <a:tcPr/>
+                </a:tc>
+                <a:extLst>
+                  <a:ext uri="{0D108BD9-81ED-4DB2-BD59-A6C34878D82A}">
+                    <a16:rowId xmlns:a16="http://schemas.microsoft.com/office/drawing/2014/main" val="4274227303"/>
+                  </a:ext>
+                </a:extLst>
+              </a:tr>
+              <a:tr h="370840">
+                <a:tc>
+                  <a:txBody>
+                    <a:bodyPr/>
+                    <a:lstStyle/>
+                    <a:p>
+                      <a:r>
+                        <a:rPr lang="en-TR" dirty="0"/>
+                        <a:t>Ali</a:t>
+                      </a:r>
+                    </a:p>
+                  </a:txBody>
+                  <a:tcPr/>
+                </a:tc>
+                <a:tc>
+                  <a:txBody>
+                    <a:bodyPr/>
+                    <a:lstStyle/>
+                    <a:p>
+                      <a:r>
+                        <a:rPr lang="en-TR" dirty="0"/>
+                        <a:t>Adres 2</a:t>
+                      </a:r>
+                    </a:p>
+                  </a:txBody>
+                  <a:tcPr/>
+                </a:tc>
+                <a:extLst>
+                  <a:ext uri="{0D108BD9-81ED-4DB2-BD59-A6C34878D82A}">
+                    <a16:rowId xmlns:a16="http://schemas.microsoft.com/office/drawing/2014/main" val="3412863520"/>
+                  </a:ext>
+                </a:extLst>
+              </a:tr>
+              <a:tr h="370840">
+                <a:tc>
+                  <a:txBody>
+                    <a:bodyPr/>
+                    <a:lstStyle/>
+                    <a:p>
+                      <a:r>
+                        <a:rPr lang="en-TR" dirty="0"/>
+                        <a:t>Ayşe</a:t>
+                      </a:r>
+                    </a:p>
+                  </a:txBody>
+                  <a:tcPr/>
+                </a:tc>
+                <a:tc>
+                  <a:txBody>
+                    <a:bodyPr/>
+                    <a:lstStyle/>
+                    <a:p>
+                      <a:r>
+                        <a:rPr lang="en-TR" dirty="0"/>
+                        <a:t>Adres 3</a:t>
+                      </a:r>
+                    </a:p>
+                  </a:txBody>
+                  <a:tcPr/>
+                </a:tc>
+                <a:extLst>
+                  <a:ext uri="{0D108BD9-81ED-4DB2-BD59-A6C34878D82A}">
+                    <a16:rowId xmlns:a16="http://schemas.microsoft.com/office/drawing/2014/main" val="3117025022"/>
+                  </a:ext>
+                </a:extLst>
+              </a:tr>
+            </a:tbl>
+          </a:graphicData>
+        </a:graphic>
+      </p:graphicFrame>
+      <p:sp>
+        <p:nvSpPr>
+          <p:cNvPr id="5" name="TextBox 4">
+            <a:extLst>
+              <a:ext uri="{FF2B5EF4-FFF2-40B4-BE49-F238E27FC236}">
+                <a16:creationId xmlns:a16="http://schemas.microsoft.com/office/drawing/2014/main" id="{39ED7191-2B98-7F6A-1A3B-78F3948B1727}"/>
+              </a:ext>
+            </a:extLst>
+          </p:cNvPr>
+          <p:cNvSpPr txBox="1"/>
+          <p:nvPr/>
+        </p:nvSpPr>
+        <p:spPr>
+          <a:xfrm>
+            <a:off x="1027376" y="1635627"/>
+            <a:ext cx="1129027" cy="369332"/>
+          </a:xfrm>
+          <a:prstGeom prst="rect">
+            <a:avLst/>
+          </a:prstGeom>
+          <a:noFill/>
+        </p:spPr>
+        <p:txBody>
+          <a:bodyPr wrap="none" rtlCol="0">
+            <a:spAutoFit/>
+          </a:bodyPr>
+          <a:lstStyle/>
+          <a:p>
+            <a:r>
+              <a:rPr lang="en-TR" dirty="0"/>
+              <a:t>öğrenciler</a:t>
+            </a:r>
+          </a:p>
+        </p:txBody>
+      </p:sp>
+      <p:sp>
+        <p:nvSpPr>
+          <p:cNvPr id="6" name="TextBox 5">
+            <a:extLst>
+              <a:ext uri="{FF2B5EF4-FFF2-40B4-BE49-F238E27FC236}">
+                <a16:creationId xmlns:a16="http://schemas.microsoft.com/office/drawing/2014/main" id="{4019544E-6846-298C-DBD2-07DA7542ADFC}"/>
+              </a:ext>
+            </a:extLst>
+          </p:cNvPr>
+          <p:cNvSpPr txBox="1"/>
+          <p:nvPr/>
+        </p:nvSpPr>
+        <p:spPr>
+          <a:xfrm>
+            <a:off x="2156403" y="3912713"/>
+            <a:ext cx="4831194" cy="2126864"/>
+          </a:xfrm>
+          <a:prstGeom prst="rect">
+            <a:avLst/>
+          </a:prstGeom>
+          <a:noFill/>
+        </p:spPr>
+        <p:txBody>
+          <a:bodyPr wrap="none" rtlCol="0">
+            <a:spAutoFit/>
+          </a:bodyPr>
+          <a:lstStyle/>
+          <a:p>
+            <a:pPr marL="285750" indent="-285750">
+              <a:lnSpc>
+                <a:spcPct val="150000"/>
+              </a:lnSpc>
+              <a:buFont typeface="Arial" panose="020B0604020202020204" pitchFamily="34" charset="0"/>
+              <a:buChar char="•"/>
+            </a:pPr>
+            <a:r>
+              <a:rPr lang="en-US" dirty="0" err="1">
+                <a:solidFill>
+                  <a:srgbClr val="00B050"/>
+                </a:solidFill>
+              </a:rPr>
+              <a:t>Sütunlarda</a:t>
+            </a:r>
+            <a:r>
+              <a:rPr lang="en-US" dirty="0">
+                <a:solidFill>
+                  <a:srgbClr val="00B050"/>
+                </a:solidFill>
+              </a:rPr>
+              <a:t> </a:t>
+            </a:r>
+            <a:r>
+              <a:rPr lang="en-US" dirty="0" err="1">
+                <a:solidFill>
+                  <a:srgbClr val="00B050"/>
+                </a:solidFill>
+              </a:rPr>
+              <a:t>yalnızca</a:t>
+            </a:r>
+            <a:r>
+              <a:rPr lang="en-US" dirty="0">
+                <a:solidFill>
+                  <a:srgbClr val="00B050"/>
+                </a:solidFill>
+              </a:rPr>
+              <a:t> </a:t>
+            </a:r>
+            <a:r>
+              <a:rPr lang="en-US" dirty="0" err="1">
+                <a:solidFill>
+                  <a:srgbClr val="00B050"/>
+                </a:solidFill>
+              </a:rPr>
+              <a:t>tek</a:t>
+            </a:r>
+            <a:r>
+              <a:rPr lang="en-US" dirty="0">
+                <a:solidFill>
+                  <a:srgbClr val="00B050"/>
+                </a:solidFill>
+              </a:rPr>
+              <a:t> </a:t>
+            </a:r>
+            <a:r>
+              <a:rPr lang="en-US" dirty="0" err="1">
+                <a:solidFill>
+                  <a:srgbClr val="00B050"/>
+                </a:solidFill>
+              </a:rPr>
+              <a:t>değerli</a:t>
+            </a:r>
+            <a:r>
+              <a:rPr lang="en-US" dirty="0">
+                <a:solidFill>
+                  <a:srgbClr val="00B050"/>
+                </a:solidFill>
+              </a:rPr>
+              <a:t> </a:t>
+            </a:r>
+            <a:r>
+              <a:rPr lang="en-US" dirty="0" err="1">
+                <a:solidFill>
+                  <a:srgbClr val="00B050"/>
+                </a:solidFill>
+              </a:rPr>
+              <a:t>nitelikler</a:t>
+            </a:r>
+            <a:r>
+              <a:rPr lang="en-US" dirty="0">
+                <a:solidFill>
+                  <a:srgbClr val="00B050"/>
+                </a:solidFill>
+              </a:rPr>
+              <a:t> </a:t>
+            </a:r>
+            <a:r>
+              <a:rPr lang="en-US" dirty="0" err="1">
+                <a:solidFill>
+                  <a:srgbClr val="00B050"/>
+                </a:solidFill>
+              </a:rPr>
+              <a:t>vardır</a:t>
+            </a:r>
+            <a:r>
+              <a:rPr lang="en-US" dirty="0">
+                <a:solidFill>
+                  <a:srgbClr val="00B050"/>
+                </a:solidFill>
+              </a:rPr>
+              <a:t>.</a:t>
+            </a:r>
+          </a:p>
+          <a:p>
+            <a:pPr marL="285750" indent="-285750">
+              <a:lnSpc>
+                <a:spcPct val="150000"/>
+              </a:lnSpc>
+              <a:buFont typeface="Arial" panose="020B0604020202020204" pitchFamily="34" charset="0"/>
+              <a:buChar char="•"/>
+            </a:pPr>
+            <a:r>
+              <a:rPr lang="en-US" dirty="0" err="1">
+                <a:solidFill>
+                  <a:srgbClr val="00B050"/>
+                </a:solidFill>
+              </a:rPr>
+              <a:t>Aynı</a:t>
+            </a:r>
+            <a:r>
+              <a:rPr lang="en-US" dirty="0">
+                <a:solidFill>
+                  <a:srgbClr val="00B050"/>
+                </a:solidFill>
+              </a:rPr>
+              <a:t> </a:t>
+            </a:r>
+            <a:r>
+              <a:rPr lang="en-US" dirty="0" err="1">
+                <a:solidFill>
+                  <a:srgbClr val="00B050"/>
+                </a:solidFill>
+              </a:rPr>
+              <a:t>sütunda</a:t>
+            </a:r>
+            <a:r>
+              <a:rPr lang="en-US" dirty="0">
+                <a:solidFill>
+                  <a:srgbClr val="00B050"/>
+                </a:solidFill>
+              </a:rPr>
+              <a:t> 1’den </a:t>
+            </a:r>
+            <a:r>
+              <a:rPr lang="en-US" dirty="0" err="1">
+                <a:solidFill>
+                  <a:srgbClr val="00B050"/>
+                </a:solidFill>
+              </a:rPr>
+              <a:t>çok</a:t>
+            </a:r>
+            <a:r>
+              <a:rPr lang="en-US" dirty="0">
+                <a:solidFill>
+                  <a:srgbClr val="00B050"/>
+                </a:solidFill>
+              </a:rPr>
+              <a:t> </a:t>
+            </a:r>
+            <a:r>
+              <a:rPr lang="en-US" dirty="0" err="1">
+                <a:solidFill>
+                  <a:srgbClr val="00B050"/>
+                </a:solidFill>
+              </a:rPr>
+              <a:t>tipte</a:t>
+            </a:r>
+            <a:r>
+              <a:rPr lang="en-US" dirty="0">
+                <a:solidFill>
+                  <a:srgbClr val="00B050"/>
+                </a:solidFill>
+              </a:rPr>
+              <a:t> </a:t>
+            </a:r>
+            <a:r>
+              <a:rPr lang="en-US" dirty="0" err="1">
+                <a:solidFill>
+                  <a:srgbClr val="00B050"/>
+                </a:solidFill>
+              </a:rPr>
+              <a:t>veri</a:t>
+            </a:r>
+            <a:r>
+              <a:rPr lang="en-US" dirty="0">
+                <a:solidFill>
+                  <a:srgbClr val="00B050"/>
+                </a:solidFill>
+              </a:rPr>
+              <a:t> </a:t>
+            </a:r>
+            <a:r>
+              <a:rPr lang="en-US" dirty="0" err="1">
+                <a:solidFill>
+                  <a:srgbClr val="00B050"/>
+                </a:solidFill>
+              </a:rPr>
+              <a:t>olmamalıdır</a:t>
+            </a:r>
+            <a:r>
+              <a:rPr lang="en-US" dirty="0">
+                <a:solidFill>
+                  <a:srgbClr val="00B050"/>
+                </a:solidFill>
+              </a:rPr>
+              <a:t>.</a:t>
+            </a:r>
+          </a:p>
+          <a:p>
+            <a:pPr marL="285750" indent="-285750">
+              <a:lnSpc>
+                <a:spcPct val="150000"/>
+              </a:lnSpc>
+              <a:buFont typeface="Arial" panose="020B0604020202020204" pitchFamily="34" charset="0"/>
+              <a:buChar char="•"/>
+            </a:pPr>
+            <a:r>
+              <a:rPr lang="en-US" dirty="0">
+                <a:solidFill>
+                  <a:srgbClr val="00B050"/>
+                </a:solidFill>
+              </a:rPr>
+              <a:t>Her </a:t>
+            </a:r>
+            <a:r>
+              <a:rPr lang="en-US" dirty="0" err="1">
+                <a:solidFill>
+                  <a:srgbClr val="00B050"/>
+                </a:solidFill>
+              </a:rPr>
+              <a:t>sütun</a:t>
+            </a:r>
+            <a:r>
+              <a:rPr lang="en-US" dirty="0">
+                <a:solidFill>
+                  <a:srgbClr val="00B050"/>
+                </a:solidFill>
+              </a:rPr>
+              <a:t> </a:t>
+            </a:r>
+            <a:r>
+              <a:rPr lang="en-US" dirty="0" err="1">
+                <a:solidFill>
+                  <a:srgbClr val="00B050"/>
+                </a:solidFill>
+              </a:rPr>
+              <a:t>için</a:t>
+            </a:r>
+            <a:r>
+              <a:rPr lang="en-US" dirty="0">
+                <a:solidFill>
+                  <a:srgbClr val="00B050"/>
+                </a:solidFill>
+              </a:rPr>
+              <a:t> </a:t>
+            </a:r>
+            <a:r>
+              <a:rPr lang="en-US" dirty="0" err="1">
+                <a:solidFill>
+                  <a:srgbClr val="00B050"/>
+                </a:solidFill>
+              </a:rPr>
+              <a:t>benzersiz</a:t>
+            </a:r>
+            <a:r>
+              <a:rPr lang="en-US" dirty="0">
+                <a:solidFill>
+                  <a:srgbClr val="00B050"/>
+                </a:solidFill>
+              </a:rPr>
+              <a:t> </a:t>
+            </a:r>
+            <a:r>
+              <a:rPr lang="en-US" dirty="0" err="1">
+                <a:solidFill>
+                  <a:srgbClr val="00B050"/>
+                </a:solidFill>
+              </a:rPr>
+              <a:t>bir</a:t>
+            </a:r>
+            <a:r>
+              <a:rPr lang="en-US" dirty="0">
+                <a:solidFill>
+                  <a:srgbClr val="00B050"/>
+                </a:solidFill>
+              </a:rPr>
+              <a:t> ad </a:t>
+            </a:r>
+            <a:r>
+              <a:rPr lang="en-US" dirty="0" err="1">
+                <a:solidFill>
+                  <a:srgbClr val="00B050"/>
+                </a:solidFill>
+              </a:rPr>
+              <a:t>vardır</a:t>
+            </a:r>
+            <a:r>
+              <a:rPr lang="en-US" dirty="0">
+                <a:solidFill>
+                  <a:srgbClr val="00B050"/>
+                </a:solidFill>
+              </a:rPr>
+              <a:t>.</a:t>
+            </a:r>
+          </a:p>
+          <a:p>
+            <a:pPr marL="285750" indent="-285750">
+              <a:lnSpc>
+                <a:spcPct val="150000"/>
+              </a:lnSpc>
+              <a:buFont typeface="Arial" panose="020B0604020202020204" pitchFamily="34" charset="0"/>
+              <a:buChar char="•"/>
+            </a:pPr>
+            <a:r>
+              <a:rPr lang="en-US" dirty="0">
+                <a:solidFill>
+                  <a:srgbClr val="00B050"/>
+                </a:solidFill>
+              </a:rPr>
+              <a:t>Primary key </a:t>
+            </a:r>
+            <a:r>
+              <a:rPr lang="en-US" dirty="0" err="1">
+                <a:solidFill>
+                  <a:srgbClr val="00B050"/>
+                </a:solidFill>
+              </a:rPr>
+              <a:t>bulunmalıdır</a:t>
+            </a:r>
+            <a:r>
+              <a:rPr lang="en-US" dirty="0">
+                <a:solidFill>
+                  <a:srgbClr val="00B050"/>
+                </a:solidFill>
+              </a:rPr>
+              <a:t>.</a:t>
+            </a:r>
+          </a:p>
+          <a:p>
+            <a:pPr marL="285750" indent="-285750">
+              <a:lnSpc>
+                <a:spcPct val="150000"/>
+              </a:lnSpc>
+              <a:buFont typeface="Arial" panose="020B0604020202020204" pitchFamily="34" charset="0"/>
+              <a:buChar char="•"/>
+            </a:pPr>
+            <a:r>
+              <a:rPr lang="en-US" dirty="0" err="1">
+                <a:solidFill>
+                  <a:srgbClr val="00B050"/>
+                </a:solidFill>
+              </a:rPr>
+              <a:t>Tekrar</a:t>
+            </a:r>
+            <a:r>
+              <a:rPr lang="en-US" dirty="0">
+                <a:solidFill>
+                  <a:srgbClr val="00B050"/>
+                </a:solidFill>
+              </a:rPr>
+              <a:t> </a:t>
+            </a:r>
+            <a:r>
+              <a:rPr lang="en-US" dirty="0" err="1">
+                <a:solidFill>
+                  <a:srgbClr val="00B050"/>
+                </a:solidFill>
+              </a:rPr>
+              <a:t>eden</a:t>
+            </a:r>
+            <a:r>
+              <a:rPr lang="en-US" dirty="0">
+                <a:solidFill>
+                  <a:srgbClr val="00B050"/>
+                </a:solidFill>
+              </a:rPr>
+              <a:t> </a:t>
+            </a:r>
+            <a:r>
+              <a:rPr lang="en-US" dirty="0" err="1">
+                <a:solidFill>
+                  <a:srgbClr val="00B050"/>
+                </a:solidFill>
+              </a:rPr>
+              <a:t>sütunlar</a:t>
+            </a:r>
+            <a:r>
+              <a:rPr lang="en-US" dirty="0">
+                <a:solidFill>
+                  <a:srgbClr val="00B050"/>
+                </a:solidFill>
+              </a:rPr>
+              <a:t> </a:t>
+            </a:r>
+            <a:r>
+              <a:rPr lang="en-US" dirty="0" err="1">
+                <a:solidFill>
+                  <a:srgbClr val="00B050"/>
+                </a:solidFill>
+              </a:rPr>
+              <a:t>olmamalıdır</a:t>
+            </a:r>
+            <a:r>
+              <a:rPr lang="en-US" dirty="0">
+                <a:solidFill>
+                  <a:srgbClr val="00B050"/>
+                </a:solidFill>
+              </a:rPr>
+              <a:t>.</a:t>
+            </a:r>
+          </a:p>
+        </p:txBody>
+      </p:sp>
+      <p:graphicFrame>
+        <p:nvGraphicFramePr>
+          <p:cNvPr id="3" name="Content Placeholder 3">
+            <a:extLst>
+              <a:ext uri="{FF2B5EF4-FFF2-40B4-BE49-F238E27FC236}">
+                <a16:creationId xmlns:a16="http://schemas.microsoft.com/office/drawing/2014/main" id="{5C83009C-34ED-2DB6-A9BC-E75A58A4D6DB}"/>
+              </a:ext>
+            </a:extLst>
+          </p:cNvPr>
+          <p:cNvGraphicFramePr>
+            <a:graphicFrameLocks/>
+          </p:cNvGraphicFramePr>
+          <p:nvPr>
+            <p:extLst>
+              <p:ext uri="{D42A27DB-BD31-4B8C-83A1-F6EECF244321}">
+                <p14:modId xmlns:p14="http://schemas.microsoft.com/office/powerpoint/2010/main" val="2348720869"/>
+              </p:ext>
+            </p:extLst>
+          </p:nvPr>
+        </p:nvGraphicFramePr>
+        <p:xfrm>
+          <a:off x="3186905" y="2062642"/>
+          <a:ext cx="4484620" cy="1854200"/>
+        </p:xfrm>
+        <a:graphic>
+          <a:graphicData uri="http://schemas.openxmlformats.org/drawingml/2006/table">
+            <a:tbl>
+              <a:tblPr firstRow="1" bandRow="1">
+                <a:tableStyleId>{5C22544A-7EE6-4342-B048-85BDC9FD1C3A}</a:tableStyleId>
+              </a:tblPr>
+              <a:tblGrid>
+                <a:gridCol w="1004208">
+                  <a:extLst>
+                    <a:ext uri="{9D8B030D-6E8A-4147-A177-3AD203B41FA5}">
+                      <a16:colId xmlns:a16="http://schemas.microsoft.com/office/drawing/2014/main" val="3444992394"/>
+                    </a:ext>
+                  </a:extLst>
+                </a:gridCol>
+                <a:gridCol w="935546">
+                  <a:extLst>
+                    <a:ext uri="{9D8B030D-6E8A-4147-A177-3AD203B41FA5}">
+                      <a16:colId xmlns:a16="http://schemas.microsoft.com/office/drawing/2014/main" val="1109569717"/>
+                    </a:ext>
+                  </a:extLst>
+                </a:gridCol>
+                <a:gridCol w="1171512">
+                  <a:extLst>
+                    <a:ext uri="{9D8B030D-6E8A-4147-A177-3AD203B41FA5}">
+                      <a16:colId xmlns:a16="http://schemas.microsoft.com/office/drawing/2014/main" val="1241659408"/>
+                    </a:ext>
+                  </a:extLst>
+                </a:gridCol>
+                <a:gridCol w="1373354">
+                  <a:extLst>
+                    <a:ext uri="{9D8B030D-6E8A-4147-A177-3AD203B41FA5}">
+                      <a16:colId xmlns:a16="http://schemas.microsoft.com/office/drawing/2014/main" val="2879877989"/>
+                    </a:ext>
+                  </a:extLst>
+                </a:gridCol>
+              </a:tblGrid>
+              <a:tr h="370840">
+                <a:tc>
+                  <a:txBody>
+                    <a:bodyPr/>
+                    <a:lstStyle/>
+                    <a:p>
+                      <a:r>
+                        <a:rPr lang="en-TR" u="none" dirty="0"/>
+                        <a:t>ad</a:t>
+                      </a:r>
+                    </a:p>
+                  </a:txBody>
+                  <a:tcPr/>
+                </a:tc>
+                <a:tc>
+                  <a:txBody>
+                    <a:bodyPr/>
+                    <a:lstStyle/>
+                    <a:p>
+                      <a:r>
+                        <a:rPr lang="en-TR" u="none" dirty="0"/>
+                        <a:t>adres</a:t>
+                      </a:r>
+                    </a:p>
+                  </a:txBody>
+                  <a:tcPr/>
+                </a:tc>
+                <a:tc>
+                  <a:txBody>
+                    <a:bodyPr/>
+                    <a:lstStyle/>
+                    <a:p>
+                      <a:r>
+                        <a:rPr lang="en-TR" dirty="0"/>
+                        <a:t>ülkeKodu </a:t>
+                      </a:r>
+                    </a:p>
+                  </a:txBody>
+                  <a:tcPr/>
+                </a:tc>
+                <a:tc>
+                  <a:txBody>
+                    <a:bodyPr/>
+                    <a:lstStyle/>
+                    <a:p>
+                      <a:r>
+                        <a:rPr lang="en-US" dirty="0" err="1"/>
+                        <a:t>telefon</a:t>
+                      </a:r>
+                      <a:endParaRPr lang="en-TR" dirty="0"/>
+                    </a:p>
+                  </a:txBody>
+                  <a:tcPr/>
+                </a:tc>
+                <a:extLst>
+                  <a:ext uri="{0D108BD9-81ED-4DB2-BD59-A6C34878D82A}">
+                    <a16:rowId xmlns:a16="http://schemas.microsoft.com/office/drawing/2014/main" val="4007056995"/>
+                  </a:ext>
+                </a:extLst>
+              </a:tr>
+              <a:tr h="370840">
+                <a:tc>
+                  <a:txBody>
+                    <a:bodyPr/>
+                    <a:lstStyle/>
+                    <a:p>
+                      <a:r>
+                        <a:rPr lang="en-TR" dirty="0"/>
+                        <a:t>Ali</a:t>
+                      </a:r>
+                    </a:p>
+                  </a:txBody>
+                  <a:tcPr/>
+                </a:tc>
+                <a:tc>
+                  <a:txBody>
+                    <a:bodyPr/>
+                    <a:lstStyle/>
+                    <a:p>
+                      <a:r>
+                        <a:rPr lang="en-TR" dirty="0"/>
+                        <a:t>Adres 1</a:t>
+                      </a:r>
+                    </a:p>
+                  </a:txBody>
+                  <a:tcPr/>
+                </a:tc>
+                <a:tc>
+                  <a:txBody>
+                    <a:bodyPr/>
+                    <a:lstStyle/>
+                    <a:p>
+                      <a:r>
+                        <a:rPr lang="en-TR" dirty="0"/>
+                        <a:t>90</a:t>
+                      </a:r>
+                    </a:p>
+                  </a:txBody>
+                  <a:tcPr/>
+                </a:tc>
+                <a:tc>
+                  <a:txBody>
+                    <a:bodyPr/>
+                    <a:lstStyle/>
+                    <a:p>
+                      <a:r>
+                        <a:rPr lang="en-TR" dirty="0"/>
+                        <a:t>5551234567</a:t>
+                      </a:r>
+                    </a:p>
+                  </a:txBody>
+                  <a:tcPr/>
+                </a:tc>
+                <a:extLst>
+                  <a:ext uri="{0D108BD9-81ED-4DB2-BD59-A6C34878D82A}">
+                    <a16:rowId xmlns:a16="http://schemas.microsoft.com/office/drawing/2014/main" val="4274227303"/>
+                  </a:ext>
+                </a:extLst>
+              </a:tr>
+              <a:tr h="370840">
+                <a:tc>
+                  <a:txBody>
+                    <a:bodyPr/>
+                    <a:lstStyle/>
+                    <a:p>
+                      <a:r>
+                        <a:rPr lang="en-TR" dirty="0"/>
+                        <a:t>Ali</a:t>
+                      </a:r>
+                    </a:p>
+                  </a:txBody>
+                  <a:tcPr/>
+                </a:tc>
+                <a:tc>
+                  <a:txBody>
+                    <a:bodyPr/>
+                    <a:lstStyle/>
+                    <a:p>
+                      <a:r>
+                        <a:rPr lang="en-TR" dirty="0"/>
+                        <a:t>Adres 1</a:t>
+                      </a:r>
+                    </a:p>
+                  </a:txBody>
+                  <a:tcPr/>
+                </a:tc>
+                <a:tc>
+                  <a:txBody>
+                    <a:bodyPr/>
+                    <a:lstStyle/>
+                    <a:p>
+                      <a:r>
+                        <a:rPr lang="en-TR" dirty="0"/>
+                        <a:t>90</a:t>
+                      </a:r>
+                    </a:p>
+                  </a:txBody>
+                  <a:tcPr/>
+                </a:tc>
+                <a:tc>
+                  <a:txBody>
+                    <a:bodyPr/>
+                    <a:lstStyle/>
+                    <a:p>
+                      <a:r>
+                        <a:rPr lang="en-TR" dirty="0"/>
+                        <a:t>5321234567</a:t>
+                      </a:r>
+                    </a:p>
+                  </a:txBody>
+                  <a:tcPr/>
+                </a:tc>
+                <a:extLst>
+                  <a:ext uri="{0D108BD9-81ED-4DB2-BD59-A6C34878D82A}">
+                    <a16:rowId xmlns:a16="http://schemas.microsoft.com/office/drawing/2014/main" val="2011617650"/>
+                  </a:ext>
+                </a:extLst>
+              </a:tr>
+              <a:tr h="370840">
+                <a:tc>
+                  <a:txBody>
+                    <a:bodyPr/>
+                    <a:lstStyle/>
+                    <a:p>
+                      <a:r>
+                        <a:rPr lang="en-TR" dirty="0"/>
+                        <a:t>Ali</a:t>
+                      </a:r>
+                    </a:p>
+                  </a:txBody>
+                  <a:tcPr/>
+                </a:tc>
+                <a:tc>
+                  <a:txBody>
+                    <a:bodyPr/>
+                    <a:lstStyle/>
+                    <a:p>
+                      <a:r>
+                        <a:rPr lang="en-TR" dirty="0"/>
+                        <a:t>Adres 2</a:t>
+                      </a:r>
+                    </a:p>
+                  </a:txBody>
+                  <a:tcPr/>
+                </a:tc>
+                <a:tc>
+                  <a:txBody>
+                    <a:bodyPr/>
+                    <a:lstStyle/>
+                    <a:p>
+                      <a:r>
+                        <a:rPr lang="en-TR" dirty="0"/>
+                        <a:t>49</a:t>
+                      </a:r>
+                    </a:p>
+                  </a:txBody>
+                  <a:tcPr/>
+                </a:tc>
+                <a:tc>
+                  <a:txBody>
+                    <a:bodyPr/>
+                    <a:lstStyle/>
+                    <a:p>
+                      <a:r>
+                        <a:rPr lang="en-TR" dirty="0"/>
+                        <a:t>123546789</a:t>
+                      </a:r>
+                    </a:p>
+                  </a:txBody>
+                  <a:tcPr/>
+                </a:tc>
+                <a:extLst>
+                  <a:ext uri="{0D108BD9-81ED-4DB2-BD59-A6C34878D82A}">
+                    <a16:rowId xmlns:a16="http://schemas.microsoft.com/office/drawing/2014/main" val="3412863520"/>
+                  </a:ext>
+                </a:extLst>
+              </a:tr>
+              <a:tr h="370840">
+                <a:tc>
+                  <a:txBody>
+                    <a:bodyPr/>
+                    <a:lstStyle/>
+                    <a:p>
+                      <a:r>
+                        <a:rPr lang="en-TR" dirty="0"/>
+                        <a:t>Ayşe</a:t>
+                      </a:r>
+                    </a:p>
+                  </a:txBody>
+                  <a:tcPr/>
+                </a:tc>
+                <a:tc>
+                  <a:txBody>
+                    <a:bodyPr/>
+                    <a:lstStyle/>
+                    <a:p>
+                      <a:r>
+                        <a:rPr lang="en-TR" dirty="0"/>
+                        <a:t>Adres 3</a:t>
+                      </a:r>
+                    </a:p>
+                  </a:txBody>
+                  <a:tcPr/>
+                </a:tc>
+                <a:tc>
+                  <a:txBody>
+                    <a:bodyPr/>
+                    <a:lstStyle/>
+                    <a:p>
+                      <a:r>
+                        <a:rPr lang="en-TR" dirty="0"/>
+                        <a:t>90</a:t>
+                      </a:r>
+                    </a:p>
+                  </a:txBody>
+                  <a:tcPr/>
+                </a:tc>
+                <a:tc>
+                  <a:txBody>
+                    <a:bodyPr/>
+                    <a:lstStyle/>
+                    <a:p>
+                      <a:r>
+                        <a:rPr lang="en-TR" dirty="0"/>
+                        <a:t>5051234567</a:t>
+                      </a:r>
+                    </a:p>
+                  </a:txBody>
+                  <a:tcPr/>
+                </a:tc>
+                <a:extLst>
+                  <a:ext uri="{0D108BD9-81ED-4DB2-BD59-A6C34878D82A}">
+                    <a16:rowId xmlns:a16="http://schemas.microsoft.com/office/drawing/2014/main" val="3117025022"/>
+                  </a:ext>
+                </a:extLst>
+              </a:tr>
+            </a:tbl>
+          </a:graphicData>
+        </a:graphic>
+      </p:graphicFrame>
+      <p:sp>
+        <p:nvSpPr>
+          <p:cNvPr id="7" name="TextBox 6">
+            <a:extLst>
+              <a:ext uri="{FF2B5EF4-FFF2-40B4-BE49-F238E27FC236}">
+                <a16:creationId xmlns:a16="http://schemas.microsoft.com/office/drawing/2014/main" id="{2C81C88B-7812-A8A4-C566-E55EE5820011}"/>
+              </a:ext>
+            </a:extLst>
+          </p:cNvPr>
+          <p:cNvSpPr txBox="1"/>
+          <p:nvPr/>
+        </p:nvSpPr>
+        <p:spPr>
+          <a:xfrm>
+            <a:off x="4788996" y="1635627"/>
+            <a:ext cx="1093761" cy="369332"/>
+          </a:xfrm>
+          <a:prstGeom prst="rect">
+            <a:avLst/>
+          </a:prstGeom>
+          <a:noFill/>
+        </p:spPr>
+        <p:txBody>
+          <a:bodyPr wrap="none" rtlCol="0">
+            <a:spAutoFit/>
+          </a:bodyPr>
+          <a:lstStyle/>
+          <a:p>
+            <a:r>
+              <a:rPr lang="en-TR" dirty="0"/>
+              <a:t>telefonlar</a:t>
+            </a:r>
+          </a:p>
+        </p:txBody>
+      </p:sp>
+    </p:spTree>
+    <p:extLst>
+      <p:ext uri="{BB962C8B-B14F-4D97-AF65-F5344CB8AC3E}">
+        <p14:creationId xmlns:p14="http://schemas.microsoft.com/office/powerpoint/2010/main" val="272843770"/>
+      </p:ext>
+    </p:extLst>
+  </p:cSld>
+  <p:clrMapOvr>
+    <a:masterClrMapping/>
+  </p:clrMapOvr>
+</p:sld>
+</file>
+
+<file path=ppt/slides/slide16.xml><?xml version="1.0" encoding="utf-8"?>
+<p:sld xmlns:a="http://schemas.openxmlformats.org/drawingml/2006/main" xmlns:r="http://schemas.openxmlformats.org/officeDocument/2006/relationships" xmlns:p="http://schemas.openxmlformats.org/presentationml/2006/main">
+  <p:cSld>
+    <p:spTree>
+      <p:nvGrpSpPr>
+        <p:cNvPr id="1" name="">
+          <a:extLst>
+            <a:ext uri="{FF2B5EF4-FFF2-40B4-BE49-F238E27FC236}">
+              <a16:creationId xmlns:a16="http://schemas.microsoft.com/office/drawing/2014/main" id="{602DB50E-5F84-F9AA-3235-4E0239594244}"/>
+            </a:ext>
+          </a:extLst>
+        </p:cNvPr>
+        <p:cNvGrpSpPr/>
+        <p:nvPr/>
+      </p:nvGrpSpPr>
+      <p:grpSpPr>
+        <a:xfrm>
+          <a:off x="0" y="0"/>
+          <a:ext cx="0" cy="0"/>
+          <a:chOff x="0" y="0"/>
+          <a:chExt cx="0" cy="0"/>
+        </a:xfrm>
+      </p:grpSpPr>
+      <p:sp>
+        <p:nvSpPr>
+          <p:cNvPr id="2" name="Title 1">
+            <a:extLst>
+              <a:ext uri="{FF2B5EF4-FFF2-40B4-BE49-F238E27FC236}">
+                <a16:creationId xmlns:a16="http://schemas.microsoft.com/office/drawing/2014/main" id="{27DCC597-D3D8-FED5-C281-CB6F1D9A7855}"/>
+              </a:ext>
+            </a:extLst>
+          </p:cNvPr>
+          <p:cNvSpPr>
+            <a:spLocks noGrp="1"/>
+          </p:cNvSpPr>
+          <p:nvPr>
+            <p:ph type="title"/>
+          </p:nvPr>
+        </p:nvSpPr>
+        <p:spPr/>
+        <p:txBody>
+          <a:bodyPr/>
+          <a:lstStyle/>
+          <a:p>
+            <a:r>
+              <a:rPr lang="en-TR" dirty="0"/>
+              <a:t>1. Normal Form (1NF)</a:t>
+            </a:r>
+          </a:p>
+        </p:txBody>
+      </p:sp>
+      <p:graphicFrame>
+        <p:nvGraphicFramePr>
+          <p:cNvPr id="4" name="Content Placeholder 3">
+            <a:extLst>
+              <a:ext uri="{FF2B5EF4-FFF2-40B4-BE49-F238E27FC236}">
+                <a16:creationId xmlns:a16="http://schemas.microsoft.com/office/drawing/2014/main" id="{7D33FC9D-3759-EDD2-8072-2E874D736026}"/>
+              </a:ext>
+            </a:extLst>
+          </p:cNvPr>
+          <p:cNvGraphicFramePr>
+            <a:graphicFrameLocks noGrp="1"/>
+          </p:cNvGraphicFramePr>
+          <p:nvPr>
+            <p:ph idx="1"/>
+            <p:extLst>
+              <p:ext uri="{D42A27DB-BD31-4B8C-83A1-F6EECF244321}">
+                <p14:modId xmlns:p14="http://schemas.microsoft.com/office/powerpoint/2010/main" val="3530610835"/>
+              </p:ext>
+            </p:extLst>
+          </p:nvPr>
+        </p:nvGraphicFramePr>
+        <p:xfrm>
+          <a:off x="2156403" y="2087035"/>
+          <a:ext cx="4788646" cy="1483360"/>
+        </p:xfrm>
+        <a:graphic>
+          <a:graphicData uri="http://schemas.openxmlformats.org/drawingml/2006/table">
+            <a:tbl>
+              <a:tblPr firstRow="1" bandRow="1">
+                <a:tableStyleId>{5C22544A-7EE6-4342-B048-85BDC9FD1C3A}</a:tableStyleId>
+              </a:tblPr>
+              <a:tblGrid>
+                <a:gridCol w="666750">
+                  <a:extLst>
+                    <a:ext uri="{9D8B030D-6E8A-4147-A177-3AD203B41FA5}">
+                      <a16:colId xmlns:a16="http://schemas.microsoft.com/office/drawing/2014/main" val="3444992394"/>
+                    </a:ext>
+                  </a:extLst>
+                </a:gridCol>
+                <a:gridCol w="4121896">
+                  <a:extLst>
+                    <a:ext uri="{9D8B030D-6E8A-4147-A177-3AD203B41FA5}">
+                      <a16:colId xmlns:a16="http://schemas.microsoft.com/office/drawing/2014/main" val="1109569717"/>
+                    </a:ext>
+                  </a:extLst>
+                </a:gridCol>
+              </a:tblGrid>
+              <a:tr h="370840">
+                <a:tc>
+                  <a:txBody>
+                    <a:bodyPr/>
+                    <a:lstStyle/>
+                    <a:p>
+                      <a:r>
+                        <a:rPr lang="en-TR" u="none" dirty="0"/>
+                        <a:t>ad</a:t>
+                      </a:r>
+                    </a:p>
+                  </a:txBody>
+                  <a:tcPr/>
+                </a:tc>
+                <a:tc>
+                  <a:txBody>
+                    <a:bodyPr/>
+                    <a:lstStyle/>
+                    <a:p>
+                      <a:r>
+                        <a:rPr lang="en-TR" u="none" dirty="0"/>
+                        <a:t>envanter</a:t>
+                      </a:r>
+                    </a:p>
+                  </a:txBody>
+                  <a:tcPr/>
+                </a:tc>
+                <a:extLst>
+                  <a:ext uri="{0D108BD9-81ED-4DB2-BD59-A6C34878D82A}">
+                    <a16:rowId xmlns:a16="http://schemas.microsoft.com/office/drawing/2014/main" val="4007056995"/>
+                  </a:ext>
+                </a:extLst>
+              </a:tr>
+              <a:tr h="370840">
+                <a:tc>
+                  <a:txBody>
+                    <a:bodyPr/>
+                    <a:lstStyle/>
+                    <a:p>
+                      <a:r>
+                        <a:rPr lang="en-TR" dirty="0"/>
+                        <a:t>Ali</a:t>
+                      </a:r>
+                    </a:p>
+                  </a:txBody>
+                  <a:tcPr/>
+                </a:tc>
+                <a:tc>
+                  <a:txBody>
+                    <a:bodyPr/>
+                    <a:lstStyle/>
+                    <a:p>
+                      <a:r>
+                        <a:rPr lang="en-TR" dirty="0"/>
+                        <a:t>3 ilk yardım, 2 ışınlanma</a:t>
+                      </a:r>
+                    </a:p>
+                  </a:txBody>
+                  <a:tcPr/>
+                </a:tc>
+                <a:extLst>
+                  <a:ext uri="{0D108BD9-81ED-4DB2-BD59-A6C34878D82A}">
+                    <a16:rowId xmlns:a16="http://schemas.microsoft.com/office/drawing/2014/main" val="4274227303"/>
+                  </a:ext>
+                </a:extLst>
+              </a:tr>
+              <a:tr h="370840">
+                <a:tc>
+                  <a:txBody>
+                    <a:bodyPr/>
+                    <a:lstStyle/>
+                    <a:p>
+                      <a:r>
+                        <a:rPr lang="en-TR" dirty="0"/>
+                        <a:t>Veli</a:t>
+                      </a:r>
+                    </a:p>
+                  </a:txBody>
+                  <a:tcPr/>
+                </a:tc>
+                <a:tc>
+                  <a:txBody>
+                    <a:bodyPr/>
+                    <a:lstStyle/>
+                    <a:p>
+                      <a:r>
+                        <a:rPr lang="en-TR" dirty="0"/>
+                        <a:t>1 ışınlanma, 1 ilk yardım, 5 halat</a:t>
+                      </a:r>
+                    </a:p>
+                  </a:txBody>
+                  <a:tcPr/>
+                </a:tc>
+                <a:extLst>
+                  <a:ext uri="{0D108BD9-81ED-4DB2-BD59-A6C34878D82A}">
+                    <a16:rowId xmlns:a16="http://schemas.microsoft.com/office/drawing/2014/main" val="3412863520"/>
+                  </a:ext>
+                </a:extLst>
+              </a:tr>
+              <a:tr h="370840">
+                <a:tc>
+                  <a:txBody>
+                    <a:bodyPr/>
+                    <a:lstStyle/>
+                    <a:p>
+                      <a:r>
+                        <a:rPr lang="en-TR" dirty="0"/>
+                        <a:t>Ayşe</a:t>
+                      </a:r>
+                    </a:p>
+                  </a:txBody>
+                  <a:tcPr/>
+                </a:tc>
+                <a:tc>
+                  <a:txBody>
+                    <a:bodyPr/>
+                    <a:lstStyle/>
+                    <a:p>
+                      <a:r>
+                        <a:rPr lang="en-TR" dirty="0"/>
+                        <a:t>1 pusula, 3 halat</a:t>
+                      </a:r>
+                    </a:p>
+                  </a:txBody>
+                  <a:tcPr/>
+                </a:tc>
+                <a:extLst>
+                  <a:ext uri="{0D108BD9-81ED-4DB2-BD59-A6C34878D82A}">
+                    <a16:rowId xmlns:a16="http://schemas.microsoft.com/office/drawing/2014/main" val="3117025022"/>
+                  </a:ext>
+                </a:extLst>
+              </a:tr>
+            </a:tbl>
+          </a:graphicData>
+        </a:graphic>
+      </p:graphicFrame>
+      <p:sp>
+        <p:nvSpPr>
+          <p:cNvPr id="5" name="TextBox 4">
+            <a:extLst>
+              <a:ext uri="{FF2B5EF4-FFF2-40B4-BE49-F238E27FC236}">
+                <a16:creationId xmlns:a16="http://schemas.microsoft.com/office/drawing/2014/main" id="{39ED7191-2B98-7F6A-1A3B-78F3948B1727}"/>
+              </a:ext>
+            </a:extLst>
+          </p:cNvPr>
+          <p:cNvSpPr txBox="1"/>
+          <p:nvPr/>
+        </p:nvSpPr>
+        <p:spPr>
+          <a:xfrm>
+            <a:off x="2156403" y="1717703"/>
+            <a:ext cx="1116396" cy="369332"/>
+          </a:xfrm>
+          <a:prstGeom prst="rect">
+            <a:avLst/>
+          </a:prstGeom>
+          <a:noFill/>
+        </p:spPr>
+        <p:txBody>
+          <a:bodyPr wrap="none" rtlCol="0">
+            <a:spAutoFit/>
+          </a:bodyPr>
+          <a:lstStyle/>
+          <a:p>
+            <a:r>
+              <a:rPr lang="en-TR" dirty="0"/>
+              <a:t>oyuncular</a:t>
+            </a:r>
+          </a:p>
+        </p:txBody>
+      </p:sp>
+      <p:sp>
+        <p:nvSpPr>
+          <p:cNvPr id="8" name="TextBox 7">
+            <a:extLst>
+              <a:ext uri="{FF2B5EF4-FFF2-40B4-BE49-F238E27FC236}">
+                <a16:creationId xmlns:a16="http://schemas.microsoft.com/office/drawing/2014/main" id="{AEED7B6C-E294-B614-5CC5-99A121750725}"/>
+              </a:ext>
+            </a:extLst>
+          </p:cNvPr>
+          <p:cNvSpPr txBox="1"/>
+          <p:nvPr/>
+        </p:nvSpPr>
+        <p:spPr>
+          <a:xfrm>
+            <a:off x="2156403" y="3939727"/>
+            <a:ext cx="4831194" cy="2126864"/>
+          </a:xfrm>
+          <a:prstGeom prst="rect">
+            <a:avLst/>
+          </a:prstGeom>
+          <a:noFill/>
+        </p:spPr>
+        <p:txBody>
+          <a:bodyPr wrap="none" rtlCol="0">
+            <a:spAutoFit/>
+          </a:bodyPr>
+          <a:lstStyle/>
+          <a:p>
+            <a:pPr marL="285750" indent="-285750">
+              <a:lnSpc>
+                <a:spcPct val="150000"/>
+              </a:lnSpc>
+              <a:buFont typeface="Arial" panose="020B0604020202020204" pitchFamily="34" charset="0"/>
+              <a:buChar char="•"/>
+            </a:pPr>
+            <a:r>
+              <a:rPr lang="en-US" dirty="0"/>
+              <a:t>Primary key </a:t>
+            </a:r>
+            <a:r>
+              <a:rPr lang="en-US" dirty="0" err="1"/>
+              <a:t>bulunmalıdır</a:t>
+            </a:r>
+            <a:r>
+              <a:rPr lang="en-US" dirty="0"/>
+              <a:t>.</a:t>
+            </a:r>
+          </a:p>
+          <a:p>
+            <a:pPr marL="285750" indent="-285750">
+              <a:lnSpc>
+                <a:spcPct val="150000"/>
+              </a:lnSpc>
+              <a:buFont typeface="Arial" panose="020B0604020202020204" pitchFamily="34" charset="0"/>
+              <a:buChar char="•"/>
+            </a:pPr>
+            <a:r>
+              <a:rPr lang="en-US" dirty="0" err="1"/>
+              <a:t>Sütunlarda</a:t>
+            </a:r>
+            <a:r>
+              <a:rPr lang="en-US" dirty="0"/>
+              <a:t> </a:t>
+            </a:r>
+            <a:r>
+              <a:rPr lang="en-US" dirty="0" err="1"/>
+              <a:t>yalnızca</a:t>
+            </a:r>
+            <a:r>
+              <a:rPr lang="en-US" dirty="0"/>
+              <a:t> </a:t>
+            </a:r>
+            <a:r>
+              <a:rPr lang="en-US" dirty="0" err="1"/>
+              <a:t>tek</a:t>
+            </a:r>
+            <a:r>
+              <a:rPr lang="en-US" dirty="0"/>
+              <a:t> </a:t>
+            </a:r>
+            <a:r>
+              <a:rPr lang="en-US" dirty="0" err="1"/>
+              <a:t>değerli</a:t>
+            </a:r>
+            <a:r>
+              <a:rPr lang="en-US" dirty="0"/>
+              <a:t> </a:t>
+            </a:r>
+            <a:r>
+              <a:rPr lang="en-US" dirty="0" err="1"/>
+              <a:t>nitelikler</a:t>
+            </a:r>
+            <a:r>
+              <a:rPr lang="en-US" dirty="0"/>
+              <a:t> </a:t>
+            </a:r>
+            <a:r>
+              <a:rPr lang="en-US" dirty="0" err="1"/>
+              <a:t>vardır</a:t>
+            </a:r>
+            <a:r>
+              <a:rPr lang="en-US" dirty="0"/>
+              <a:t>.</a:t>
+            </a:r>
+          </a:p>
+          <a:p>
+            <a:pPr marL="285750" indent="-285750">
+              <a:lnSpc>
+                <a:spcPct val="150000"/>
+              </a:lnSpc>
+              <a:buFont typeface="Arial" panose="020B0604020202020204" pitchFamily="34" charset="0"/>
+              <a:buChar char="•"/>
+            </a:pPr>
+            <a:r>
+              <a:rPr lang="en-US" dirty="0" err="1"/>
+              <a:t>Aynı</a:t>
+            </a:r>
+            <a:r>
+              <a:rPr lang="en-US" dirty="0"/>
+              <a:t> </a:t>
+            </a:r>
+            <a:r>
+              <a:rPr lang="en-US" dirty="0" err="1"/>
+              <a:t>sütunda</a:t>
+            </a:r>
+            <a:r>
+              <a:rPr lang="en-US" dirty="0"/>
+              <a:t> 1’den </a:t>
+            </a:r>
+            <a:r>
+              <a:rPr lang="en-US" dirty="0" err="1"/>
+              <a:t>çok</a:t>
+            </a:r>
+            <a:r>
+              <a:rPr lang="en-US" dirty="0"/>
+              <a:t> </a:t>
+            </a:r>
+            <a:r>
+              <a:rPr lang="en-US" dirty="0" err="1"/>
+              <a:t>tipte</a:t>
+            </a:r>
+            <a:r>
+              <a:rPr lang="en-US" dirty="0"/>
+              <a:t> </a:t>
+            </a:r>
+            <a:r>
+              <a:rPr lang="en-US" dirty="0" err="1"/>
+              <a:t>veri</a:t>
+            </a:r>
+            <a:r>
+              <a:rPr lang="en-US" dirty="0"/>
+              <a:t> </a:t>
+            </a:r>
+            <a:r>
+              <a:rPr lang="en-US" dirty="0" err="1"/>
+              <a:t>olmamalıdır</a:t>
+            </a:r>
+            <a:r>
+              <a:rPr lang="en-US" dirty="0"/>
+              <a:t>.</a:t>
+            </a:r>
+          </a:p>
+          <a:p>
+            <a:pPr marL="285750" indent="-285750">
+              <a:lnSpc>
+                <a:spcPct val="150000"/>
+              </a:lnSpc>
+              <a:buFont typeface="Arial" panose="020B0604020202020204" pitchFamily="34" charset="0"/>
+              <a:buChar char="•"/>
+            </a:pPr>
+            <a:r>
+              <a:rPr lang="en-US" dirty="0"/>
+              <a:t>Her </a:t>
+            </a:r>
+            <a:r>
+              <a:rPr lang="en-US" dirty="0" err="1"/>
+              <a:t>sütun</a:t>
+            </a:r>
+            <a:r>
+              <a:rPr lang="en-US" dirty="0"/>
+              <a:t> </a:t>
+            </a:r>
+            <a:r>
+              <a:rPr lang="en-US" dirty="0" err="1"/>
+              <a:t>için</a:t>
+            </a:r>
+            <a:r>
+              <a:rPr lang="en-US" dirty="0"/>
+              <a:t> </a:t>
+            </a:r>
+            <a:r>
+              <a:rPr lang="en-US" dirty="0" err="1"/>
+              <a:t>benzersiz</a:t>
+            </a:r>
+            <a:r>
+              <a:rPr lang="en-US" dirty="0"/>
+              <a:t> </a:t>
+            </a:r>
+            <a:r>
+              <a:rPr lang="en-US" dirty="0" err="1"/>
+              <a:t>bir</a:t>
+            </a:r>
+            <a:r>
+              <a:rPr lang="en-US" dirty="0"/>
+              <a:t> ad </a:t>
+            </a:r>
+            <a:r>
+              <a:rPr lang="en-US" dirty="0" err="1"/>
+              <a:t>vardır</a:t>
+            </a:r>
+            <a:r>
+              <a:rPr lang="en-US" dirty="0"/>
+              <a:t>.</a:t>
+            </a:r>
+          </a:p>
+          <a:p>
+            <a:pPr marL="285750" indent="-285750">
+              <a:lnSpc>
+                <a:spcPct val="150000"/>
+              </a:lnSpc>
+              <a:buFont typeface="Arial" panose="020B0604020202020204" pitchFamily="34" charset="0"/>
+              <a:buChar char="•"/>
+            </a:pPr>
+            <a:r>
+              <a:rPr lang="en-US" dirty="0" err="1"/>
+              <a:t>Tekrar</a:t>
+            </a:r>
+            <a:r>
+              <a:rPr lang="en-US" dirty="0"/>
+              <a:t> </a:t>
+            </a:r>
+            <a:r>
+              <a:rPr lang="en-US" dirty="0" err="1"/>
+              <a:t>eden</a:t>
+            </a:r>
+            <a:r>
+              <a:rPr lang="en-US" dirty="0"/>
+              <a:t> </a:t>
+            </a:r>
+            <a:r>
+              <a:rPr lang="en-US" dirty="0" err="1"/>
+              <a:t>sütun</a:t>
+            </a:r>
+            <a:r>
+              <a:rPr lang="en-US" dirty="0"/>
+              <a:t> </a:t>
+            </a:r>
+            <a:r>
+              <a:rPr lang="en-US" dirty="0" err="1"/>
+              <a:t>grupları</a:t>
+            </a:r>
+            <a:r>
+              <a:rPr lang="en-US" dirty="0"/>
+              <a:t> </a:t>
+            </a:r>
+            <a:r>
+              <a:rPr lang="en-US" dirty="0" err="1"/>
+              <a:t>olmamalıdır</a:t>
+            </a:r>
+            <a:r>
+              <a:rPr lang="en-US" dirty="0"/>
+              <a:t>.</a:t>
+            </a:r>
+          </a:p>
+        </p:txBody>
+      </p:sp>
+    </p:spTree>
+    <p:extLst>
+      <p:ext uri="{BB962C8B-B14F-4D97-AF65-F5344CB8AC3E}">
+        <p14:creationId xmlns:p14="http://schemas.microsoft.com/office/powerpoint/2010/main" val="3974322916"/>
+      </p:ext>
+    </p:extLst>
+  </p:cSld>
+  <p:clrMapOvr>
+    <a:masterClrMapping/>
+  </p:clrMapOvr>
+</p:sld>
+</file>
+
+<file path=ppt/slides/slide17.xml><?xml version="1.0" encoding="utf-8"?>
+<p:sld xmlns:a="http://schemas.openxmlformats.org/drawingml/2006/main" xmlns:r="http://schemas.openxmlformats.org/officeDocument/2006/relationships" xmlns:p="http://schemas.openxmlformats.org/presentationml/2006/main">
+  <p:cSld>
+    <p:spTree>
+      <p:nvGrpSpPr>
+        <p:cNvPr id="1" name="">
+          <a:extLst>
+            <a:ext uri="{FF2B5EF4-FFF2-40B4-BE49-F238E27FC236}">
+              <a16:creationId xmlns:a16="http://schemas.microsoft.com/office/drawing/2014/main" id="{602DB50E-5F84-F9AA-3235-4E0239594244}"/>
+            </a:ext>
+          </a:extLst>
+        </p:cNvPr>
+        <p:cNvGrpSpPr/>
+        <p:nvPr/>
+      </p:nvGrpSpPr>
+      <p:grpSpPr>
+        <a:xfrm>
+          <a:off x="0" y="0"/>
+          <a:ext cx="0" cy="0"/>
+          <a:chOff x="0" y="0"/>
+          <a:chExt cx="0" cy="0"/>
+        </a:xfrm>
+      </p:grpSpPr>
+      <p:sp>
+        <p:nvSpPr>
+          <p:cNvPr id="2" name="Title 1">
+            <a:extLst>
+              <a:ext uri="{FF2B5EF4-FFF2-40B4-BE49-F238E27FC236}">
+                <a16:creationId xmlns:a16="http://schemas.microsoft.com/office/drawing/2014/main" id="{27DCC597-D3D8-FED5-C281-CB6F1D9A7855}"/>
+              </a:ext>
+            </a:extLst>
+          </p:cNvPr>
+          <p:cNvSpPr>
+            <a:spLocks noGrp="1"/>
+          </p:cNvSpPr>
+          <p:nvPr>
+            <p:ph type="title"/>
+          </p:nvPr>
+        </p:nvSpPr>
+        <p:spPr/>
+        <p:txBody>
+          <a:bodyPr/>
+          <a:lstStyle/>
+          <a:p>
+            <a:r>
+              <a:rPr lang="en-TR" dirty="0"/>
+              <a:t>1. Normal Form (1NF)</a:t>
+            </a:r>
+          </a:p>
+        </p:txBody>
+      </p:sp>
+      <p:graphicFrame>
+        <p:nvGraphicFramePr>
+          <p:cNvPr id="4" name="Content Placeholder 3">
+            <a:extLst>
+              <a:ext uri="{FF2B5EF4-FFF2-40B4-BE49-F238E27FC236}">
+                <a16:creationId xmlns:a16="http://schemas.microsoft.com/office/drawing/2014/main" id="{7D33FC9D-3759-EDD2-8072-2E874D736026}"/>
+              </a:ext>
+            </a:extLst>
+          </p:cNvPr>
+          <p:cNvGraphicFramePr>
+            <a:graphicFrameLocks noGrp="1"/>
+          </p:cNvGraphicFramePr>
+          <p:nvPr>
+            <p:ph idx="1"/>
+            <p:extLst>
+              <p:ext uri="{D42A27DB-BD31-4B8C-83A1-F6EECF244321}">
+                <p14:modId xmlns:p14="http://schemas.microsoft.com/office/powerpoint/2010/main" val="4204394383"/>
+              </p:ext>
+            </p:extLst>
+          </p:nvPr>
+        </p:nvGraphicFramePr>
+        <p:xfrm>
+          <a:off x="2156403" y="2087035"/>
+          <a:ext cx="5044017" cy="1483360"/>
+        </p:xfrm>
+        <a:graphic>
+          <a:graphicData uri="http://schemas.openxmlformats.org/drawingml/2006/table">
+            <a:tbl>
+              <a:tblPr firstRow="1" bandRow="1">
+                <a:tableStyleId>{5C22544A-7EE6-4342-B048-85BDC9FD1C3A}</a:tableStyleId>
+              </a:tblPr>
+              <a:tblGrid>
+                <a:gridCol w="759143">
+                  <a:extLst>
+                    <a:ext uri="{9D8B030D-6E8A-4147-A177-3AD203B41FA5}">
+                      <a16:colId xmlns:a16="http://schemas.microsoft.com/office/drawing/2014/main" val="3572103169"/>
+                    </a:ext>
+                  </a:extLst>
+                </a:gridCol>
+                <a:gridCol w="666750">
+                  <a:extLst>
+                    <a:ext uri="{9D8B030D-6E8A-4147-A177-3AD203B41FA5}">
+                      <a16:colId xmlns:a16="http://schemas.microsoft.com/office/drawing/2014/main" val="3444992394"/>
+                    </a:ext>
+                  </a:extLst>
+                </a:gridCol>
+                <a:gridCol w="3618124">
+                  <a:extLst>
+                    <a:ext uri="{9D8B030D-6E8A-4147-A177-3AD203B41FA5}">
+                      <a16:colId xmlns:a16="http://schemas.microsoft.com/office/drawing/2014/main" val="1109569717"/>
+                    </a:ext>
+                  </a:extLst>
+                </a:gridCol>
+              </a:tblGrid>
+              <a:tr h="370840">
+                <a:tc>
+                  <a:txBody>
+                    <a:bodyPr/>
+                    <a:lstStyle/>
+                    <a:p>
+                      <a:r>
+                        <a:rPr lang="en-TR" u="sng" dirty="0"/>
+                        <a:t>email</a:t>
+                      </a:r>
+                    </a:p>
+                  </a:txBody>
+                  <a:tcPr/>
+                </a:tc>
+                <a:tc>
+                  <a:txBody>
+                    <a:bodyPr/>
+                    <a:lstStyle/>
+                    <a:p>
+                      <a:r>
+                        <a:rPr lang="en-TR" u="none" dirty="0"/>
+                        <a:t>ad</a:t>
+                      </a:r>
+                    </a:p>
+                  </a:txBody>
+                  <a:tcPr/>
+                </a:tc>
+                <a:tc>
+                  <a:txBody>
+                    <a:bodyPr/>
+                    <a:lstStyle/>
+                    <a:p>
+                      <a:r>
+                        <a:rPr lang="en-TR" u="none" dirty="0"/>
+                        <a:t>envanter</a:t>
+                      </a:r>
+                    </a:p>
+                  </a:txBody>
+                  <a:tcPr/>
+                </a:tc>
+                <a:extLst>
+                  <a:ext uri="{0D108BD9-81ED-4DB2-BD59-A6C34878D82A}">
+                    <a16:rowId xmlns:a16="http://schemas.microsoft.com/office/drawing/2014/main" val="4007056995"/>
+                  </a:ext>
+                </a:extLst>
+              </a:tr>
+              <a:tr h="370840">
+                <a:tc>
+                  <a:txBody>
+                    <a:bodyPr/>
+                    <a:lstStyle/>
+                    <a:p>
+                      <a:r>
+                        <a:rPr lang="en-TR" dirty="0"/>
+                        <a:t>a@b</a:t>
+                      </a:r>
+                    </a:p>
+                  </a:txBody>
+                  <a:tcPr/>
+                </a:tc>
+                <a:tc>
+                  <a:txBody>
+                    <a:bodyPr/>
+                    <a:lstStyle/>
+                    <a:p>
+                      <a:r>
+                        <a:rPr lang="en-TR" dirty="0"/>
+                        <a:t>Ali</a:t>
+                      </a:r>
+                    </a:p>
+                  </a:txBody>
+                  <a:tcPr/>
+                </a:tc>
+                <a:tc>
+                  <a:txBody>
+                    <a:bodyPr/>
+                    <a:lstStyle/>
+                    <a:p>
+                      <a:r>
+                        <a:rPr lang="en-TR" dirty="0"/>
+                        <a:t>3 ilk yardım, 2 ışınlanma</a:t>
+                      </a:r>
+                    </a:p>
+                  </a:txBody>
+                  <a:tcPr/>
+                </a:tc>
+                <a:extLst>
+                  <a:ext uri="{0D108BD9-81ED-4DB2-BD59-A6C34878D82A}">
+                    <a16:rowId xmlns:a16="http://schemas.microsoft.com/office/drawing/2014/main" val="4274227303"/>
+                  </a:ext>
+                </a:extLst>
+              </a:tr>
+              <a:tr h="370840">
+                <a:tc>
+                  <a:txBody>
+                    <a:bodyPr/>
+                    <a:lstStyle/>
+                    <a:p>
+                      <a:r>
+                        <a:rPr lang="en-TR" dirty="0"/>
+                        <a:t>b@c</a:t>
+                      </a:r>
+                    </a:p>
+                  </a:txBody>
+                  <a:tcPr/>
+                </a:tc>
+                <a:tc>
+                  <a:txBody>
+                    <a:bodyPr/>
+                    <a:lstStyle/>
+                    <a:p>
+                      <a:r>
+                        <a:rPr lang="en-TR" dirty="0"/>
+                        <a:t>Veli</a:t>
+                      </a:r>
+                    </a:p>
+                  </a:txBody>
+                  <a:tcPr/>
+                </a:tc>
+                <a:tc>
+                  <a:txBody>
+                    <a:bodyPr/>
+                    <a:lstStyle/>
+                    <a:p>
+                      <a:r>
+                        <a:rPr lang="en-TR" dirty="0"/>
+                        <a:t>1 ışınlanma, 1 ilk yardım, 5 halat</a:t>
+                      </a:r>
+                    </a:p>
+                  </a:txBody>
+                  <a:tcPr/>
+                </a:tc>
+                <a:extLst>
+                  <a:ext uri="{0D108BD9-81ED-4DB2-BD59-A6C34878D82A}">
+                    <a16:rowId xmlns:a16="http://schemas.microsoft.com/office/drawing/2014/main" val="3412863520"/>
+                  </a:ext>
+                </a:extLst>
+              </a:tr>
+              <a:tr h="370840">
+                <a:tc>
+                  <a:txBody>
+                    <a:bodyPr/>
+                    <a:lstStyle/>
+                    <a:p>
+                      <a:r>
+                        <a:rPr lang="en-TR" dirty="0"/>
+                        <a:t>c@d</a:t>
+                      </a:r>
+                    </a:p>
+                  </a:txBody>
+                  <a:tcPr/>
+                </a:tc>
+                <a:tc>
+                  <a:txBody>
+                    <a:bodyPr/>
+                    <a:lstStyle/>
+                    <a:p>
+                      <a:r>
+                        <a:rPr lang="en-TR" dirty="0"/>
+                        <a:t>Ayşe</a:t>
+                      </a:r>
+                    </a:p>
+                  </a:txBody>
+                  <a:tcPr/>
+                </a:tc>
+                <a:tc>
+                  <a:txBody>
+                    <a:bodyPr/>
+                    <a:lstStyle/>
+                    <a:p>
+                      <a:r>
+                        <a:rPr lang="en-TR" dirty="0"/>
+                        <a:t>1 pusula, 3 halat</a:t>
+                      </a:r>
+                    </a:p>
+                  </a:txBody>
+                  <a:tcPr/>
+                </a:tc>
+                <a:extLst>
+                  <a:ext uri="{0D108BD9-81ED-4DB2-BD59-A6C34878D82A}">
+                    <a16:rowId xmlns:a16="http://schemas.microsoft.com/office/drawing/2014/main" val="3117025022"/>
+                  </a:ext>
+                </a:extLst>
+              </a:tr>
+            </a:tbl>
+          </a:graphicData>
+        </a:graphic>
+      </p:graphicFrame>
+      <p:sp>
+        <p:nvSpPr>
+          <p:cNvPr id="5" name="TextBox 4">
+            <a:extLst>
+              <a:ext uri="{FF2B5EF4-FFF2-40B4-BE49-F238E27FC236}">
+                <a16:creationId xmlns:a16="http://schemas.microsoft.com/office/drawing/2014/main" id="{39ED7191-2B98-7F6A-1A3B-78F3948B1727}"/>
+              </a:ext>
+            </a:extLst>
+          </p:cNvPr>
+          <p:cNvSpPr txBox="1"/>
+          <p:nvPr/>
+        </p:nvSpPr>
+        <p:spPr>
+          <a:xfrm>
+            <a:off x="2156403" y="1717703"/>
+            <a:ext cx="1116396" cy="369332"/>
+          </a:xfrm>
+          <a:prstGeom prst="rect">
+            <a:avLst/>
+          </a:prstGeom>
+          <a:noFill/>
+        </p:spPr>
+        <p:txBody>
+          <a:bodyPr wrap="none" rtlCol="0">
+            <a:spAutoFit/>
+          </a:bodyPr>
+          <a:lstStyle/>
+          <a:p>
+            <a:r>
+              <a:rPr lang="en-TR" dirty="0"/>
+              <a:t>oyuncular</a:t>
+            </a:r>
+          </a:p>
+        </p:txBody>
+      </p:sp>
+      <p:sp>
+        <p:nvSpPr>
+          <p:cNvPr id="8" name="TextBox 7">
+            <a:extLst>
+              <a:ext uri="{FF2B5EF4-FFF2-40B4-BE49-F238E27FC236}">
+                <a16:creationId xmlns:a16="http://schemas.microsoft.com/office/drawing/2014/main" id="{AEED7B6C-E294-B614-5CC5-99A121750725}"/>
+              </a:ext>
+            </a:extLst>
+          </p:cNvPr>
+          <p:cNvSpPr txBox="1"/>
+          <p:nvPr/>
+        </p:nvSpPr>
+        <p:spPr>
+          <a:xfrm>
+            <a:off x="2156403" y="3939727"/>
+            <a:ext cx="4831194" cy="2126864"/>
+          </a:xfrm>
+          <a:prstGeom prst="rect">
+            <a:avLst/>
+          </a:prstGeom>
+          <a:noFill/>
+        </p:spPr>
+        <p:txBody>
+          <a:bodyPr wrap="none" rtlCol="0">
+            <a:spAutoFit/>
+          </a:bodyPr>
+          <a:lstStyle/>
+          <a:p>
+            <a:pPr marL="285750" indent="-285750">
+              <a:lnSpc>
+                <a:spcPct val="150000"/>
+              </a:lnSpc>
+              <a:buFont typeface="Arial" panose="020B0604020202020204" pitchFamily="34" charset="0"/>
+              <a:buChar char="•"/>
+            </a:pPr>
+            <a:r>
+              <a:rPr lang="en-US" dirty="0">
+                <a:solidFill>
+                  <a:srgbClr val="00B050"/>
+                </a:solidFill>
+              </a:rPr>
+              <a:t>Primary key </a:t>
+            </a:r>
+            <a:r>
+              <a:rPr lang="en-US" dirty="0" err="1">
+                <a:solidFill>
+                  <a:srgbClr val="00B050"/>
+                </a:solidFill>
+              </a:rPr>
+              <a:t>bulunmalıdır</a:t>
+            </a:r>
+            <a:r>
+              <a:rPr lang="en-US" dirty="0">
+                <a:solidFill>
+                  <a:srgbClr val="00B050"/>
+                </a:solidFill>
+              </a:rPr>
+              <a:t>.</a:t>
+            </a:r>
+          </a:p>
+          <a:p>
+            <a:pPr marL="285750" indent="-285750">
+              <a:lnSpc>
+                <a:spcPct val="150000"/>
+              </a:lnSpc>
+              <a:buFont typeface="Arial" panose="020B0604020202020204" pitchFamily="34" charset="0"/>
+              <a:buChar char="•"/>
+            </a:pPr>
+            <a:r>
+              <a:rPr lang="en-US" dirty="0" err="1"/>
+              <a:t>Sütunlarda</a:t>
+            </a:r>
+            <a:r>
+              <a:rPr lang="en-US" dirty="0"/>
+              <a:t> </a:t>
+            </a:r>
+            <a:r>
+              <a:rPr lang="en-US" dirty="0" err="1"/>
+              <a:t>yalnızca</a:t>
+            </a:r>
+            <a:r>
+              <a:rPr lang="en-US" dirty="0"/>
+              <a:t> </a:t>
+            </a:r>
+            <a:r>
+              <a:rPr lang="en-US" dirty="0" err="1"/>
+              <a:t>tek</a:t>
+            </a:r>
+            <a:r>
+              <a:rPr lang="en-US" dirty="0"/>
+              <a:t> </a:t>
+            </a:r>
+            <a:r>
+              <a:rPr lang="en-US" dirty="0" err="1"/>
+              <a:t>değerli</a:t>
+            </a:r>
+            <a:r>
+              <a:rPr lang="en-US" dirty="0"/>
+              <a:t> </a:t>
+            </a:r>
+            <a:r>
+              <a:rPr lang="en-US" dirty="0" err="1"/>
+              <a:t>nitelikler</a:t>
+            </a:r>
+            <a:r>
+              <a:rPr lang="en-US" dirty="0"/>
+              <a:t> </a:t>
+            </a:r>
+            <a:r>
+              <a:rPr lang="en-US" dirty="0" err="1"/>
+              <a:t>vardır</a:t>
+            </a:r>
+            <a:r>
+              <a:rPr lang="en-US" dirty="0"/>
+              <a:t>.</a:t>
+            </a:r>
+          </a:p>
+          <a:p>
+            <a:pPr marL="285750" indent="-285750">
+              <a:lnSpc>
+                <a:spcPct val="150000"/>
+              </a:lnSpc>
+              <a:buFont typeface="Arial" panose="020B0604020202020204" pitchFamily="34" charset="0"/>
+              <a:buChar char="•"/>
+            </a:pPr>
+            <a:r>
+              <a:rPr lang="en-US" dirty="0" err="1"/>
+              <a:t>Aynı</a:t>
+            </a:r>
+            <a:r>
+              <a:rPr lang="en-US" dirty="0"/>
+              <a:t> </a:t>
+            </a:r>
+            <a:r>
+              <a:rPr lang="en-US" dirty="0" err="1"/>
+              <a:t>sütunda</a:t>
+            </a:r>
+            <a:r>
+              <a:rPr lang="en-US" dirty="0"/>
+              <a:t> 1’den </a:t>
+            </a:r>
+            <a:r>
+              <a:rPr lang="en-US" dirty="0" err="1"/>
+              <a:t>çok</a:t>
+            </a:r>
+            <a:r>
+              <a:rPr lang="en-US" dirty="0"/>
+              <a:t> </a:t>
+            </a:r>
+            <a:r>
+              <a:rPr lang="en-US" dirty="0" err="1"/>
+              <a:t>tipte</a:t>
+            </a:r>
+            <a:r>
+              <a:rPr lang="en-US" dirty="0"/>
+              <a:t> </a:t>
+            </a:r>
+            <a:r>
+              <a:rPr lang="en-US" dirty="0" err="1"/>
+              <a:t>veri</a:t>
+            </a:r>
+            <a:r>
+              <a:rPr lang="en-US" dirty="0"/>
+              <a:t> </a:t>
+            </a:r>
+            <a:r>
+              <a:rPr lang="en-US" dirty="0" err="1"/>
+              <a:t>olmamalıdır</a:t>
+            </a:r>
+            <a:r>
+              <a:rPr lang="en-US" dirty="0"/>
+              <a:t>.</a:t>
+            </a:r>
+          </a:p>
+          <a:p>
+            <a:pPr marL="285750" indent="-285750">
+              <a:lnSpc>
+                <a:spcPct val="150000"/>
+              </a:lnSpc>
+              <a:buFont typeface="Arial" panose="020B0604020202020204" pitchFamily="34" charset="0"/>
+              <a:buChar char="•"/>
+            </a:pPr>
+            <a:r>
+              <a:rPr lang="en-US" dirty="0"/>
+              <a:t>Her </a:t>
+            </a:r>
+            <a:r>
+              <a:rPr lang="en-US" dirty="0" err="1"/>
+              <a:t>sütun</a:t>
+            </a:r>
+            <a:r>
+              <a:rPr lang="en-US" dirty="0"/>
+              <a:t> </a:t>
+            </a:r>
+            <a:r>
+              <a:rPr lang="en-US" dirty="0" err="1"/>
+              <a:t>için</a:t>
+            </a:r>
+            <a:r>
+              <a:rPr lang="en-US" dirty="0"/>
+              <a:t> </a:t>
+            </a:r>
+            <a:r>
+              <a:rPr lang="en-US" dirty="0" err="1"/>
+              <a:t>benzersiz</a:t>
+            </a:r>
+            <a:r>
+              <a:rPr lang="en-US" dirty="0"/>
+              <a:t> </a:t>
+            </a:r>
+            <a:r>
+              <a:rPr lang="en-US" dirty="0" err="1"/>
+              <a:t>bir</a:t>
+            </a:r>
+            <a:r>
+              <a:rPr lang="en-US" dirty="0"/>
+              <a:t> ad </a:t>
+            </a:r>
+            <a:r>
+              <a:rPr lang="en-US" dirty="0" err="1"/>
+              <a:t>vardır</a:t>
+            </a:r>
+            <a:r>
+              <a:rPr lang="en-US" dirty="0"/>
+              <a:t>.</a:t>
+            </a:r>
+          </a:p>
+          <a:p>
+            <a:pPr marL="285750" indent="-285750">
+              <a:lnSpc>
+                <a:spcPct val="150000"/>
+              </a:lnSpc>
+              <a:buFont typeface="Arial" panose="020B0604020202020204" pitchFamily="34" charset="0"/>
+              <a:buChar char="•"/>
+            </a:pPr>
+            <a:r>
+              <a:rPr lang="en-US" dirty="0" err="1"/>
+              <a:t>Tekrar</a:t>
+            </a:r>
+            <a:r>
+              <a:rPr lang="en-US" dirty="0"/>
+              <a:t> </a:t>
+            </a:r>
+            <a:r>
+              <a:rPr lang="en-US" dirty="0" err="1"/>
+              <a:t>eden</a:t>
+            </a:r>
+            <a:r>
+              <a:rPr lang="en-US" dirty="0"/>
+              <a:t> </a:t>
+            </a:r>
+            <a:r>
+              <a:rPr lang="en-US" dirty="0" err="1"/>
+              <a:t>sütun</a:t>
+            </a:r>
+            <a:r>
+              <a:rPr lang="en-US" dirty="0"/>
+              <a:t> </a:t>
+            </a:r>
+            <a:r>
+              <a:rPr lang="en-US" dirty="0" err="1"/>
+              <a:t>grupları</a:t>
+            </a:r>
+            <a:r>
+              <a:rPr lang="en-US" dirty="0"/>
+              <a:t> </a:t>
+            </a:r>
+            <a:r>
+              <a:rPr lang="en-US" dirty="0" err="1"/>
+              <a:t>olmamalıdır</a:t>
+            </a:r>
+            <a:r>
+              <a:rPr lang="en-US" dirty="0"/>
+              <a:t>.</a:t>
+            </a:r>
+          </a:p>
+        </p:txBody>
+      </p:sp>
+    </p:spTree>
+    <p:extLst>
+      <p:ext uri="{BB962C8B-B14F-4D97-AF65-F5344CB8AC3E}">
+        <p14:creationId xmlns:p14="http://schemas.microsoft.com/office/powerpoint/2010/main" val="1005777084"/>
+      </p:ext>
+    </p:extLst>
+  </p:cSld>
+  <p:clrMapOvr>
+    <a:masterClrMapping/>
+  </p:clrMapOvr>
+</p:sld>
+</file>
+
+<file path=ppt/slides/slide18.xml><?xml version="1.0" encoding="utf-8"?>
+<p:sld xmlns:a="http://schemas.openxmlformats.org/drawingml/2006/main" xmlns:r="http://schemas.openxmlformats.org/officeDocument/2006/relationships" xmlns:p="http://schemas.openxmlformats.org/presentationml/2006/main">
+  <p:cSld>
+    <p:spTree>
+      <p:nvGrpSpPr>
+        <p:cNvPr id="1" name="">
+          <a:extLst>
+            <a:ext uri="{FF2B5EF4-FFF2-40B4-BE49-F238E27FC236}">
+              <a16:creationId xmlns:a16="http://schemas.microsoft.com/office/drawing/2014/main" id="{602DB50E-5F84-F9AA-3235-4E0239594244}"/>
+            </a:ext>
+          </a:extLst>
+        </p:cNvPr>
+        <p:cNvGrpSpPr/>
+        <p:nvPr/>
+      </p:nvGrpSpPr>
+      <p:grpSpPr>
+        <a:xfrm>
+          <a:off x="0" y="0"/>
+          <a:ext cx="0" cy="0"/>
+          <a:chOff x="0" y="0"/>
+          <a:chExt cx="0" cy="0"/>
+        </a:xfrm>
+      </p:grpSpPr>
+      <p:sp>
+        <p:nvSpPr>
+          <p:cNvPr id="2" name="Title 1">
+            <a:extLst>
+              <a:ext uri="{FF2B5EF4-FFF2-40B4-BE49-F238E27FC236}">
+                <a16:creationId xmlns:a16="http://schemas.microsoft.com/office/drawing/2014/main" id="{27DCC597-D3D8-FED5-C281-CB6F1D9A7855}"/>
+              </a:ext>
+            </a:extLst>
+          </p:cNvPr>
+          <p:cNvSpPr>
+            <a:spLocks noGrp="1"/>
+          </p:cNvSpPr>
+          <p:nvPr>
+            <p:ph type="title"/>
+          </p:nvPr>
+        </p:nvSpPr>
+        <p:spPr/>
+        <p:txBody>
+          <a:bodyPr/>
+          <a:lstStyle/>
+          <a:p>
+            <a:r>
+              <a:rPr lang="en-TR" dirty="0"/>
+              <a:t>1. Normal Form (1NF)</a:t>
+            </a:r>
+          </a:p>
+        </p:txBody>
+      </p:sp>
+      <p:graphicFrame>
+        <p:nvGraphicFramePr>
+          <p:cNvPr id="4" name="Content Placeholder 3">
+            <a:extLst>
+              <a:ext uri="{FF2B5EF4-FFF2-40B4-BE49-F238E27FC236}">
+                <a16:creationId xmlns:a16="http://schemas.microsoft.com/office/drawing/2014/main" id="{7D33FC9D-3759-EDD2-8072-2E874D736026}"/>
+              </a:ext>
+            </a:extLst>
+          </p:cNvPr>
+          <p:cNvGraphicFramePr>
+            <a:graphicFrameLocks noGrp="1"/>
+          </p:cNvGraphicFramePr>
+          <p:nvPr>
+            <p:ph idx="1"/>
+            <p:extLst>
+              <p:ext uri="{D42A27DB-BD31-4B8C-83A1-F6EECF244321}">
+                <p14:modId xmlns:p14="http://schemas.microsoft.com/office/powerpoint/2010/main" val="2608176130"/>
+              </p:ext>
+            </p:extLst>
+          </p:nvPr>
+        </p:nvGraphicFramePr>
+        <p:xfrm>
+          <a:off x="2156403" y="2087035"/>
+          <a:ext cx="5350004" cy="1483360"/>
+        </p:xfrm>
+        <a:graphic>
+          <a:graphicData uri="http://schemas.openxmlformats.org/drawingml/2006/table">
+            <a:tbl>
+              <a:tblPr firstRow="1" bandRow="1">
+                <a:tableStyleId>{5C22544A-7EE6-4342-B048-85BDC9FD1C3A}</a:tableStyleId>
+              </a:tblPr>
+              <a:tblGrid>
+                <a:gridCol w="759143">
+                  <a:extLst>
+                    <a:ext uri="{9D8B030D-6E8A-4147-A177-3AD203B41FA5}">
+                      <a16:colId xmlns:a16="http://schemas.microsoft.com/office/drawing/2014/main" val="3572103169"/>
+                    </a:ext>
+                  </a:extLst>
+                </a:gridCol>
+                <a:gridCol w="666750">
+                  <a:extLst>
+                    <a:ext uri="{9D8B030D-6E8A-4147-A177-3AD203B41FA5}">
+                      <a16:colId xmlns:a16="http://schemas.microsoft.com/office/drawing/2014/main" val="3444992394"/>
+                    </a:ext>
+                  </a:extLst>
+                </a:gridCol>
+                <a:gridCol w="1308037">
+                  <a:extLst>
+                    <a:ext uri="{9D8B030D-6E8A-4147-A177-3AD203B41FA5}">
+                      <a16:colId xmlns:a16="http://schemas.microsoft.com/office/drawing/2014/main" val="1109569717"/>
+                    </a:ext>
+                  </a:extLst>
+                </a:gridCol>
+                <a:gridCol w="1308037">
+                  <a:extLst>
+                    <a:ext uri="{9D8B030D-6E8A-4147-A177-3AD203B41FA5}">
+                      <a16:colId xmlns:a16="http://schemas.microsoft.com/office/drawing/2014/main" val="1620034976"/>
+                    </a:ext>
+                  </a:extLst>
+                </a:gridCol>
+                <a:gridCol w="1308037">
+                  <a:extLst>
+                    <a:ext uri="{9D8B030D-6E8A-4147-A177-3AD203B41FA5}">
+                      <a16:colId xmlns:a16="http://schemas.microsoft.com/office/drawing/2014/main" val="2653035614"/>
+                    </a:ext>
+                  </a:extLst>
+                </a:gridCol>
+              </a:tblGrid>
+              <a:tr h="370840">
+                <a:tc>
+                  <a:txBody>
+                    <a:bodyPr/>
+                    <a:lstStyle/>
+                    <a:p>
+                      <a:r>
+                        <a:rPr lang="en-TR" u="sng" dirty="0"/>
+                        <a:t>email</a:t>
+                      </a:r>
+                    </a:p>
+                  </a:txBody>
+                  <a:tcPr/>
+                </a:tc>
+                <a:tc>
+                  <a:txBody>
+                    <a:bodyPr/>
+                    <a:lstStyle/>
+                    <a:p>
+                      <a:r>
+                        <a:rPr lang="en-TR" u="none" dirty="0"/>
+                        <a:t>ad</a:t>
+                      </a:r>
+                    </a:p>
+                  </a:txBody>
+                  <a:tcPr/>
+                </a:tc>
+                <a:tc>
+                  <a:txBody>
+                    <a:bodyPr/>
+                    <a:lstStyle/>
+                    <a:p>
+                      <a:r>
+                        <a:rPr lang="en-TR" u="none" dirty="0"/>
+                        <a:t>envanter_1</a:t>
+                      </a:r>
+                    </a:p>
+                  </a:txBody>
+                  <a:tcPr/>
+                </a:tc>
+                <a:tc>
+                  <a:txBody>
+                    <a:bodyPr/>
+                    <a:lstStyle/>
+                    <a:p>
+                      <a:r>
+                        <a:rPr lang="en-TR" u="none" dirty="0"/>
+                        <a:t>envanter_2</a:t>
+                      </a:r>
+                    </a:p>
+                  </a:txBody>
+                  <a:tcPr/>
+                </a:tc>
+                <a:tc>
+                  <a:txBody>
+                    <a:bodyPr/>
+                    <a:lstStyle/>
+                    <a:p>
+                      <a:r>
+                        <a:rPr lang="en-TR" u="none" dirty="0"/>
+                        <a:t>envanter_3</a:t>
+                      </a:r>
+                    </a:p>
+                  </a:txBody>
+                  <a:tcPr/>
+                </a:tc>
+                <a:extLst>
+                  <a:ext uri="{0D108BD9-81ED-4DB2-BD59-A6C34878D82A}">
+                    <a16:rowId xmlns:a16="http://schemas.microsoft.com/office/drawing/2014/main" val="4007056995"/>
+                  </a:ext>
+                </a:extLst>
+              </a:tr>
+              <a:tr h="370840">
+                <a:tc>
+                  <a:txBody>
+                    <a:bodyPr/>
+                    <a:lstStyle/>
+                    <a:p>
+                      <a:r>
+                        <a:rPr lang="en-TR" dirty="0"/>
+                        <a:t>a@b</a:t>
+                      </a:r>
+                    </a:p>
+                  </a:txBody>
+                  <a:tcPr/>
+                </a:tc>
+                <a:tc>
+                  <a:txBody>
+                    <a:bodyPr/>
+                    <a:lstStyle/>
+                    <a:p>
+                      <a:r>
+                        <a:rPr lang="en-TR" dirty="0"/>
+                        <a:t>Ali</a:t>
+                      </a:r>
+                    </a:p>
+                  </a:txBody>
+                  <a:tcPr/>
+                </a:tc>
+                <a:tc>
+                  <a:txBody>
+                    <a:bodyPr/>
+                    <a:lstStyle/>
+                    <a:p>
+                      <a:r>
+                        <a:rPr lang="en-TR" dirty="0"/>
+                        <a:t>3 ilk yardım</a:t>
+                      </a:r>
+                    </a:p>
+                  </a:txBody>
+                  <a:tcPr/>
+                </a:tc>
+                <a:tc>
+                  <a:txBody>
+                    <a:bodyPr/>
+                    <a:lstStyle/>
+                    <a:p>
+                      <a:r>
+                        <a:rPr lang="en-TR" dirty="0"/>
+                        <a:t>2 ışınlanma</a:t>
+                      </a:r>
+                    </a:p>
+                  </a:txBody>
+                  <a:tcPr/>
+                </a:tc>
+                <a:tc>
+                  <a:txBody>
+                    <a:bodyPr/>
+                    <a:lstStyle/>
+                    <a:p>
+                      <a:endParaRPr lang="en-TR" dirty="0"/>
+                    </a:p>
+                  </a:txBody>
+                  <a:tcPr/>
+                </a:tc>
+                <a:extLst>
+                  <a:ext uri="{0D108BD9-81ED-4DB2-BD59-A6C34878D82A}">
+                    <a16:rowId xmlns:a16="http://schemas.microsoft.com/office/drawing/2014/main" val="4274227303"/>
+                  </a:ext>
+                </a:extLst>
+              </a:tr>
+              <a:tr h="370840">
+                <a:tc>
+                  <a:txBody>
+                    <a:bodyPr/>
+                    <a:lstStyle/>
+                    <a:p>
+                      <a:r>
+                        <a:rPr lang="en-TR" dirty="0"/>
+                        <a:t>b@c</a:t>
+                      </a:r>
+                    </a:p>
+                  </a:txBody>
+                  <a:tcPr/>
+                </a:tc>
+                <a:tc>
+                  <a:txBody>
+                    <a:bodyPr/>
+                    <a:lstStyle/>
+                    <a:p>
+                      <a:r>
+                        <a:rPr lang="en-TR" dirty="0"/>
+                        <a:t>Veli</a:t>
+                      </a:r>
+                    </a:p>
+                  </a:txBody>
+                  <a:tcPr/>
+                </a:tc>
+                <a:tc>
+                  <a:txBody>
+                    <a:bodyPr/>
+                    <a:lstStyle/>
+                    <a:p>
+                      <a:r>
+                        <a:rPr lang="en-TR" dirty="0"/>
+                        <a:t>1 ışınlanma</a:t>
+                      </a:r>
+                    </a:p>
+                  </a:txBody>
+                  <a:tcPr/>
+                </a:tc>
+                <a:tc>
+                  <a:txBody>
+                    <a:bodyPr/>
+                    <a:lstStyle/>
+                    <a:p>
+                      <a:r>
+                        <a:rPr lang="en-TR" dirty="0"/>
+                        <a:t>1 ilk yardım</a:t>
+                      </a:r>
+                    </a:p>
+                  </a:txBody>
+                  <a:tcPr/>
+                </a:tc>
+                <a:tc>
+                  <a:txBody>
+                    <a:bodyPr/>
+                    <a:lstStyle/>
+                    <a:p>
+                      <a:r>
+                        <a:rPr lang="en-TR" dirty="0"/>
+                        <a:t>5 halat</a:t>
+                      </a:r>
+                    </a:p>
+                  </a:txBody>
+                  <a:tcPr/>
+                </a:tc>
+                <a:extLst>
+                  <a:ext uri="{0D108BD9-81ED-4DB2-BD59-A6C34878D82A}">
+                    <a16:rowId xmlns:a16="http://schemas.microsoft.com/office/drawing/2014/main" val="3412863520"/>
+                  </a:ext>
+                </a:extLst>
+              </a:tr>
+              <a:tr h="370840">
+                <a:tc>
+                  <a:txBody>
+                    <a:bodyPr/>
+                    <a:lstStyle/>
+                    <a:p>
+                      <a:r>
+                        <a:rPr lang="en-TR" dirty="0"/>
+                        <a:t>c@d</a:t>
+                      </a:r>
+                    </a:p>
+                  </a:txBody>
+                  <a:tcPr/>
+                </a:tc>
+                <a:tc>
+                  <a:txBody>
+                    <a:bodyPr/>
+                    <a:lstStyle/>
+                    <a:p>
+                      <a:r>
+                        <a:rPr lang="en-TR" dirty="0"/>
+                        <a:t>Ayşe</a:t>
+                      </a:r>
+                    </a:p>
+                  </a:txBody>
+                  <a:tcPr/>
+                </a:tc>
+                <a:tc>
+                  <a:txBody>
+                    <a:bodyPr/>
+                    <a:lstStyle/>
+                    <a:p>
+                      <a:r>
+                        <a:rPr lang="en-TR" dirty="0"/>
+                        <a:t>1 pusula</a:t>
+                      </a:r>
+                    </a:p>
+                  </a:txBody>
+                  <a:tcPr/>
+                </a:tc>
+                <a:tc>
+                  <a:txBody>
+                    <a:bodyPr/>
+                    <a:lstStyle/>
+                    <a:p>
+                      <a:r>
+                        <a:rPr lang="en-TR" dirty="0"/>
+                        <a:t>3 halat</a:t>
+                      </a:r>
+                    </a:p>
+                  </a:txBody>
+                  <a:tcPr/>
+                </a:tc>
+                <a:tc>
+                  <a:txBody>
+                    <a:bodyPr/>
+                    <a:lstStyle/>
+                    <a:p>
+                      <a:endParaRPr lang="en-TR" dirty="0"/>
+                    </a:p>
+                  </a:txBody>
+                  <a:tcPr/>
+                </a:tc>
+                <a:extLst>
+                  <a:ext uri="{0D108BD9-81ED-4DB2-BD59-A6C34878D82A}">
+                    <a16:rowId xmlns:a16="http://schemas.microsoft.com/office/drawing/2014/main" val="3117025022"/>
+                  </a:ext>
+                </a:extLst>
+              </a:tr>
+            </a:tbl>
+          </a:graphicData>
+        </a:graphic>
+      </p:graphicFrame>
+      <p:sp>
+        <p:nvSpPr>
+          <p:cNvPr id="5" name="TextBox 4">
+            <a:extLst>
+              <a:ext uri="{FF2B5EF4-FFF2-40B4-BE49-F238E27FC236}">
+                <a16:creationId xmlns:a16="http://schemas.microsoft.com/office/drawing/2014/main" id="{39ED7191-2B98-7F6A-1A3B-78F3948B1727}"/>
+              </a:ext>
+            </a:extLst>
+          </p:cNvPr>
+          <p:cNvSpPr txBox="1"/>
+          <p:nvPr/>
+        </p:nvSpPr>
+        <p:spPr>
+          <a:xfrm>
+            <a:off x="2156403" y="1717703"/>
+            <a:ext cx="1116396" cy="369332"/>
+          </a:xfrm>
+          <a:prstGeom prst="rect">
+            <a:avLst/>
+          </a:prstGeom>
+          <a:noFill/>
+        </p:spPr>
+        <p:txBody>
+          <a:bodyPr wrap="none" rtlCol="0">
+            <a:spAutoFit/>
+          </a:bodyPr>
+          <a:lstStyle/>
+          <a:p>
+            <a:r>
+              <a:rPr lang="en-TR" dirty="0"/>
+              <a:t>oyuncular</a:t>
+            </a:r>
+          </a:p>
+        </p:txBody>
+      </p:sp>
+      <p:sp>
+        <p:nvSpPr>
+          <p:cNvPr id="8" name="TextBox 7">
+            <a:extLst>
+              <a:ext uri="{FF2B5EF4-FFF2-40B4-BE49-F238E27FC236}">
+                <a16:creationId xmlns:a16="http://schemas.microsoft.com/office/drawing/2014/main" id="{AEED7B6C-E294-B614-5CC5-99A121750725}"/>
+              </a:ext>
+            </a:extLst>
+          </p:cNvPr>
+          <p:cNvSpPr txBox="1"/>
+          <p:nvPr/>
+        </p:nvSpPr>
+        <p:spPr>
+          <a:xfrm>
+            <a:off x="2156403" y="3939727"/>
+            <a:ext cx="4831194" cy="2126864"/>
+          </a:xfrm>
+          <a:prstGeom prst="rect">
+            <a:avLst/>
+          </a:prstGeom>
+          <a:noFill/>
+        </p:spPr>
+        <p:txBody>
+          <a:bodyPr wrap="none" rtlCol="0">
+            <a:spAutoFit/>
+          </a:bodyPr>
+          <a:lstStyle/>
+          <a:p>
+            <a:pPr marL="285750" indent="-285750">
+              <a:lnSpc>
+                <a:spcPct val="150000"/>
+              </a:lnSpc>
+              <a:buFont typeface="Arial" panose="020B0604020202020204" pitchFamily="34" charset="0"/>
+              <a:buChar char="•"/>
+            </a:pPr>
+            <a:r>
+              <a:rPr lang="en-US" dirty="0">
+                <a:solidFill>
+                  <a:srgbClr val="00B050"/>
+                </a:solidFill>
+              </a:rPr>
+              <a:t>Primary key </a:t>
+            </a:r>
+            <a:r>
+              <a:rPr lang="en-US" dirty="0" err="1">
+                <a:solidFill>
+                  <a:srgbClr val="00B050"/>
+                </a:solidFill>
+              </a:rPr>
+              <a:t>bulunmalıdır</a:t>
+            </a:r>
+            <a:r>
+              <a:rPr lang="en-US" dirty="0">
+                <a:solidFill>
+                  <a:srgbClr val="00B050"/>
+                </a:solidFill>
+              </a:rPr>
+              <a:t>.</a:t>
+            </a:r>
+          </a:p>
+          <a:p>
+            <a:pPr marL="285750" indent="-285750">
+              <a:lnSpc>
+                <a:spcPct val="150000"/>
+              </a:lnSpc>
+              <a:buFont typeface="Arial" panose="020B0604020202020204" pitchFamily="34" charset="0"/>
+              <a:buChar char="•"/>
+            </a:pPr>
+            <a:r>
+              <a:rPr lang="en-US" dirty="0" err="1">
+                <a:solidFill>
+                  <a:srgbClr val="00B050"/>
+                </a:solidFill>
+              </a:rPr>
+              <a:t>Sütunlarda</a:t>
+            </a:r>
+            <a:r>
+              <a:rPr lang="en-US" dirty="0">
+                <a:solidFill>
+                  <a:srgbClr val="00B050"/>
+                </a:solidFill>
+              </a:rPr>
+              <a:t> </a:t>
+            </a:r>
+            <a:r>
+              <a:rPr lang="en-US" dirty="0" err="1">
+                <a:solidFill>
+                  <a:srgbClr val="00B050"/>
+                </a:solidFill>
+              </a:rPr>
+              <a:t>yalnızca</a:t>
+            </a:r>
+            <a:r>
+              <a:rPr lang="en-US" dirty="0">
+                <a:solidFill>
+                  <a:srgbClr val="00B050"/>
+                </a:solidFill>
+              </a:rPr>
+              <a:t> </a:t>
+            </a:r>
+            <a:r>
+              <a:rPr lang="en-US" dirty="0" err="1">
+                <a:solidFill>
+                  <a:srgbClr val="00B050"/>
+                </a:solidFill>
+              </a:rPr>
+              <a:t>tek</a:t>
+            </a:r>
+            <a:r>
+              <a:rPr lang="en-US" dirty="0">
+                <a:solidFill>
+                  <a:srgbClr val="00B050"/>
+                </a:solidFill>
+              </a:rPr>
+              <a:t> </a:t>
+            </a:r>
+            <a:r>
+              <a:rPr lang="en-US" dirty="0" err="1">
+                <a:solidFill>
+                  <a:srgbClr val="00B050"/>
+                </a:solidFill>
+              </a:rPr>
+              <a:t>değerli</a:t>
+            </a:r>
+            <a:r>
+              <a:rPr lang="en-US" dirty="0">
+                <a:solidFill>
+                  <a:srgbClr val="00B050"/>
+                </a:solidFill>
+              </a:rPr>
+              <a:t> </a:t>
+            </a:r>
+            <a:r>
+              <a:rPr lang="en-US" dirty="0" err="1">
+                <a:solidFill>
+                  <a:srgbClr val="00B050"/>
+                </a:solidFill>
+              </a:rPr>
+              <a:t>nitelikler</a:t>
+            </a:r>
+            <a:r>
+              <a:rPr lang="en-US" dirty="0">
+                <a:solidFill>
+                  <a:srgbClr val="00B050"/>
+                </a:solidFill>
+              </a:rPr>
+              <a:t> </a:t>
+            </a:r>
+            <a:r>
+              <a:rPr lang="en-US" dirty="0" err="1">
+                <a:solidFill>
+                  <a:srgbClr val="00B050"/>
+                </a:solidFill>
+              </a:rPr>
+              <a:t>vardır</a:t>
+            </a:r>
+            <a:r>
+              <a:rPr lang="en-US" dirty="0">
+                <a:solidFill>
+                  <a:srgbClr val="00B050"/>
+                </a:solidFill>
+              </a:rPr>
+              <a:t>.</a:t>
+            </a:r>
+          </a:p>
+          <a:p>
+            <a:pPr marL="285750" indent="-285750">
+              <a:lnSpc>
+                <a:spcPct val="150000"/>
+              </a:lnSpc>
+              <a:buFont typeface="Arial" panose="020B0604020202020204" pitchFamily="34" charset="0"/>
+              <a:buChar char="•"/>
+            </a:pPr>
+            <a:r>
+              <a:rPr lang="en-US" dirty="0" err="1"/>
+              <a:t>Aynı</a:t>
+            </a:r>
+            <a:r>
+              <a:rPr lang="en-US" dirty="0"/>
+              <a:t> </a:t>
+            </a:r>
+            <a:r>
+              <a:rPr lang="en-US" dirty="0" err="1"/>
+              <a:t>sütunda</a:t>
+            </a:r>
+            <a:r>
+              <a:rPr lang="en-US" dirty="0"/>
+              <a:t> 1’den </a:t>
+            </a:r>
+            <a:r>
+              <a:rPr lang="en-US" dirty="0" err="1"/>
+              <a:t>çok</a:t>
+            </a:r>
+            <a:r>
+              <a:rPr lang="en-US" dirty="0"/>
+              <a:t> </a:t>
+            </a:r>
+            <a:r>
+              <a:rPr lang="en-US" dirty="0" err="1"/>
+              <a:t>tipte</a:t>
+            </a:r>
+            <a:r>
+              <a:rPr lang="en-US" dirty="0"/>
+              <a:t> </a:t>
+            </a:r>
+            <a:r>
+              <a:rPr lang="en-US" dirty="0" err="1"/>
+              <a:t>veri</a:t>
+            </a:r>
+            <a:r>
+              <a:rPr lang="en-US" dirty="0"/>
+              <a:t> </a:t>
+            </a:r>
+            <a:r>
+              <a:rPr lang="en-US" dirty="0" err="1"/>
+              <a:t>olmamalıdır</a:t>
+            </a:r>
+            <a:r>
+              <a:rPr lang="en-US" dirty="0"/>
+              <a:t>.</a:t>
+            </a:r>
+          </a:p>
+          <a:p>
+            <a:pPr marL="285750" indent="-285750">
+              <a:lnSpc>
+                <a:spcPct val="150000"/>
+              </a:lnSpc>
+              <a:buFont typeface="Arial" panose="020B0604020202020204" pitchFamily="34" charset="0"/>
+              <a:buChar char="•"/>
+            </a:pPr>
+            <a:r>
+              <a:rPr lang="en-US" dirty="0">
+                <a:solidFill>
+                  <a:srgbClr val="00B050"/>
+                </a:solidFill>
+              </a:rPr>
+              <a:t>Her </a:t>
+            </a:r>
+            <a:r>
+              <a:rPr lang="en-US" dirty="0" err="1">
+                <a:solidFill>
+                  <a:srgbClr val="00B050"/>
+                </a:solidFill>
+              </a:rPr>
+              <a:t>sütun</a:t>
+            </a:r>
+            <a:r>
+              <a:rPr lang="en-US" dirty="0">
+                <a:solidFill>
+                  <a:srgbClr val="00B050"/>
+                </a:solidFill>
+              </a:rPr>
+              <a:t> </a:t>
+            </a:r>
+            <a:r>
+              <a:rPr lang="en-US" dirty="0" err="1">
+                <a:solidFill>
+                  <a:srgbClr val="00B050"/>
+                </a:solidFill>
+              </a:rPr>
+              <a:t>için</a:t>
+            </a:r>
+            <a:r>
+              <a:rPr lang="en-US" dirty="0">
+                <a:solidFill>
+                  <a:srgbClr val="00B050"/>
+                </a:solidFill>
+              </a:rPr>
+              <a:t> </a:t>
+            </a:r>
+            <a:r>
+              <a:rPr lang="en-US" dirty="0" err="1">
+                <a:solidFill>
+                  <a:srgbClr val="00B050"/>
+                </a:solidFill>
+              </a:rPr>
+              <a:t>benzersiz</a:t>
+            </a:r>
+            <a:r>
+              <a:rPr lang="en-US" dirty="0">
+                <a:solidFill>
+                  <a:srgbClr val="00B050"/>
+                </a:solidFill>
+              </a:rPr>
+              <a:t> </a:t>
+            </a:r>
+            <a:r>
+              <a:rPr lang="en-US" dirty="0" err="1">
+                <a:solidFill>
+                  <a:srgbClr val="00B050"/>
+                </a:solidFill>
+              </a:rPr>
+              <a:t>bir</a:t>
+            </a:r>
+            <a:r>
+              <a:rPr lang="en-US" dirty="0">
+                <a:solidFill>
+                  <a:srgbClr val="00B050"/>
+                </a:solidFill>
+              </a:rPr>
+              <a:t> ad </a:t>
+            </a:r>
+            <a:r>
+              <a:rPr lang="en-US" dirty="0" err="1">
+                <a:solidFill>
+                  <a:srgbClr val="00B050"/>
+                </a:solidFill>
+              </a:rPr>
+              <a:t>vardır</a:t>
+            </a:r>
+            <a:r>
+              <a:rPr lang="en-US" dirty="0">
+                <a:solidFill>
+                  <a:srgbClr val="00B050"/>
+                </a:solidFill>
+              </a:rPr>
+              <a:t>.</a:t>
+            </a:r>
+          </a:p>
+          <a:p>
+            <a:pPr marL="285750" indent="-285750">
+              <a:lnSpc>
+                <a:spcPct val="150000"/>
+              </a:lnSpc>
+              <a:buFont typeface="Arial" panose="020B0604020202020204" pitchFamily="34" charset="0"/>
+              <a:buChar char="•"/>
+            </a:pPr>
+            <a:r>
+              <a:rPr lang="en-US" dirty="0" err="1"/>
+              <a:t>Tekrar</a:t>
+            </a:r>
+            <a:r>
+              <a:rPr lang="en-US" dirty="0"/>
+              <a:t> </a:t>
+            </a:r>
+            <a:r>
+              <a:rPr lang="en-US" dirty="0" err="1"/>
+              <a:t>eden</a:t>
+            </a:r>
+            <a:r>
+              <a:rPr lang="en-US" dirty="0"/>
+              <a:t> </a:t>
+            </a:r>
+            <a:r>
+              <a:rPr lang="en-US" dirty="0" err="1"/>
+              <a:t>sütun</a:t>
+            </a:r>
+            <a:r>
+              <a:rPr lang="en-US" dirty="0"/>
+              <a:t> </a:t>
+            </a:r>
+            <a:r>
+              <a:rPr lang="en-US" dirty="0" err="1"/>
+              <a:t>grupları</a:t>
+            </a:r>
+            <a:r>
+              <a:rPr lang="en-US" dirty="0"/>
+              <a:t> </a:t>
+            </a:r>
+            <a:r>
+              <a:rPr lang="en-US" dirty="0" err="1"/>
+              <a:t>olmamalıdır</a:t>
+            </a:r>
+            <a:r>
+              <a:rPr lang="en-US" dirty="0"/>
+              <a:t>.</a:t>
+            </a:r>
+          </a:p>
+        </p:txBody>
+      </p:sp>
+    </p:spTree>
+    <p:extLst>
+      <p:ext uri="{BB962C8B-B14F-4D97-AF65-F5344CB8AC3E}">
+        <p14:creationId xmlns:p14="http://schemas.microsoft.com/office/powerpoint/2010/main" val="1865906486"/>
+      </p:ext>
+    </p:extLst>
+  </p:cSld>
+  <p:clrMapOvr>
+    <a:masterClrMapping/>
+  </p:clrMapOvr>
+</p:sld>
+</file>
+
+<file path=ppt/slides/slide19.xml><?xml version="1.0" encoding="utf-8"?>
+<p:sld xmlns:a="http://schemas.openxmlformats.org/drawingml/2006/main" xmlns:r="http://schemas.openxmlformats.org/officeDocument/2006/relationships" xmlns:p="http://schemas.openxmlformats.org/presentationml/2006/main">
+  <p:cSld>
+    <p:spTree>
+      <p:nvGrpSpPr>
+        <p:cNvPr id="1" name="">
+          <a:extLst>
+            <a:ext uri="{FF2B5EF4-FFF2-40B4-BE49-F238E27FC236}">
+              <a16:creationId xmlns:a16="http://schemas.microsoft.com/office/drawing/2014/main" id="{602DB50E-5F84-F9AA-3235-4E0239594244}"/>
+            </a:ext>
+          </a:extLst>
+        </p:cNvPr>
+        <p:cNvGrpSpPr/>
+        <p:nvPr/>
+      </p:nvGrpSpPr>
+      <p:grpSpPr>
+        <a:xfrm>
+          <a:off x="0" y="0"/>
+          <a:ext cx="0" cy="0"/>
+          <a:chOff x="0" y="0"/>
+          <a:chExt cx="0" cy="0"/>
+        </a:xfrm>
+      </p:grpSpPr>
+      <p:sp>
+        <p:nvSpPr>
+          <p:cNvPr id="2" name="Title 1">
+            <a:extLst>
+              <a:ext uri="{FF2B5EF4-FFF2-40B4-BE49-F238E27FC236}">
+                <a16:creationId xmlns:a16="http://schemas.microsoft.com/office/drawing/2014/main" id="{27DCC597-D3D8-FED5-C281-CB6F1D9A7855}"/>
+              </a:ext>
+            </a:extLst>
+          </p:cNvPr>
+          <p:cNvSpPr>
+            <a:spLocks noGrp="1"/>
+          </p:cNvSpPr>
+          <p:nvPr>
+            <p:ph type="title"/>
+          </p:nvPr>
+        </p:nvSpPr>
+        <p:spPr/>
+        <p:txBody>
+          <a:bodyPr/>
+          <a:lstStyle/>
+          <a:p>
+            <a:r>
+              <a:rPr lang="en-TR" dirty="0"/>
+              <a:t>1. Normal Form (1NF)</a:t>
+            </a:r>
+          </a:p>
+        </p:txBody>
+      </p:sp>
+      <p:graphicFrame>
+        <p:nvGraphicFramePr>
+          <p:cNvPr id="4" name="Content Placeholder 3">
+            <a:extLst>
+              <a:ext uri="{FF2B5EF4-FFF2-40B4-BE49-F238E27FC236}">
+                <a16:creationId xmlns:a16="http://schemas.microsoft.com/office/drawing/2014/main" id="{7D33FC9D-3759-EDD2-8072-2E874D736026}"/>
+              </a:ext>
+            </a:extLst>
+          </p:cNvPr>
+          <p:cNvGraphicFramePr>
+            <a:graphicFrameLocks noGrp="1"/>
+          </p:cNvGraphicFramePr>
+          <p:nvPr>
+            <p:ph idx="1"/>
+            <p:extLst>
+              <p:ext uri="{D42A27DB-BD31-4B8C-83A1-F6EECF244321}">
+                <p14:modId xmlns:p14="http://schemas.microsoft.com/office/powerpoint/2010/main" val="493820743"/>
+              </p:ext>
+            </p:extLst>
+          </p:nvPr>
+        </p:nvGraphicFramePr>
+        <p:xfrm>
+          <a:off x="326571" y="2087035"/>
+          <a:ext cx="8188780" cy="1483360"/>
+        </p:xfrm>
+        <a:graphic>
+          <a:graphicData uri="http://schemas.openxmlformats.org/drawingml/2006/table">
+            <a:tbl>
+              <a:tblPr firstRow="1" bandRow="1">
+                <a:tableStyleId>{5C22544A-7EE6-4342-B048-85BDC9FD1C3A}</a:tableStyleId>
+              </a:tblPr>
+              <a:tblGrid>
+                <a:gridCol w="801964">
+                  <a:extLst>
+                    <a:ext uri="{9D8B030D-6E8A-4147-A177-3AD203B41FA5}">
+                      <a16:colId xmlns:a16="http://schemas.microsoft.com/office/drawing/2014/main" val="3572103169"/>
+                    </a:ext>
+                  </a:extLst>
+                </a:gridCol>
+                <a:gridCol w="704359">
+                  <a:extLst>
+                    <a:ext uri="{9D8B030D-6E8A-4147-A177-3AD203B41FA5}">
+                      <a16:colId xmlns:a16="http://schemas.microsoft.com/office/drawing/2014/main" val="3444992394"/>
+                    </a:ext>
+                  </a:extLst>
+                </a:gridCol>
+                <a:gridCol w="874747">
+                  <a:extLst>
+                    <a:ext uri="{9D8B030D-6E8A-4147-A177-3AD203B41FA5}">
+                      <a16:colId xmlns:a16="http://schemas.microsoft.com/office/drawing/2014/main" val="1221790741"/>
+                    </a:ext>
+                  </a:extLst>
+                </a:gridCol>
+                <a:gridCol w="1381819">
+                  <a:extLst>
+                    <a:ext uri="{9D8B030D-6E8A-4147-A177-3AD203B41FA5}">
+                      <a16:colId xmlns:a16="http://schemas.microsoft.com/office/drawing/2014/main" val="1109569717"/>
+                    </a:ext>
+                  </a:extLst>
+                </a:gridCol>
+                <a:gridCol w="874747">
+                  <a:extLst>
+                    <a:ext uri="{9D8B030D-6E8A-4147-A177-3AD203B41FA5}">
+                      <a16:colId xmlns:a16="http://schemas.microsoft.com/office/drawing/2014/main" val="525194947"/>
+                    </a:ext>
+                  </a:extLst>
+                </a:gridCol>
+                <a:gridCol w="1381819">
+                  <a:extLst>
+                    <a:ext uri="{9D8B030D-6E8A-4147-A177-3AD203B41FA5}">
+                      <a16:colId xmlns:a16="http://schemas.microsoft.com/office/drawing/2014/main" val="1620034976"/>
+                    </a:ext>
+                  </a:extLst>
+                </a:gridCol>
+                <a:gridCol w="874747">
+                  <a:extLst>
+                    <a:ext uri="{9D8B030D-6E8A-4147-A177-3AD203B41FA5}">
+                      <a16:colId xmlns:a16="http://schemas.microsoft.com/office/drawing/2014/main" val="503295168"/>
+                    </a:ext>
+                  </a:extLst>
+                </a:gridCol>
+                <a:gridCol w="1294578">
+                  <a:extLst>
+                    <a:ext uri="{9D8B030D-6E8A-4147-A177-3AD203B41FA5}">
+                      <a16:colId xmlns:a16="http://schemas.microsoft.com/office/drawing/2014/main" val="2653035614"/>
+                    </a:ext>
+                  </a:extLst>
+                </a:gridCol>
+              </a:tblGrid>
+              <a:tr h="370840">
+                <a:tc>
+                  <a:txBody>
+                    <a:bodyPr/>
+                    <a:lstStyle/>
+                    <a:p>
+                      <a:r>
+                        <a:rPr lang="en-TR" u="sng" dirty="0"/>
+                        <a:t>email</a:t>
+                      </a:r>
+                    </a:p>
+                  </a:txBody>
+                  <a:tcPr/>
+                </a:tc>
+                <a:tc>
+                  <a:txBody>
+                    <a:bodyPr/>
+                    <a:lstStyle/>
+                    <a:p>
+                      <a:r>
+                        <a:rPr lang="en-TR" u="none" dirty="0"/>
+                        <a:t>ad</a:t>
+                      </a:r>
+                    </a:p>
+                  </a:txBody>
+                  <a:tcPr/>
+                </a:tc>
+                <a:tc>
+                  <a:txBody>
+                    <a:bodyPr/>
+                    <a:lstStyle/>
+                    <a:p>
+                      <a:r>
+                        <a:rPr lang="en-TR" u="none" dirty="0"/>
+                        <a:t>sayi_1</a:t>
+                      </a:r>
+                    </a:p>
+                  </a:txBody>
+                  <a:tcPr/>
+                </a:tc>
+                <a:tc>
+                  <a:txBody>
+                    <a:bodyPr/>
+                    <a:lstStyle/>
+                    <a:p>
+                      <a:r>
+                        <a:rPr lang="en-TR" u="none" dirty="0"/>
+                        <a:t>envanter_1</a:t>
+                      </a:r>
+                    </a:p>
+                  </a:txBody>
+                  <a:tcPr/>
+                </a:tc>
+                <a:tc>
+                  <a:txBody>
+                    <a:bodyPr/>
+                    <a:lstStyle/>
+                    <a:p>
+                      <a:r>
+                        <a:rPr lang="en-TR" u="none" dirty="0"/>
+                        <a:t>sayi_2</a:t>
+                      </a:r>
+                    </a:p>
+                  </a:txBody>
+                  <a:tcPr/>
+                </a:tc>
+                <a:tc>
+                  <a:txBody>
+                    <a:bodyPr/>
+                    <a:lstStyle/>
+                    <a:p>
+                      <a:r>
+                        <a:rPr lang="en-TR" u="none" dirty="0"/>
+                        <a:t>envanter_2</a:t>
+                      </a:r>
+                    </a:p>
+                  </a:txBody>
+                  <a:tcPr/>
+                </a:tc>
+                <a:tc>
+                  <a:txBody>
+                    <a:bodyPr/>
+                    <a:lstStyle/>
+                    <a:p>
+                      <a:r>
+                        <a:rPr lang="en-TR" u="none" dirty="0"/>
+                        <a:t>sayi_3</a:t>
+                      </a:r>
+                    </a:p>
+                  </a:txBody>
+                  <a:tcPr/>
+                </a:tc>
+                <a:tc>
+                  <a:txBody>
+                    <a:bodyPr/>
+                    <a:lstStyle/>
+                    <a:p>
+                      <a:r>
+                        <a:rPr lang="en-TR" u="none" dirty="0"/>
+                        <a:t>envanter_3</a:t>
+                      </a:r>
+                    </a:p>
+                  </a:txBody>
+                  <a:tcPr/>
+                </a:tc>
+                <a:extLst>
+                  <a:ext uri="{0D108BD9-81ED-4DB2-BD59-A6C34878D82A}">
+                    <a16:rowId xmlns:a16="http://schemas.microsoft.com/office/drawing/2014/main" val="4007056995"/>
+                  </a:ext>
+                </a:extLst>
+              </a:tr>
+              <a:tr h="370840">
+                <a:tc>
+                  <a:txBody>
+                    <a:bodyPr/>
+                    <a:lstStyle/>
+                    <a:p>
+                      <a:r>
+                        <a:rPr lang="en-TR" dirty="0"/>
+                        <a:t>a@b</a:t>
+                      </a:r>
+                    </a:p>
+                  </a:txBody>
+                  <a:tcPr/>
+                </a:tc>
+                <a:tc>
+                  <a:txBody>
+                    <a:bodyPr/>
+                    <a:lstStyle/>
+                    <a:p>
+                      <a:r>
+                        <a:rPr lang="en-TR" dirty="0"/>
+                        <a:t>Ali</a:t>
+                      </a:r>
+                    </a:p>
+                  </a:txBody>
+                  <a:tcPr/>
+                </a:tc>
+                <a:tc>
+                  <a:txBody>
+                    <a:bodyPr/>
+                    <a:lstStyle/>
+                    <a:p>
+                      <a:r>
+                        <a:rPr lang="en-TR" dirty="0"/>
+                        <a:t>3</a:t>
+                      </a:r>
+                    </a:p>
+                  </a:txBody>
+                  <a:tcPr/>
+                </a:tc>
+                <a:tc>
+                  <a:txBody>
+                    <a:bodyPr/>
+                    <a:lstStyle/>
+                    <a:p>
+                      <a:r>
+                        <a:rPr lang="en-TR" dirty="0"/>
+                        <a:t>ilk yardım</a:t>
+                      </a:r>
+                    </a:p>
+                  </a:txBody>
+                  <a:tcPr/>
+                </a:tc>
+                <a:tc>
+                  <a:txBody>
+                    <a:bodyPr/>
+                    <a:lstStyle/>
+                    <a:p>
+                      <a:r>
+                        <a:rPr lang="en-TR" dirty="0"/>
+                        <a:t>2</a:t>
+                      </a:r>
+                    </a:p>
+                  </a:txBody>
+                  <a:tcPr/>
+                </a:tc>
+                <a:tc>
+                  <a:txBody>
+                    <a:bodyPr/>
+                    <a:lstStyle/>
+                    <a:p>
+                      <a:r>
+                        <a:rPr lang="en-TR" dirty="0"/>
+                        <a:t>ışınlanma</a:t>
+                      </a:r>
+                    </a:p>
+                  </a:txBody>
+                  <a:tcPr/>
+                </a:tc>
+                <a:tc>
+                  <a:txBody>
+                    <a:bodyPr/>
+                    <a:lstStyle/>
+                    <a:p>
+                      <a:endParaRPr lang="en-TR" dirty="0"/>
+                    </a:p>
+                  </a:txBody>
+                  <a:tcPr/>
+                </a:tc>
+                <a:tc>
+                  <a:txBody>
+                    <a:bodyPr/>
+                    <a:lstStyle/>
+                    <a:p>
+                      <a:endParaRPr lang="en-TR" dirty="0"/>
+                    </a:p>
+                  </a:txBody>
+                  <a:tcPr/>
+                </a:tc>
+                <a:extLst>
+                  <a:ext uri="{0D108BD9-81ED-4DB2-BD59-A6C34878D82A}">
+                    <a16:rowId xmlns:a16="http://schemas.microsoft.com/office/drawing/2014/main" val="4274227303"/>
+                  </a:ext>
+                </a:extLst>
+              </a:tr>
+              <a:tr h="370840">
+                <a:tc>
+                  <a:txBody>
+                    <a:bodyPr/>
+                    <a:lstStyle/>
+                    <a:p>
+                      <a:r>
+                        <a:rPr lang="en-TR" dirty="0"/>
+                        <a:t>b@c</a:t>
+                      </a:r>
+                    </a:p>
+                  </a:txBody>
+                  <a:tcPr/>
+                </a:tc>
+                <a:tc>
+                  <a:txBody>
+                    <a:bodyPr/>
+                    <a:lstStyle/>
+                    <a:p>
+                      <a:r>
+                        <a:rPr lang="en-TR" dirty="0"/>
+                        <a:t>Veli</a:t>
+                      </a:r>
+                    </a:p>
+                  </a:txBody>
+                  <a:tcPr/>
+                </a:tc>
+                <a:tc>
+                  <a:txBody>
+                    <a:bodyPr/>
+                    <a:lstStyle/>
+                    <a:p>
+                      <a:r>
+                        <a:rPr lang="en-TR" dirty="0"/>
+                        <a:t>1</a:t>
+                      </a:r>
+                    </a:p>
+                  </a:txBody>
+                  <a:tcPr/>
+                </a:tc>
+                <a:tc>
+                  <a:txBody>
+                    <a:bodyPr/>
+                    <a:lstStyle/>
+                    <a:p>
+                      <a:r>
+                        <a:rPr lang="en-TR" dirty="0"/>
+                        <a:t>ışınlanma</a:t>
+                      </a:r>
+                    </a:p>
+                  </a:txBody>
+                  <a:tcPr/>
+                </a:tc>
+                <a:tc>
+                  <a:txBody>
+                    <a:bodyPr/>
+                    <a:lstStyle/>
+                    <a:p>
+                      <a:r>
+                        <a:rPr lang="en-TR" dirty="0"/>
+                        <a:t>1</a:t>
+                      </a:r>
+                    </a:p>
+                  </a:txBody>
+                  <a:tcPr/>
+                </a:tc>
+                <a:tc>
+                  <a:txBody>
+                    <a:bodyPr/>
+                    <a:lstStyle/>
+                    <a:p>
+                      <a:r>
+                        <a:rPr lang="en-TR" dirty="0"/>
+                        <a:t>ilk yardım</a:t>
+                      </a:r>
+                    </a:p>
+                  </a:txBody>
+                  <a:tcPr/>
+                </a:tc>
+                <a:tc>
+                  <a:txBody>
+                    <a:bodyPr/>
+                    <a:lstStyle/>
+                    <a:p>
+                      <a:r>
+                        <a:rPr lang="en-TR" dirty="0"/>
+                        <a:t>5</a:t>
+                      </a:r>
+                    </a:p>
+                  </a:txBody>
+                  <a:tcPr/>
+                </a:tc>
+                <a:tc>
+                  <a:txBody>
+                    <a:bodyPr/>
+                    <a:lstStyle/>
+                    <a:p>
+                      <a:r>
+                        <a:rPr lang="en-TR" dirty="0"/>
+                        <a:t>halat</a:t>
+                      </a:r>
+                    </a:p>
+                  </a:txBody>
+                  <a:tcPr/>
+                </a:tc>
+                <a:extLst>
+                  <a:ext uri="{0D108BD9-81ED-4DB2-BD59-A6C34878D82A}">
+                    <a16:rowId xmlns:a16="http://schemas.microsoft.com/office/drawing/2014/main" val="3412863520"/>
+                  </a:ext>
+                </a:extLst>
+              </a:tr>
+              <a:tr h="370840">
+                <a:tc>
+                  <a:txBody>
+                    <a:bodyPr/>
+                    <a:lstStyle/>
+                    <a:p>
+                      <a:r>
+                        <a:rPr lang="en-TR" dirty="0"/>
+                        <a:t>c@d</a:t>
+                      </a:r>
+                    </a:p>
+                  </a:txBody>
+                  <a:tcPr/>
+                </a:tc>
+                <a:tc>
+                  <a:txBody>
+                    <a:bodyPr/>
+                    <a:lstStyle/>
+                    <a:p>
+                      <a:r>
+                        <a:rPr lang="en-TR" dirty="0"/>
+                        <a:t>Ayşe</a:t>
+                      </a:r>
+                    </a:p>
+                  </a:txBody>
+                  <a:tcPr/>
+                </a:tc>
+                <a:tc>
+                  <a:txBody>
+                    <a:bodyPr/>
+                    <a:lstStyle/>
+                    <a:p>
+                      <a:r>
+                        <a:rPr lang="en-TR" dirty="0"/>
+                        <a:t>1</a:t>
+                      </a:r>
+                    </a:p>
+                  </a:txBody>
+                  <a:tcPr/>
+                </a:tc>
+                <a:tc>
+                  <a:txBody>
+                    <a:bodyPr/>
+                    <a:lstStyle/>
+                    <a:p>
+                      <a:r>
+                        <a:rPr lang="en-TR" dirty="0"/>
+                        <a:t>pusula</a:t>
+                      </a:r>
+                    </a:p>
+                  </a:txBody>
+                  <a:tcPr/>
+                </a:tc>
+                <a:tc>
+                  <a:txBody>
+                    <a:bodyPr/>
+                    <a:lstStyle/>
+                    <a:p>
+                      <a:r>
+                        <a:rPr lang="en-TR" dirty="0"/>
+                        <a:t>3</a:t>
+                      </a:r>
+                    </a:p>
+                  </a:txBody>
+                  <a:tcPr/>
+                </a:tc>
+                <a:tc>
+                  <a:txBody>
+                    <a:bodyPr/>
+                    <a:lstStyle/>
+                    <a:p>
+                      <a:r>
+                        <a:rPr lang="en-TR" dirty="0"/>
+                        <a:t>halat</a:t>
+                      </a:r>
+                    </a:p>
+                  </a:txBody>
+                  <a:tcPr/>
+                </a:tc>
+                <a:tc>
+                  <a:txBody>
+                    <a:bodyPr/>
+                    <a:lstStyle/>
+                    <a:p>
+                      <a:endParaRPr lang="en-TR" dirty="0"/>
+                    </a:p>
+                  </a:txBody>
+                  <a:tcPr/>
+                </a:tc>
+                <a:tc>
+                  <a:txBody>
+                    <a:bodyPr/>
+                    <a:lstStyle/>
+                    <a:p>
+                      <a:endParaRPr lang="en-TR" dirty="0"/>
+                    </a:p>
+                  </a:txBody>
+                  <a:tcPr/>
+                </a:tc>
+                <a:extLst>
+                  <a:ext uri="{0D108BD9-81ED-4DB2-BD59-A6C34878D82A}">
+                    <a16:rowId xmlns:a16="http://schemas.microsoft.com/office/drawing/2014/main" val="3117025022"/>
+                  </a:ext>
+                </a:extLst>
+              </a:tr>
+            </a:tbl>
+          </a:graphicData>
+        </a:graphic>
+      </p:graphicFrame>
+      <p:sp>
+        <p:nvSpPr>
+          <p:cNvPr id="5" name="TextBox 4">
+            <a:extLst>
+              <a:ext uri="{FF2B5EF4-FFF2-40B4-BE49-F238E27FC236}">
+                <a16:creationId xmlns:a16="http://schemas.microsoft.com/office/drawing/2014/main" id="{39ED7191-2B98-7F6A-1A3B-78F3948B1727}"/>
+              </a:ext>
+            </a:extLst>
+          </p:cNvPr>
+          <p:cNvSpPr txBox="1"/>
+          <p:nvPr/>
+        </p:nvSpPr>
+        <p:spPr>
+          <a:xfrm>
+            <a:off x="326571" y="1696714"/>
+            <a:ext cx="1116396" cy="369332"/>
+          </a:xfrm>
+          <a:prstGeom prst="rect">
+            <a:avLst/>
+          </a:prstGeom>
+          <a:noFill/>
+        </p:spPr>
+        <p:txBody>
+          <a:bodyPr wrap="none" rtlCol="0">
+            <a:spAutoFit/>
+          </a:bodyPr>
+          <a:lstStyle/>
+          <a:p>
+            <a:r>
+              <a:rPr lang="en-TR" dirty="0"/>
+              <a:t>oyuncular</a:t>
+            </a:r>
+          </a:p>
+        </p:txBody>
+      </p:sp>
+      <p:sp>
+        <p:nvSpPr>
+          <p:cNvPr id="8" name="TextBox 7">
+            <a:extLst>
+              <a:ext uri="{FF2B5EF4-FFF2-40B4-BE49-F238E27FC236}">
+                <a16:creationId xmlns:a16="http://schemas.microsoft.com/office/drawing/2014/main" id="{AEED7B6C-E294-B614-5CC5-99A121750725}"/>
+              </a:ext>
+            </a:extLst>
+          </p:cNvPr>
+          <p:cNvSpPr txBox="1"/>
+          <p:nvPr/>
+        </p:nvSpPr>
+        <p:spPr>
+          <a:xfrm>
+            <a:off x="2156403" y="3939727"/>
+            <a:ext cx="4831194" cy="2126864"/>
+          </a:xfrm>
+          <a:prstGeom prst="rect">
+            <a:avLst/>
+          </a:prstGeom>
+          <a:noFill/>
+        </p:spPr>
+        <p:txBody>
+          <a:bodyPr wrap="none" rtlCol="0">
+            <a:spAutoFit/>
+          </a:bodyPr>
+          <a:lstStyle/>
+          <a:p>
+            <a:pPr marL="285750" indent="-285750">
+              <a:lnSpc>
+                <a:spcPct val="150000"/>
+              </a:lnSpc>
+              <a:buFont typeface="Arial" panose="020B0604020202020204" pitchFamily="34" charset="0"/>
+              <a:buChar char="•"/>
+            </a:pPr>
+            <a:r>
+              <a:rPr lang="en-US" dirty="0">
+                <a:solidFill>
+                  <a:srgbClr val="00B050"/>
+                </a:solidFill>
+              </a:rPr>
+              <a:t>Primary key </a:t>
+            </a:r>
+            <a:r>
+              <a:rPr lang="en-US" dirty="0" err="1">
+                <a:solidFill>
+                  <a:srgbClr val="00B050"/>
+                </a:solidFill>
+              </a:rPr>
+              <a:t>bulunmalıdır</a:t>
+            </a:r>
+            <a:r>
+              <a:rPr lang="en-US" dirty="0">
+                <a:solidFill>
+                  <a:srgbClr val="00B050"/>
+                </a:solidFill>
+              </a:rPr>
+              <a:t>.</a:t>
+            </a:r>
+          </a:p>
+          <a:p>
+            <a:pPr marL="285750" indent="-285750">
+              <a:lnSpc>
+                <a:spcPct val="150000"/>
+              </a:lnSpc>
+              <a:buFont typeface="Arial" panose="020B0604020202020204" pitchFamily="34" charset="0"/>
+              <a:buChar char="•"/>
+            </a:pPr>
+            <a:r>
+              <a:rPr lang="en-US" dirty="0" err="1">
+                <a:solidFill>
+                  <a:srgbClr val="00B050"/>
+                </a:solidFill>
+              </a:rPr>
+              <a:t>Sütunlarda</a:t>
+            </a:r>
+            <a:r>
+              <a:rPr lang="en-US" dirty="0">
+                <a:solidFill>
+                  <a:srgbClr val="00B050"/>
+                </a:solidFill>
+              </a:rPr>
+              <a:t> </a:t>
+            </a:r>
+            <a:r>
+              <a:rPr lang="en-US" dirty="0" err="1">
+                <a:solidFill>
+                  <a:srgbClr val="00B050"/>
+                </a:solidFill>
+              </a:rPr>
+              <a:t>yalnızca</a:t>
+            </a:r>
+            <a:r>
+              <a:rPr lang="en-US" dirty="0">
+                <a:solidFill>
+                  <a:srgbClr val="00B050"/>
+                </a:solidFill>
+              </a:rPr>
+              <a:t> </a:t>
+            </a:r>
+            <a:r>
+              <a:rPr lang="en-US" dirty="0" err="1">
+                <a:solidFill>
+                  <a:srgbClr val="00B050"/>
+                </a:solidFill>
+              </a:rPr>
+              <a:t>tek</a:t>
+            </a:r>
+            <a:r>
+              <a:rPr lang="en-US" dirty="0">
+                <a:solidFill>
+                  <a:srgbClr val="00B050"/>
+                </a:solidFill>
+              </a:rPr>
+              <a:t> </a:t>
+            </a:r>
+            <a:r>
+              <a:rPr lang="en-US" dirty="0" err="1">
+                <a:solidFill>
+                  <a:srgbClr val="00B050"/>
+                </a:solidFill>
+              </a:rPr>
+              <a:t>değerli</a:t>
+            </a:r>
+            <a:r>
+              <a:rPr lang="en-US" dirty="0">
+                <a:solidFill>
+                  <a:srgbClr val="00B050"/>
+                </a:solidFill>
+              </a:rPr>
+              <a:t> </a:t>
+            </a:r>
+            <a:r>
+              <a:rPr lang="en-US" dirty="0" err="1">
+                <a:solidFill>
+                  <a:srgbClr val="00B050"/>
+                </a:solidFill>
+              </a:rPr>
+              <a:t>nitelikler</a:t>
+            </a:r>
+            <a:r>
+              <a:rPr lang="en-US" dirty="0">
+                <a:solidFill>
+                  <a:srgbClr val="00B050"/>
+                </a:solidFill>
+              </a:rPr>
+              <a:t> </a:t>
+            </a:r>
+            <a:r>
+              <a:rPr lang="en-US" dirty="0" err="1">
+                <a:solidFill>
+                  <a:srgbClr val="00B050"/>
+                </a:solidFill>
+              </a:rPr>
+              <a:t>vardır</a:t>
+            </a:r>
+            <a:r>
+              <a:rPr lang="en-US" dirty="0">
+                <a:solidFill>
+                  <a:srgbClr val="00B050"/>
+                </a:solidFill>
+              </a:rPr>
+              <a:t>.</a:t>
+            </a:r>
+          </a:p>
+          <a:p>
+            <a:pPr marL="285750" indent="-285750">
+              <a:lnSpc>
+                <a:spcPct val="150000"/>
+              </a:lnSpc>
+              <a:buFont typeface="Arial" panose="020B0604020202020204" pitchFamily="34" charset="0"/>
+              <a:buChar char="•"/>
+            </a:pPr>
+            <a:r>
+              <a:rPr lang="en-US" dirty="0" err="1">
+                <a:solidFill>
+                  <a:srgbClr val="00B050"/>
+                </a:solidFill>
+              </a:rPr>
+              <a:t>Aynı</a:t>
+            </a:r>
+            <a:r>
+              <a:rPr lang="en-US" dirty="0">
+                <a:solidFill>
+                  <a:srgbClr val="00B050"/>
+                </a:solidFill>
+              </a:rPr>
+              <a:t> </a:t>
+            </a:r>
+            <a:r>
+              <a:rPr lang="en-US" dirty="0" err="1">
+                <a:solidFill>
+                  <a:srgbClr val="00B050"/>
+                </a:solidFill>
+              </a:rPr>
+              <a:t>sütunda</a:t>
+            </a:r>
+            <a:r>
+              <a:rPr lang="en-US" dirty="0">
+                <a:solidFill>
+                  <a:srgbClr val="00B050"/>
+                </a:solidFill>
+              </a:rPr>
+              <a:t> 1’den </a:t>
+            </a:r>
+            <a:r>
+              <a:rPr lang="en-US" dirty="0" err="1">
+                <a:solidFill>
+                  <a:srgbClr val="00B050"/>
+                </a:solidFill>
+              </a:rPr>
+              <a:t>çok</a:t>
+            </a:r>
+            <a:r>
+              <a:rPr lang="en-US" dirty="0">
+                <a:solidFill>
+                  <a:srgbClr val="00B050"/>
+                </a:solidFill>
+              </a:rPr>
+              <a:t> </a:t>
+            </a:r>
+            <a:r>
+              <a:rPr lang="en-US" dirty="0" err="1">
+                <a:solidFill>
+                  <a:srgbClr val="00B050"/>
+                </a:solidFill>
+              </a:rPr>
+              <a:t>tipte</a:t>
+            </a:r>
+            <a:r>
+              <a:rPr lang="en-US" dirty="0">
+                <a:solidFill>
+                  <a:srgbClr val="00B050"/>
+                </a:solidFill>
+              </a:rPr>
+              <a:t> </a:t>
+            </a:r>
+            <a:r>
+              <a:rPr lang="en-US" dirty="0" err="1">
+                <a:solidFill>
+                  <a:srgbClr val="00B050"/>
+                </a:solidFill>
+              </a:rPr>
+              <a:t>veri</a:t>
+            </a:r>
+            <a:r>
+              <a:rPr lang="en-US" dirty="0">
+                <a:solidFill>
+                  <a:srgbClr val="00B050"/>
+                </a:solidFill>
+              </a:rPr>
+              <a:t> </a:t>
+            </a:r>
+            <a:r>
+              <a:rPr lang="en-US" dirty="0" err="1">
+                <a:solidFill>
+                  <a:srgbClr val="00B050"/>
+                </a:solidFill>
+              </a:rPr>
+              <a:t>olmamalıdır</a:t>
+            </a:r>
+            <a:r>
+              <a:rPr lang="en-US" dirty="0">
+                <a:solidFill>
+                  <a:srgbClr val="00B050"/>
+                </a:solidFill>
+              </a:rPr>
+              <a:t>.</a:t>
+            </a:r>
+          </a:p>
+          <a:p>
+            <a:pPr marL="285750" indent="-285750">
+              <a:lnSpc>
+                <a:spcPct val="150000"/>
+              </a:lnSpc>
+              <a:buFont typeface="Arial" panose="020B0604020202020204" pitchFamily="34" charset="0"/>
+              <a:buChar char="•"/>
+            </a:pPr>
+            <a:r>
+              <a:rPr lang="en-US" dirty="0">
+                <a:solidFill>
+                  <a:srgbClr val="00B050"/>
+                </a:solidFill>
+              </a:rPr>
+              <a:t>Her </a:t>
+            </a:r>
+            <a:r>
+              <a:rPr lang="en-US" dirty="0" err="1">
+                <a:solidFill>
+                  <a:srgbClr val="00B050"/>
+                </a:solidFill>
+              </a:rPr>
+              <a:t>sütun</a:t>
+            </a:r>
+            <a:r>
+              <a:rPr lang="en-US" dirty="0">
+                <a:solidFill>
+                  <a:srgbClr val="00B050"/>
+                </a:solidFill>
+              </a:rPr>
+              <a:t> </a:t>
+            </a:r>
+            <a:r>
+              <a:rPr lang="en-US" dirty="0" err="1">
+                <a:solidFill>
+                  <a:srgbClr val="00B050"/>
+                </a:solidFill>
+              </a:rPr>
+              <a:t>için</a:t>
+            </a:r>
+            <a:r>
+              <a:rPr lang="en-US" dirty="0">
+                <a:solidFill>
+                  <a:srgbClr val="00B050"/>
+                </a:solidFill>
+              </a:rPr>
+              <a:t> </a:t>
+            </a:r>
+            <a:r>
+              <a:rPr lang="en-US" dirty="0" err="1">
+                <a:solidFill>
+                  <a:srgbClr val="00B050"/>
+                </a:solidFill>
+              </a:rPr>
+              <a:t>benzersiz</a:t>
+            </a:r>
+            <a:r>
+              <a:rPr lang="en-US" dirty="0">
+                <a:solidFill>
+                  <a:srgbClr val="00B050"/>
+                </a:solidFill>
+              </a:rPr>
+              <a:t> </a:t>
+            </a:r>
+            <a:r>
+              <a:rPr lang="en-US" dirty="0" err="1">
+                <a:solidFill>
+                  <a:srgbClr val="00B050"/>
+                </a:solidFill>
+              </a:rPr>
+              <a:t>bir</a:t>
+            </a:r>
+            <a:r>
+              <a:rPr lang="en-US" dirty="0">
+                <a:solidFill>
+                  <a:srgbClr val="00B050"/>
+                </a:solidFill>
+              </a:rPr>
+              <a:t> ad </a:t>
+            </a:r>
+            <a:r>
+              <a:rPr lang="en-US" dirty="0" err="1">
+                <a:solidFill>
+                  <a:srgbClr val="00B050"/>
+                </a:solidFill>
+              </a:rPr>
+              <a:t>vardır</a:t>
+            </a:r>
+            <a:r>
+              <a:rPr lang="en-US" dirty="0">
+                <a:solidFill>
+                  <a:srgbClr val="00B050"/>
+                </a:solidFill>
+              </a:rPr>
+              <a:t>.</a:t>
+            </a:r>
+          </a:p>
+          <a:p>
+            <a:pPr marL="285750" indent="-285750">
+              <a:lnSpc>
+                <a:spcPct val="150000"/>
+              </a:lnSpc>
+              <a:buFont typeface="Arial" panose="020B0604020202020204" pitchFamily="34" charset="0"/>
+              <a:buChar char="•"/>
+            </a:pPr>
+            <a:r>
+              <a:rPr lang="en-US" dirty="0" err="1"/>
+              <a:t>Tekrar</a:t>
+            </a:r>
+            <a:r>
+              <a:rPr lang="en-US" dirty="0"/>
+              <a:t> </a:t>
+            </a:r>
+            <a:r>
+              <a:rPr lang="en-US" dirty="0" err="1"/>
+              <a:t>eden</a:t>
+            </a:r>
+            <a:r>
+              <a:rPr lang="en-US" dirty="0"/>
+              <a:t> </a:t>
+            </a:r>
+            <a:r>
+              <a:rPr lang="en-US" dirty="0" err="1"/>
+              <a:t>sütun</a:t>
+            </a:r>
+            <a:r>
+              <a:rPr lang="en-US" dirty="0"/>
+              <a:t> </a:t>
+            </a:r>
+            <a:r>
+              <a:rPr lang="en-US" dirty="0" err="1"/>
+              <a:t>grupları</a:t>
+            </a:r>
+            <a:r>
+              <a:rPr lang="en-US" dirty="0"/>
+              <a:t> </a:t>
+            </a:r>
+            <a:r>
+              <a:rPr lang="en-US" dirty="0" err="1"/>
+              <a:t>olmamalıdır</a:t>
+            </a:r>
+            <a:r>
+              <a:rPr lang="en-US" dirty="0"/>
+              <a:t>.</a:t>
+            </a:r>
+          </a:p>
+        </p:txBody>
+      </p:sp>
+    </p:spTree>
+    <p:extLst>
+      <p:ext uri="{BB962C8B-B14F-4D97-AF65-F5344CB8AC3E}">
+        <p14:creationId xmlns:p14="http://schemas.microsoft.com/office/powerpoint/2010/main" val="2253830232"/>
       </p:ext>
     </p:extLst>
   </p:cSld>
@@ -5274,6 +12140,1257 @@
     <p:extLst>
       <p:ext uri="{BB962C8B-B14F-4D97-AF65-F5344CB8AC3E}">
         <p14:creationId xmlns:p14="http://schemas.microsoft.com/office/powerpoint/2010/main" val="2791293025"/>
+      </p:ext>
+    </p:extLst>
+  </p:cSld>
+  <p:clrMapOvr>
+    <a:masterClrMapping/>
+  </p:clrMapOvr>
+</p:sld>
+</file>
+
+<file path=ppt/slides/slide20.xml><?xml version="1.0" encoding="utf-8"?>
+<p:sld xmlns:a="http://schemas.openxmlformats.org/drawingml/2006/main" xmlns:r="http://schemas.openxmlformats.org/officeDocument/2006/relationships" xmlns:p="http://schemas.openxmlformats.org/presentationml/2006/main">
+  <p:cSld>
+    <p:spTree>
+      <p:nvGrpSpPr>
+        <p:cNvPr id="1" name="">
+          <a:extLst>
+            <a:ext uri="{FF2B5EF4-FFF2-40B4-BE49-F238E27FC236}">
+              <a16:creationId xmlns:a16="http://schemas.microsoft.com/office/drawing/2014/main" id="{602DB50E-5F84-F9AA-3235-4E0239594244}"/>
+            </a:ext>
+          </a:extLst>
+        </p:cNvPr>
+        <p:cNvGrpSpPr/>
+        <p:nvPr/>
+      </p:nvGrpSpPr>
+      <p:grpSpPr>
+        <a:xfrm>
+          <a:off x="0" y="0"/>
+          <a:ext cx="0" cy="0"/>
+          <a:chOff x="0" y="0"/>
+          <a:chExt cx="0" cy="0"/>
+        </a:xfrm>
+      </p:grpSpPr>
+      <p:sp>
+        <p:nvSpPr>
+          <p:cNvPr id="2" name="Title 1">
+            <a:extLst>
+              <a:ext uri="{FF2B5EF4-FFF2-40B4-BE49-F238E27FC236}">
+                <a16:creationId xmlns:a16="http://schemas.microsoft.com/office/drawing/2014/main" id="{27DCC597-D3D8-FED5-C281-CB6F1D9A7855}"/>
+              </a:ext>
+            </a:extLst>
+          </p:cNvPr>
+          <p:cNvSpPr>
+            <a:spLocks noGrp="1"/>
+          </p:cNvSpPr>
+          <p:nvPr>
+            <p:ph type="title"/>
+          </p:nvPr>
+        </p:nvSpPr>
+        <p:spPr/>
+        <p:txBody>
+          <a:bodyPr/>
+          <a:lstStyle/>
+          <a:p>
+            <a:r>
+              <a:rPr lang="en-TR" dirty="0"/>
+              <a:t>1. Normal Form (1NF)</a:t>
+            </a:r>
+          </a:p>
+        </p:txBody>
+      </p:sp>
+      <p:graphicFrame>
+        <p:nvGraphicFramePr>
+          <p:cNvPr id="4" name="Content Placeholder 3">
+            <a:extLst>
+              <a:ext uri="{FF2B5EF4-FFF2-40B4-BE49-F238E27FC236}">
+                <a16:creationId xmlns:a16="http://schemas.microsoft.com/office/drawing/2014/main" id="{7D33FC9D-3759-EDD2-8072-2E874D736026}"/>
+              </a:ext>
+            </a:extLst>
+          </p:cNvPr>
+          <p:cNvGraphicFramePr>
+            <a:graphicFrameLocks noGrp="1"/>
+          </p:cNvGraphicFramePr>
+          <p:nvPr>
+            <p:ph idx="1"/>
+            <p:extLst>
+              <p:ext uri="{D42A27DB-BD31-4B8C-83A1-F6EECF244321}">
+                <p14:modId xmlns:p14="http://schemas.microsoft.com/office/powerpoint/2010/main" val="2553724640"/>
+              </p:ext>
+            </p:extLst>
+          </p:nvPr>
+        </p:nvGraphicFramePr>
+        <p:xfrm>
+          <a:off x="2379878" y="2087035"/>
+          <a:ext cx="1506323" cy="1483360"/>
+        </p:xfrm>
+        <a:graphic>
+          <a:graphicData uri="http://schemas.openxmlformats.org/drawingml/2006/table">
+            <a:tbl>
+              <a:tblPr firstRow="1" bandRow="1">
+                <a:tableStyleId>{5C22544A-7EE6-4342-B048-85BDC9FD1C3A}</a:tableStyleId>
+              </a:tblPr>
+              <a:tblGrid>
+                <a:gridCol w="801964">
+                  <a:extLst>
+                    <a:ext uri="{9D8B030D-6E8A-4147-A177-3AD203B41FA5}">
+                      <a16:colId xmlns:a16="http://schemas.microsoft.com/office/drawing/2014/main" val="3572103169"/>
+                    </a:ext>
+                  </a:extLst>
+                </a:gridCol>
+                <a:gridCol w="704359">
+                  <a:extLst>
+                    <a:ext uri="{9D8B030D-6E8A-4147-A177-3AD203B41FA5}">
+                      <a16:colId xmlns:a16="http://schemas.microsoft.com/office/drawing/2014/main" val="3444992394"/>
+                    </a:ext>
+                  </a:extLst>
+                </a:gridCol>
+              </a:tblGrid>
+              <a:tr h="370840">
+                <a:tc>
+                  <a:txBody>
+                    <a:bodyPr/>
+                    <a:lstStyle/>
+                    <a:p>
+                      <a:r>
+                        <a:rPr lang="en-TR" u="sng" dirty="0"/>
+                        <a:t>email</a:t>
+                      </a:r>
+                    </a:p>
+                  </a:txBody>
+                  <a:tcPr/>
+                </a:tc>
+                <a:tc>
+                  <a:txBody>
+                    <a:bodyPr/>
+                    <a:lstStyle/>
+                    <a:p>
+                      <a:r>
+                        <a:rPr lang="en-TR" u="none" dirty="0"/>
+                        <a:t>ad</a:t>
+                      </a:r>
+                    </a:p>
+                  </a:txBody>
+                  <a:tcPr/>
+                </a:tc>
+                <a:extLst>
+                  <a:ext uri="{0D108BD9-81ED-4DB2-BD59-A6C34878D82A}">
+                    <a16:rowId xmlns:a16="http://schemas.microsoft.com/office/drawing/2014/main" val="4007056995"/>
+                  </a:ext>
+                </a:extLst>
+              </a:tr>
+              <a:tr h="370840">
+                <a:tc>
+                  <a:txBody>
+                    <a:bodyPr/>
+                    <a:lstStyle/>
+                    <a:p>
+                      <a:r>
+                        <a:rPr lang="en-TR" dirty="0"/>
+                        <a:t>a@b</a:t>
+                      </a:r>
+                    </a:p>
+                  </a:txBody>
+                  <a:tcPr/>
+                </a:tc>
+                <a:tc>
+                  <a:txBody>
+                    <a:bodyPr/>
+                    <a:lstStyle/>
+                    <a:p>
+                      <a:r>
+                        <a:rPr lang="en-TR" dirty="0"/>
+                        <a:t>Ali</a:t>
+                      </a:r>
+                    </a:p>
+                  </a:txBody>
+                  <a:tcPr/>
+                </a:tc>
+                <a:extLst>
+                  <a:ext uri="{0D108BD9-81ED-4DB2-BD59-A6C34878D82A}">
+                    <a16:rowId xmlns:a16="http://schemas.microsoft.com/office/drawing/2014/main" val="4274227303"/>
+                  </a:ext>
+                </a:extLst>
+              </a:tr>
+              <a:tr h="370840">
+                <a:tc>
+                  <a:txBody>
+                    <a:bodyPr/>
+                    <a:lstStyle/>
+                    <a:p>
+                      <a:r>
+                        <a:rPr lang="en-TR" dirty="0"/>
+                        <a:t>b@c</a:t>
+                      </a:r>
+                    </a:p>
+                  </a:txBody>
+                  <a:tcPr/>
+                </a:tc>
+                <a:tc>
+                  <a:txBody>
+                    <a:bodyPr/>
+                    <a:lstStyle/>
+                    <a:p>
+                      <a:r>
+                        <a:rPr lang="en-TR" dirty="0"/>
+                        <a:t>Veli</a:t>
+                      </a:r>
+                    </a:p>
+                  </a:txBody>
+                  <a:tcPr/>
+                </a:tc>
+                <a:extLst>
+                  <a:ext uri="{0D108BD9-81ED-4DB2-BD59-A6C34878D82A}">
+                    <a16:rowId xmlns:a16="http://schemas.microsoft.com/office/drawing/2014/main" val="3412863520"/>
+                  </a:ext>
+                </a:extLst>
+              </a:tr>
+              <a:tr h="370840">
+                <a:tc>
+                  <a:txBody>
+                    <a:bodyPr/>
+                    <a:lstStyle/>
+                    <a:p>
+                      <a:r>
+                        <a:rPr lang="en-TR" dirty="0"/>
+                        <a:t>c@d</a:t>
+                      </a:r>
+                    </a:p>
+                  </a:txBody>
+                  <a:tcPr/>
+                </a:tc>
+                <a:tc>
+                  <a:txBody>
+                    <a:bodyPr/>
+                    <a:lstStyle/>
+                    <a:p>
+                      <a:r>
+                        <a:rPr lang="en-TR" dirty="0"/>
+                        <a:t>Ayşe</a:t>
+                      </a:r>
+                    </a:p>
+                  </a:txBody>
+                  <a:tcPr/>
+                </a:tc>
+                <a:extLst>
+                  <a:ext uri="{0D108BD9-81ED-4DB2-BD59-A6C34878D82A}">
+                    <a16:rowId xmlns:a16="http://schemas.microsoft.com/office/drawing/2014/main" val="3117025022"/>
+                  </a:ext>
+                </a:extLst>
+              </a:tr>
+            </a:tbl>
+          </a:graphicData>
+        </a:graphic>
+      </p:graphicFrame>
+      <p:sp>
+        <p:nvSpPr>
+          <p:cNvPr id="5" name="TextBox 4">
+            <a:extLst>
+              <a:ext uri="{FF2B5EF4-FFF2-40B4-BE49-F238E27FC236}">
+                <a16:creationId xmlns:a16="http://schemas.microsoft.com/office/drawing/2014/main" id="{39ED7191-2B98-7F6A-1A3B-78F3948B1727}"/>
+              </a:ext>
+            </a:extLst>
+          </p:cNvPr>
+          <p:cNvSpPr txBox="1"/>
+          <p:nvPr/>
+        </p:nvSpPr>
+        <p:spPr>
+          <a:xfrm>
+            <a:off x="2379878" y="1717703"/>
+            <a:ext cx="1116396" cy="369332"/>
+          </a:xfrm>
+          <a:prstGeom prst="rect">
+            <a:avLst/>
+          </a:prstGeom>
+          <a:noFill/>
+        </p:spPr>
+        <p:txBody>
+          <a:bodyPr wrap="none" rtlCol="0">
+            <a:spAutoFit/>
+          </a:bodyPr>
+          <a:lstStyle/>
+          <a:p>
+            <a:r>
+              <a:rPr lang="en-TR" dirty="0"/>
+              <a:t>oyuncular</a:t>
+            </a:r>
+          </a:p>
+        </p:txBody>
+      </p:sp>
+      <p:sp>
+        <p:nvSpPr>
+          <p:cNvPr id="8" name="TextBox 7">
+            <a:extLst>
+              <a:ext uri="{FF2B5EF4-FFF2-40B4-BE49-F238E27FC236}">
+                <a16:creationId xmlns:a16="http://schemas.microsoft.com/office/drawing/2014/main" id="{AEED7B6C-E294-B614-5CC5-99A121750725}"/>
+              </a:ext>
+            </a:extLst>
+          </p:cNvPr>
+          <p:cNvSpPr txBox="1"/>
+          <p:nvPr/>
+        </p:nvSpPr>
+        <p:spPr>
+          <a:xfrm>
+            <a:off x="326571" y="4818185"/>
+            <a:ext cx="3869393" cy="1674689"/>
+          </a:xfrm>
+          <a:prstGeom prst="rect">
+            <a:avLst/>
+          </a:prstGeom>
+          <a:noFill/>
+        </p:spPr>
+        <p:txBody>
+          <a:bodyPr wrap="none" rtlCol="0">
+            <a:spAutoFit/>
+          </a:bodyPr>
+          <a:lstStyle/>
+          <a:p>
+            <a:pPr marL="285750" indent="-285750">
+              <a:lnSpc>
+                <a:spcPct val="150000"/>
+              </a:lnSpc>
+              <a:buFont typeface="Arial" panose="020B0604020202020204" pitchFamily="34" charset="0"/>
+              <a:buChar char="•"/>
+            </a:pPr>
+            <a:r>
+              <a:rPr lang="en-US" sz="1400" dirty="0">
+                <a:solidFill>
+                  <a:srgbClr val="00B050"/>
+                </a:solidFill>
+              </a:rPr>
+              <a:t>Primary key </a:t>
+            </a:r>
+            <a:r>
+              <a:rPr lang="en-US" sz="1400" dirty="0" err="1">
+                <a:solidFill>
+                  <a:srgbClr val="00B050"/>
+                </a:solidFill>
+              </a:rPr>
+              <a:t>bulunmalıdır</a:t>
+            </a:r>
+            <a:r>
+              <a:rPr lang="en-US" sz="1400" dirty="0">
+                <a:solidFill>
+                  <a:srgbClr val="00B050"/>
+                </a:solidFill>
+              </a:rPr>
+              <a:t>.</a:t>
+            </a:r>
+          </a:p>
+          <a:p>
+            <a:pPr marL="285750" indent="-285750">
+              <a:lnSpc>
+                <a:spcPct val="150000"/>
+              </a:lnSpc>
+              <a:buFont typeface="Arial" panose="020B0604020202020204" pitchFamily="34" charset="0"/>
+              <a:buChar char="•"/>
+            </a:pPr>
+            <a:r>
+              <a:rPr lang="en-US" sz="1400" dirty="0" err="1">
+                <a:solidFill>
+                  <a:srgbClr val="00B050"/>
+                </a:solidFill>
+              </a:rPr>
+              <a:t>Sütunlarda</a:t>
+            </a:r>
+            <a:r>
+              <a:rPr lang="en-US" sz="1400" dirty="0">
+                <a:solidFill>
+                  <a:srgbClr val="00B050"/>
+                </a:solidFill>
+              </a:rPr>
+              <a:t> </a:t>
+            </a:r>
+            <a:r>
+              <a:rPr lang="en-US" sz="1400" dirty="0" err="1">
+                <a:solidFill>
+                  <a:srgbClr val="00B050"/>
+                </a:solidFill>
+              </a:rPr>
+              <a:t>yalnızca</a:t>
+            </a:r>
+            <a:r>
+              <a:rPr lang="en-US" sz="1400" dirty="0">
+                <a:solidFill>
+                  <a:srgbClr val="00B050"/>
+                </a:solidFill>
+              </a:rPr>
+              <a:t> </a:t>
+            </a:r>
+            <a:r>
+              <a:rPr lang="en-US" sz="1400" dirty="0" err="1">
+                <a:solidFill>
+                  <a:srgbClr val="00B050"/>
+                </a:solidFill>
+              </a:rPr>
+              <a:t>tek</a:t>
+            </a:r>
+            <a:r>
+              <a:rPr lang="en-US" sz="1400" dirty="0">
+                <a:solidFill>
+                  <a:srgbClr val="00B050"/>
+                </a:solidFill>
+              </a:rPr>
+              <a:t> </a:t>
+            </a:r>
+            <a:r>
+              <a:rPr lang="en-US" sz="1400" dirty="0" err="1">
+                <a:solidFill>
+                  <a:srgbClr val="00B050"/>
+                </a:solidFill>
+              </a:rPr>
+              <a:t>değerli</a:t>
+            </a:r>
+            <a:r>
+              <a:rPr lang="en-US" sz="1400" dirty="0">
+                <a:solidFill>
+                  <a:srgbClr val="00B050"/>
+                </a:solidFill>
+              </a:rPr>
+              <a:t> </a:t>
+            </a:r>
+            <a:r>
+              <a:rPr lang="en-US" sz="1400" dirty="0" err="1">
+                <a:solidFill>
+                  <a:srgbClr val="00B050"/>
+                </a:solidFill>
+              </a:rPr>
+              <a:t>nitelikler</a:t>
+            </a:r>
+            <a:r>
+              <a:rPr lang="en-US" sz="1400" dirty="0">
+                <a:solidFill>
+                  <a:srgbClr val="00B050"/>
+                </a:solidFill>
+              </a:rPr>
+              <a:t> </a:t>
+            </a:r>
+            <a:r>
+              <a:rPr lang="en-US" sz="1400" dirty="0" err="1">
+                <a:solidFill>
+                  <a:srgbClr val="00B050"/>
+                </a:solidFill>
+              </a:rPr>
+              <a:t>vardır</a:t>
+            </a:r>
+            <a:r>
+              <a:rPr lang="en-US" sz="1400" dirty="0">
+                <a:solidFill>
+                  <a:srgbClr val="00B050"/>
+                </a:solidFill>
+              </a:rPr>
+              <a:t>.</a:t>
+            </a:r>
+          </a:p>
+          <a:p>
+            <a:pPr marL="285750" indent="-285750">
+              <a:lnSpc>
+                <a:spcPct val="150000"/>
+              </a:lnSpc>
+              <a:buFont typeface="Arial" panose="020B0604020202020204" pitchFamily="34" charset="0"/>
+              <a:buChar char="•"/>
+            </a:pPr>
+            <a:r>
+              <a:rPr lang="en-US" sz="1400" dirty="0" err="1">
+                <a:solidFill>
+                  <a:srgbClr val="00B050"/>
+                </a:solidFill>
+              </a:rPr>
+              <a:t>Aynı</a:t>
+            </a:r>
+            <a:r>
+              <a:rPr lang="en-US" sz="1400" dirty="0">
+                <a:solidFill>
+                  <a:srgbClr val="00B050"/>
+                </a:solidFill>
+              </a:rPr>
+              <a:t> </a:t>
+            </a:r>
+            <a:r>
+              <a:rPr lang="en-US" sz="1400" dirty="0" err="1">
+                <a:solidFill>
+                  <a:srgbClr val="00B050"/>
+                </a:solidFill>
+              </a:rPr>
+              <a:t>sütunda</a:t>
+            </a:r>
+            <a:r>
+              <a:rPr lang="en-US" sz="1400" dirty="0">
+                <a:solidFill>
+                  <a:srgbClr val="00B050"/>
+                </a:solidFill>
+              </a:rPr>
+              <a:t> 1’den </a:t>
+            </a:r>
+            <a:r>
+              <a:rPr lang="en-US" sz="1400" dirty="0" err="1">
+                <a:solidFill>
+                  <a:srgbClr val="00B050"/>
+                </a:solidFill>
+              </a:rPr>
+              <a:t>çok</a:t>
+            </a:r>
+            <a:r>
+              <a:rPr lang="en-US" sz="1400" dirty="0">
+                <a:solidFill>
+                  <a:srgbClr val="00B050"/>
+                </a:solidFill>
+              </a:rPr>
+              <a:t> </a:t>
+            </a:r>
+            <a:r>
+              <a:rPr lang="en-US" sz="1400" dirty="0" err="1">
+                <a:solidFill>
+                  <a:srgbClr val="00B050"/>
+                </a:solidFill>
+              </a:rPr>
+              <a:t>tipte</a:t>
+            </a:r>
+            <a:r>
+              <a:rPr lang="en-US" sz="1400" dirty="0">
+                <a:solidFill>
+                  <a:srgbClr val="00B050"/>
+                </a:solidFill>
+              </a:rPr>
+              <a:t> </a:t>
+            </a:r>
+            <a:r>
+              <a:rPr lang="en-US" sz="1400" dirty="0" err="1">
+                <a:solidFill>
+                  <a:srgbClr val="00B050"/>
+                </a:solidFill>
+              </a:rPr>
+              <a:t>veri</a:t>
+            </a:r>
+            <a:r>
+              <a:rPr lang="en-US" sz="1400" dirty="0">
+                <a:solidFill>
+                  <a:srgbClr val="00B050"/>
+                </a:solidFill>
+              </a:rPr>
+              <a:t> </a:t>
+            </a:r>
+            <a:r>
+              <a:rPr lang="en-US" sz="1400" dirty="0" err="1">
+                <a:solidFill>
+                  <a:srgbClr val="00B050"/>
+                </a:solidFill>
+              </a:rPr>
+              <a:t>olmamalıdır</a:t>
+            </a:r>
+            <a:r>
+              <a:rPr lang="en-US" sz="1400" dirty="0">
+                <a:solidFill>
+                  <a:srgbClr val="00B050"/>
+                </a:solidFill>
+              </a:rPr>
+              <a:t>.</a:t>
+            </a:r>
+          </a:p>
+          <a:p>
+            <a:pPr marL="285750" indent="-285750">
+              <a:lnSpc>
+                <a:spcPct val="150000"/>
+              </a:lnSpc>
+              <a:buFont typeface="Arial" panose="020B0604020202020204" pitchFamily="34" charset="0"/>
+              <a:buChar char="•"/>
+            </a:pPr>
+            <a:r>
+              <a:rPr lang="en-US" sz="1400" dirty="0">
+                <a:solidFill>
+                  <a:srgbClr val="00B050"/>
+                </a:solidFill>
+              </a:rPr>
+              <a:t>Her </a:t>
+            </a:r>
+            <a:r>
+              <a:rPr lang="en-US" sz="1400" dirty="0" err="1">
+                <a:solidFill>
+                  <a:srgbClr val="00B050"/>
+                </a:solidFill>
+              </a:rPr>
+              <a:t>sütun</a:t>
+            </a:r>
+            <a:r>
+              <a:rPr lang="en-US" sz="1400" dirty="0">
+                <a:solidFill>
+                  <a:srgbClr val="00B050"/>
+                </a:solidFill>
+              </a:rPr>
+              <a:t> </a:t>
+            </a:r>
+            <a:r>
+              <a:rPr lang="en-US" sz="1400" dirty="0" err="1">
+                <a:solidFill>
+                  <a:srgbClr val="00B050"/>
+                </a:solidFill>
+              </a:rPr>
+              <a:t>için</a:t>
+            </a:r>
+            <a:r>
+              <a:rPr lang="en-US" sz="1400" dirty="0">
+                <a:solidFill>
+                  <a:srgbClr val="00B050"/>
+                </a:solidFill>
+              </a:rPr>
+              <a:t> </a:t>
+            </a:r>
+            <a:r>
+              <a:rPr lang="en-US" sz="1400" dirty="0" err="1">
+                <a:solidFill>
+                  <a:srgbClr val="00B050"/>
+                </a:solidFill>
+              </a:rPr>
+              <a:t>benzersiz</a:t>
+            </a:r>
+            <a:r>
+              <a:rPr lang="en-US" sz="1400" dirty="0">
+                <a:solidFill>
+                  <a:srgbClr val="00B050"/>
+                </a:solidFill>
+              </a:rPr>
+              <a:t> </a:t>
+            </a:r>
+            <a:r>
+              <a:rPr lang="en-US" sz="1400" dirty="0" err="1">
+                <a:solidFill>
+                  <a:srgbClr val="00B050"/>
+                </a:solidFill>
+              </a:rPr>
+              <a:t>bir</a:t>
+            </a:r>
+            <a:r>
+              <a:rPr lang="en-US" sz="1400" dirty="0">
+                <a:solidFill>
+                  <a:srgbClr val="00B050"/>
+                </a:solidFill>
+              </a:rPr>
+              <a:t> ad </a:t>
+            </a:r>
+            <a:r>
+              <a:rPr lang="en-US" sz="1400" dirty="0" err="1">
+                <a:solidFill>
+                  <a:srgbClr val="00B050"/>
+                </a:solidFill>
+              </a:rPr>
+              <a:t>vardır</a:t>
+            </a:r>
+            <a:r>
+              <a:rPr lang="en-US" sz="1400" dirty="0">
+                <a:solidFill>
+                  <a:srgbClr val="00B050"/>
+                </a:solidFill>
+              </a:rPr>
+              <a:t>.</a:t>
+            </a:r>
+          </a:p>
+          <a:p>
+            <a:pPr marL="285750" indent="-285750">
+              <a:lnSpc>
+                <a:spcPct val="150000"/>
+              </a:lnSpc>
+              <a:buFont typeface="Arial" panose="020B0604020202020204" pitchFamily="34" charset="0"/>
+              <a:buChar char="•"/>
+            </a:pPr>
+            <a:r>
+              <a:rPr lang="en-US" sz="1400" dirty="0" err="1">
+                <a:solidFill>
+                  <a:srgbClr val="00B050"/>
+                </a:solidFill>
+              </a:rPr>
+              <a:t>Tekrar</a:t>
+            </a:r>
+            <a:r>
+              <a:rPr lang="en-US" sz="1400" dirty="0">
+                <a:solidFill>
+                  <a:srgbClr val="00B050"/>
+                </a:solidFill>
+              </a:rPr>
+              <a:t> </a:t>
+            </a:r>
+            <a:r>
+              <a:rPr lang="en-US" sz="1400" dirty="0" err="1">
+                <a:solidFill>
+                  <a:srgbClr val="00B050"/>
+                </a:solidFill>
+              </a:rPr>
+              <a:t>eden</a:t>
+            </a:r>
+            <a:r>
+              <a:rPr lang="en-US" sz="1400" dirty="0">
+                <a:solidFill>
+                  <a:srgbClr val="00B050"/>
+                </a:solidFill>
+              </a:rPr>
+              <a:t> </a:t>
+            </a:r>
+            <a:r>
+              <a:rPr lang="en-US" sz="1400" dirty="0" err="1">
+                <a:solidFill>
+                  <a:srgbClr val="00B050"/>
+                </a:solidFill>
+              </a:rPr>
+              <a:t>sütun</a:t>
+            </a:r>
+            <a:r>
+              <a:rPr lang="en-US" sz="1400" dirty="0">
+                <a:solidFill>
+                  <a:srgbClr val="00B050"/>
+                </a:solidFill>
+              </a:rPr>
+              <a:t> </a:t>
+            </a:r>
+            <a:r>
+              <a:rPr lang="en-US" sz="1400" dirty="0" err="1">
+                <a:solidFill>
+                  <a:srgbClr val="00B050"/>
+                </a:solidFill>
+              </a:rPr>
+              <a:t>grupları</a:t>
+            </a:r>
+            <a:r>
+              <a:rPr lang="en-US" sz="1400" dirty="0">
+                <a:solidFill>
+                  <a:srgbClr val="00B050"/>
+                </a:solidFill>
+              </a:rPr>
+              <a:t> </a:t>
+            </a:r>
+            <a:r>
+              <a:rPr lang="en-US" sz="1400" dirty="0" err="1">
+                <a:solidFill>
+                  <a:srgbClr val="00B050"/>
+                </a:solidFill>
+              </a:rPr>
+              <a:t>olmamalıdır</a:t>
+            </a:r>
+            <a:r>
+              <a:rPr lang="en-US" sz="1400" dirty="0">
+                <a:solidFill>
+                  <a:srgbClr val="00B050"/>
+                </a:solidFill>
+              </a:rPr>
+              <a:t>.</a:t>
+            </a:r>
+          </a:p>
+        </p:txBody>
+      </p:sp>
+      <p:graphicFrame>
+        <p:nvGraphicFramePr>
+          <p:cNvPr id="3" name="Content Placeholder 3">
+            <a:extLst>
+              <a:ext uri="{FF2B5EF4-FFF2-40B4-BE49-F238E27FC236}">
+                <a16:creationId xmlns:a16="http://schemas.microsoft.com/office/drawing/2014/main" id="{0367C05F-D13A-68FA-AEE8-F10337174981}"/>
+              </a:ext>
+            </a:extLst>
+          </p:cNvPr>
+          <p:cNvGraphicFramePr>
+            <a:graphicFrameLocks/>
+          </p:cNvGraphicFramePr>
+          <p:nvPr>
+            <p:extLst>
+              <p:ext uri="{D42A27DB-BD31-4B8C-83A1-F6EECF244321}">
+                <p14:modId xmlns:p14="http://schemas.microsoft.com/office/powerpoint/2010/main" val="1713662691"/>
+              </p:ext>
+            </p:extLst>
+          </p:nvPr>
+        </p:nvGraphicFramePr>
+        <p:xfrm>
+          <a:off x="5257800" y="2087035"/>
+          <a:ext cx="3341915" cy="2966720"/>
+        </p:xfrm>
+        <a:graphic>
+          <a:graphicData uri="http://schemas.openxmlformats.org/drawingml/2006/table">
+            <a:tbl>
+              <a:tblPr firstRow="1" bandRow="1">
+                <a:tableStyleId>{5C22544A-7EE6-4342-B048-85BDC9FD1C3A}</a:tableStyleId>
+              </a:tblPr>
+              <a:tblGrid>
+                <a:gridCol w="1343306">
+                  <a:extLst>
+                    <a:ext uri="{9D8B030D-6E8A-4147-A177-3AD203B41FA5}">
+                      <a16:colId xmlns:a16="http://schemas.microsoft.com/office/drawing/2014/main" val="3572103169"/>
+                    </a:ext>
+                  </a:extLst>
+                </a:gridCol>
+                <a:gridCol w="818792">
+                  <a:extLst>
+                    <a:ext uri="{9D8B030D-6E8A-4147-A177-3AD203B41FA5}">
+                      <a16:colId xmlns:a16="http://schemas.microsoft.com/office/drawing/2014/main" val="3444992394"/>
+                    </a:ext>
+                  </a:extLst>
+                </a:gridCol>
+                <a:gridCol w="1179817">
+                  <a:extLst>
+                    <a:ext uri="{9D8B030D-6E8A-4147-A177-3AD203B41FA5}">
+                      <a16:colId xmlns:a16="http://schemas.microsoft.com/office/drawing/2014/main" val="876748438"/>
+                    </a:ext>
+                  </a:extLst>
+                </a:gridCol>
+              </a:tblGrid>
+              <a:tr h="370840">
+                <a:tc>
+                  <a:txBody>
+                    <a:bodyPr/>
+                    <a:lstStyle/>
+                    <a:p>
+                      <a:r>
+                        <a:rPr lang="en-TR" u="sng" dirty="0"/>
+                        <a:t>email</a:t>
+                      </a:r>
+                    </a:p>
+                  </a:txBody>
+                  <a:tcPr/>
+                </a:tc>
+                <a:tc>
+                  <a:txBody>
+                    <a:bodyPr/>
+                    <a:lstStyle/>
+                    <a:p>
+                      <a:r>
+                        <a:rPr lang="en-TR" u="none" dirty="0"/>
+                        <a:t>sayi</a:t>
+                      </a:r>
+                    </a:p>
+                  </a:txBody>
+                  <a:tcPr/>
+                </a:tc>
+                <a:tc>
+                  <a:txBody>
+                    <a:bodyPr/>
+                    <a:lstStyle/>
+                    <a:p>
+                      <a:r>
+                        <a:rPr lang="en-TR" u="sng" dirty="0"/>
+                        <a:t>envanter</a:t>
+                      </a:r>
+                    </a:p>
+                  </a:txBody>
+                  <a:tcPr/>
+                </a:tc>
+                <a:extLst>
+                  <a:ext uri="{0D108BD9-81ED-4DB2-BD59-A6C34878D82A}">
+                    <a16:rowId xmlns:a16="http://schemas.microsoft.com/office/drawing/2014/main" val="4007056995"/>
+                  </a:ext>
+                </a:extLst>
+              </a:tr>
+              <a:tr h="370840">
+                <a:tc>
+                  <a:txBody>
+                    <a:bodyPr/>
+                    <a:lstStyle/>
+                    <a:p>
+                      <a:r>
+                        <a:rPr lang="en-TR" dirty="0"/>
+                        <a:t>a@b</a:t>
+                      </a:r>
+                    </a:p>
+                  </a:txBody>
+                  <a:tcPr/>
+                </a:tc>
+                <a:tc>
+                  <a:txBody>
+                    <a:bodyPr/>
+                    <a:lstStyle/>
+                    <a:p>
+                      <a:r>
+                        <a:rPr lang="en-TR" dirty="0"/>
+                        <a:t>3</a:t>
+                      </a:r>
+                    </a:p>
+                  </a:txBody>
+                  <a:tcPr/>
+                </a:tc>
+                <a:tc>
+                  <a:txBody>
+                    <a:bodyPr/>
+                    <a:lstStyle/>
+                    <a:p>
+                      <a:r>
+                        <a:rPr lang="en-TR" dirty="0"/>
+                        <a:t>ilk yardım</a:t>
+                      </a:r>
+                    </a:p>
+                  </a:txBody>
+                  <a:tcPr/>
+                </a:tc>
+                <a:extLst>
+                  <a:ext uri="{0D108BD9-81ED-4DB2-BD59-A6C34878D82A}">
+                    <a16:rowId xmlns:a16="http://schemas.microsoft.com/office/drawing/2014/main" val="4274227303"/>
+                  </a:ext>
+                </a:extLst>
+              </a:tr>
+              <a:tr h="370840">
+                <a:tc>
+                  <a:txBody>
+                    <a:bodyPr/>
+                    <a:lstStyle/>
+                    <a:p>
+                      <a:pPr marL="0" marR="0" lvl="0" indent="0" algn="l" defTabSz="914400" rtl="0" eaLnBrk="1" fontAlgn="auto" latinLnBrk="0" hangingPunct="1">
+                        <a:lnSpc>
+                          <a:spcPct val="100000"/>
+                        </a:lnSpc>
+                        <a:spcBef>
+                          <a:spcPts val="0"/>
+                        </a:spcBef>
+                        <a:spcAft>
+                          <a:spcPts val="0"/>
+                        </a:spcAft>
+                        <a:buClrTx/>
+                        <a:buSzTx/>
+                        <a:buFontTx/>
+                        <a:buNone/>
+                        <a:tabLst/>
+                        <a:defRPr/>
+                      </a:pPr>
+                      <a:r>
+                        <a:rPr lang="en-TR" dirty="0"/>
+                        <a:t>a@b</a:t>
+                      </a:r>
+                    </a:p>
+                  </a:txBody>
+                  <a:tcPr/>
+                </a:tc>
+                <a:tc>
+                  <a:txBody>
+                    <a:bodyPr/>
+                    <a:lstStyle/>
+                    <a:p>
+                      <a:r>
+                        <a:rPr lang="en-TR" dirty="0"/>
+                        <a:t>2</a:t>
+                      </a:r>
+                    </a:p>
+                  </a:txBody>
+                  <a:tcPr/>
+                </a:tc>
+                <a:tc>
+                  <a:txBody>
+                    <a:bodyPr/>
+                    <a:lstStyle/>
+                    <a:p>
+                      <a:r>
+                        <a:rPr lang="en-TR" dirty="0"/>
+                        <a:t>ışınlanma</a:t>
+                      </a:r>
+                    </a:p>
+                  </a:txBody>
+                  <a:tcPr/>
+                </a:tc>
+                <a:extLst>
+                  <a:ext uri="{0D108BD9-81ED-4DB2-BD59-A6C34878D82A}">
+                    <a16:rowId xmlns:a16="http://schemas.microsoft.com/office/drawing/2014/main" val="3880927086"/>
+                  </a:ext>
+                </a:extLst>
+              </a:tr>
+              <a:tr h="370840">
+                <a:tc>
+                  <a:txBody>
+                    <a:bodyPr/>
+                    <a:lstStyle/>
+                    <a:p>
+                      <a:r>
+                        <a:rPr lang="en-TR" dirty="0"/>
+                        <a:t>b@c</a:t>
+                      </a:r>
+                    </a:p>
+                  </a:txBody>
+                  <a:tcPr/>
+                </a:tc>
+                <a:tc>
+                  <a:txBody>
+                    <a:bodyPr/>
+                    <a:lstStyle/>
+                    <a:p>
+                      <a:r>
+                        <a:rPr lang="en-TR" dirty="0"/>
+                        <a:t>1</a:t>
+                      </a:r>
+                    </a:p>
+                  </a:txBody>
+                  <a:tcPr/>
+                </a:tc>
+                <a:tc>
+                  <a:txBody>
+                    <a:bodyPr/>
+                    <a:lstStyle/>
+                    <a:p>
+                      <a:r>
+                        <a:rPr lang="en-TR" dirty="0"/>
+                        <a:t>ilk yardım</a:t>
+                      </a:r>
+                    </a:p>
+                  </a:txBody>
+                  <a:tcPr/>
+                </a:tc>
+                <a:extLst>
+                  <a:ext uri="{0D108BD9-81ED-4DB2-BD59-A6C34878D82A}">
+                    <a16:rowId xmlns:a16="http://schemas.microsoft.com/office/drawing/2014/main" val="3412863520"/>
+                  </a:ext>
+                </a:extLst>
+              </a:tr>
+              <a:tr h="370840">
+                <a:tc>
+                  <a:txBody>
+                    <a:bodyPr/>
+                    <a:lstStyle/>
+                    <a:p>
+                      <a:pPr marL="0" marR="0" lvl="0" indent="0" algn="l" defTabSz="914400" rtl="0" eaLnBrk="1" fontAlgn="auto" latinLnBrk="0" hangingPunct="1">
+                        <a:lnSpc>
+                          <a:spcPct val="100000"/>
+                        </a:lnSpc>
+                        <a:spcBef>
+                          <a:spcPts val="0"/>
+                        </a:spcBef>
+                        <a:spcAft>
+                          <a:spcPts val="0"/>
+                        </a:spcAft>
+                        <a:buClrTx/>
+                        <a:buSzTx/>
+                        <a:buFontTx/>
+                        <a:buNone/>
+                        <a:tabLst/>
+                        <a:defRPr/>
+                      </a:pPr>
+                      <a:r>
+                        <a:rPr lang="en-TR" dirty="0"/>
+                        <a:t>b@c</a:t>
+                      </a:r>
+                    </a:p>
+                  </a:txBody>
+                  <a:tcPr/>
+                </a:tc>
+                <a:tc>
+                  <a:txBody>
+                    <a:bodyPr/>
+                    <a:lstStyle/>
+                    <a:p>
+                      <a:r>
+                        <a:rPr lang="en-TR" dirty="0"/>
+                        <a:t>1</a:t>
+                      </a:r>
+                    </a:p>
+                  </a:txBody>
+                  <a:tcPr/>
+                </a:tc>
+                <a:tc>
+                  <a:txBody>
+                    <a:bodyPr/>
+                    <a:lstStyle/>
+                    <a:p>
+                      <a:r>
+                        <a:rPr lang="en-TR" dirty="0"/>
+                        <a:t>ışınlanma</a:t>
+                      </a:r>
+                    </a:p>
+                  </a:txBody>
+                  <a:tcPr/>
+                </a:tc>
+                <a:extLst>
+                  <a:ext uri="{0D108BD9-81ED-4DB2-BD59-A6C34878D82A}">
+                    <a16:rowId xmlns:a16="http://schemas.microsoft.com/office/drawing/2014/main" val="2128560287"/>
+                  </a:ext>
+                </a:extLst>
+              </a:tr>
+              <a:tr h="370840">
+                <a:tc>
+                  <a:txBody>
+                    <a:bodyPr/>
+                    <a:lstStyle/>
+                    <a:p>
+                      <a:pPr marL="0" marR="0" lvl="0" indent="0" algn="l" defTabSz="914400" rtl="0" eaLnBrk="1" fontAlgn="auto" latinLnBrk="0" hangingPunct="1">
+                        <a:lnSpc>
+                          <a:spcPct val="100000"/>
+                        </a:lnSpc>
+                        <a:spcBef>
+                          <a:spcPts val="0"/>
+                        </a:spcBef>
+                        <a:spcAft>
+                          <a:spcPts val="0"/>
+                        </a:spcAft>
+                        <a:buClrTx/>
+                        <a:buSzTx/>
+                        <a:buFontTx/>
+                        <a:buNone/>
+                        <a:tabLst/>
+                        <a:defRPr/>
+                      </a:pPr>
+                      <a:r>
+                        <a:rPr lang="en-TR" dirty="0"/>
+                        <a:t>b@c</a:t>
+                      </a:r>
+                    </a:p>
+                  </a:txBody>
+                  <a:tcPr/>
+                </a:tc>
+                <a:tc>
+                  <a:txBody>
+                    <a:bodyPr/>
+                    <a:lstStyle/>
+                    <a:p>
+                      <a:r>
+                        <a:rPr lang="en-TR" dirty="0"/>
+                        <a:t>5</a:t>
+                      </a:r>
+                    </a:p>
+                  </a:txBody>
+                  <a:tcPr/>
+                </a:tc>
+                <a:tc>
+                  <a:txBody>
+                    <a:bodyPr/>
+                    <a:lstStyle/>
+                    <a:p>
+                      <a:r>
+                        <a:rPr lang="en-TR" dirty="0"/>
+                        <a:t>halat</a:t>
+                      </a:r>
+                    </a:p>
+                  </a:txBody>
+                  <a:tcPr/>
+                </a:tc>
+                <a:extLst>
+                  <a:ext uri="{0D108BD9-81ED-4DB2-BD59-A6C34878D82A}">
+                    <a16:rowId xmlns:a16="http://schemas.microsoft.com/office/drawing/2014/main" val="646425916"/>
+                  </a:ext>
+                </a:extLst>
+              </a:tr>
+              <a:tr h="370840">
+                <a:tc>
+                  <a:txBody>
+                    <a:bodyPr/>
+                    <a:lstStyle/>
+                    <a:p>
+                      <a:r>
+                        <a:rPr lang="en-TR" dirty="0"/>
+                        <a:t>c@d</a:t>
+                      </a:r>
+                    </a:p>
+                  </a:txBody>
+                  <a:tcPr/>
+                </a:tc>
+                <a:tc>
+                  <a:txBody>
+                    <a:bodyPr/>
+                    <a:lstStyle/>
+                    <a:p>
+                      <a:r>
+                        <a:rPr lang="en-TR" dirty="0"/>
+                        <a:t>1</a:t>
+                      </a:r>
+                    </a:p>
+                  </a:txBody>
+                  <a:tcPr/>
+                </a:tc>
+                <a:tc>
+                  <a:txBody>
+                    <a:bodyPr/>
+                    <a:lstStyle/>
+                    <a:p>
+                      <a:r>
+                        <a:rPr lang="en-TR" dirty="0"/>
+                        <a:t>pusula</a:t>
+                      </a:r>
+                    </a:p>
+                  </a:txBody>
+                  <a:tcPr/>
+                </a:tc>
+                <a:extLst>
+                  <a:ext uri="{0D108BD9-81ED-4DB2-BD59-A6C34878D82A}">
+                    <a16:rowId xmlns:a16="http://schemas.microsoft.com/office/drawing/2014/main" val="3117025022"/>
+                  </a:ext>
+                </a:extLst>
+              </a:tr>
+              <a:tr h="370840">
+                <a:tc>
+                  <a:txBody>
+                    <a:bodyPr/>
+                    <a:lstStyle/>
+                    <a:p>
+                      <a:r>
+                        <a:rPr lang="en-TR" dirty="0"/>
+                        <a:t>c@d</a:t>
+                      </a:r>
+                    </a:p>
+                  </a:txBody>
+                  <a:tcPr/>
+                </a:tc>
+                <a:tc>
+                  <a:txBody>
+                    <a:bodyPr/>
+                    <a:lstStyle/>
+                    <a:p>
+                      <a:r>
+                        <a:rPr lang="en-TR" dirty="0"/>
+                        <a:t>3</a:t>
+                      </a:r>
+                    </a:p>
+                  </a:txBody>
+                  <a:tcPr/>
+                </a:tc>
+                <a:tc>
+                  <a:txBody>
+                    <a:bodyPr/>
+                    <a:lstStyle/>
+                    <a:p>
+                      <a:r>
+                        <a:rPr lang="en-TR" dirty="0"/>
+                        <a:t>halat</a:t>
+                      </a:r>
+                    </a:p>
+                  </a:txBody>
+                  <a:tcPr/>
+                </a:tc>
+                <a:extLst>
+                  <a:ext uri="{0D108BD9-81ED-4DB2-BD59-A6C34878D82A}">
+                    <a16:rowId xmlns:a16="http://schemas.microsoft.com/office/drawing/2014/main" val="1871656238"/>
+                  </a:ext>
+                </a:extLst>
+              </a:tr>
+            </a:tbl>
+          </a:graphicData>
+        </a:graphic>
+      </p:graphicFrame>
+      <p:sp>
+        <p:nvSpPr>
+          <p:cNvPr id="6" name="TextBox 5">
+            <a:extLst>
+              <a:ext uri="{FF2B5EF4-FFF2-40B4-BE49-F238E27FC236}">
+                <a16:creationId xmlns:a16="http://schemas.microsoft.com/office/drawing/2014/main" id="{B3049062-D1FA-6F18-06DC-00507C005DC8}"/>
+              </a:ext>
+            </a:extLst>
+          </p:cNvPr>
+          <p:cNvSpPr txBox="1"/>
+          <p:nvPr/>
+        </p:nvSpPr>
+        <p:spPr>
+          <a:xfrm>
+            <a:off x="5257800" y="1717703"/>
+            <a:ext cx="1267655" cy="369332"/>
+          </a:xfrm>
+          <a:prstGeom prst="rect">
+            <a:avLst/>
+          </a:prstGeom>
+          <a:noFill/>
+        </p:spPr>
+        <p:txBody>
+          <a:bodyPr wrap="none" rtlCol="0">
+            <a:spAutoFit/>
+          </a:bodyPr>
+          <a:lstStyle/>
+          <a:p>
+            <a:r>
+              <a:rPr lang="en-TR" dirty="0"/>
+              <a:t>envanterler</a:t>
+            </a:r>
+          </a:p>
+        </p:txBody>
+      </p:sp>
+    </p:spTree>
+    <p:extLst>
+      <p:ext uri="{BB962C8B-B14F-4D97-AF65-F5344CB8AC3E}">
+        <p14:creationId xmlns:p14="http://schemas.microsoft.com/office/powerpoint/2010/main" val="3823865555"/>
       </p:ext>
     </p:extLst>
   </p:cSld>
@@ -7991,268 +16108,15 @@
         <p:spPr/>
         <p:txBody>
           <a:bodyPr>
-            <a:normAutofit fontScale="70000" lnSpcReduction="20000"/>
+            <a:normAutofit/>
           </a:bodyPr>
           <a:lstStyle/>
           <a:p>
-            <a:pPr>
+            <a:pPr marL="0" indent="0">
               <a:lnSpc>
                 <a:spcPct val="150000"/>
               </a:lnSpc>
-            </a:pPr>
-            <a:r>
-              <a:rPr lang="en-US" dirty="0"/>
-              <a:t>Bir </a:t>
-            </a:r>
-            <a:r>
-              <a:rPr lang="en-US" dirty="0" err="1"/>
-              <a:t>tablo</a:t>
-            </a:r>
-            <a:r>
-              <a:rPr lang="en-US" dirty="0"/>
-              <a:t> </a:t>
-            </a:r>
-            <a:r>
-              <a:rPr lang="en-US" dirty="0" err="1"/>
-              <a:t>bileşik</a:t>
-            </a:r>
-            <a:r>
-              <a:rPr lang="en-US" dirty="0"/>
-              <a:t> </a:t>
-            </a:r>
-            <a:r>
-              <a:rPr lang="en-US" dirty="0" err="1"/>
-              <a:t>veya</a:t>
-            </a:r>
-            <a:r>
-              <a:rPr lang="en-US" dirty="0"/>
-              <a:t> </a:t>
-            </a:r>
-            <a:r>
-              <a:rPr lang="en-US" dirty="0" err="1"/>
-              <a:t>çok</a:t>
-            </a:r>
-            <a:r>
-              <a:rPr lang="en-US" dirty="0"/>
-              <a:t> </a:t>
-            </a:r>
-            <a:r>
-              <a:rPr lang="en-US" dirty="0" err="1"/>
-              <a:t>değerli</a:t>
-            </a:r>
-            <a:r>
-              <a:rPr lang="en-US" dirty="0"/>
-              <a:t> </a:t>
-            </a:r>
-            <a:r>
-              <a:rPr lang="en-US" dirty="0" err="1"/>
-              <a:t>bir</a:t>
-            </a:r>
-            <a:r>
-              <a:rPr lang="en-US" dirty="0"/>
-              <a:t> </a:t>
-            </a:r>
-            <a:r>
-              <a:rPr lang="en-US" dirty="0" err="1"/>
-              <a:t>nitelik</a:t>
-            </a:r>
-            <a:r>
-              <a:rPr lang="en-US" dirty="0"/>
-              <a:t> </a:t>
-            </a:r>
-            <a:r>
-              <a:rPr lang="en-US" dirty="0" err="1"/>
-              <a:t>içeriyorsa</a:t>
-            </a:r>
-            <a:r>
-              <a:rPr lang="en-US" dirty="0"/>
-              <a:t>, </a:t>
-            </a:r>
-            <a:r>
-              <a:rPr lang="en-US" dirty="0" err="1"/>
-              <a:t>birinci</a:t>
-            </a:r>
-            <a:r>
-              <a:rPr lang="en-US" dirty="0"/>
-              <a:t> normal </a:t>
-            </a:r>
-            <a:r>
-              <a:rPr lang="en-US" dirty="0" err="1"/>
-              <a:t>formu</a:t>
-            </a:r>
-            <a:r>
-              <a:rPr lang="en-US" dirty="0"/>
-              <a:t> </a:t>
-            </a:r>
-            <a:r>
-              <a:rPr lang="en-US" dirty="0" err="1"/>
-              <a:t>ihlal</a:t>
-            </a:r>
-            <a:r>
-              <a:rPr lang="en-US" dirty="0"/>
-              <a:t> </a:t>
-            </a:r>
-            <a:r>
-              <a:rPr lang="en-US" dirty="0" err="1"/>
-              <a:t>eder</a:t>
-            </a:r>
-            <a:r>
-              <a:rPr lang="en-US" dirty="0"/>
-              <a:t>. </a:t>
-            </a:r>
-          </a:p>
-          <a:p>
-            <a:pPr>
-              <a:lnSpc>
-                <a:spcPct val="150000"/>
-              </a:lnSpc>
-            </a:pPr>
-            <a:r>
-              <a:rPr lang="en-US" dirty="0"/>
-              <a:t>Tablo, </a:t>
-            </a:r>
-            <a:r>
-              <a:rPr lang="en-US" dirty="0" err="1"/>
-              <a:t>herhangi</a:t>
-            </a:r>
-            <a:r>
-              <a:rPr lang="en-US" dirty="0"/>
-              <a:t> </a:t>
-            </a:r>
-            <a:r>
-              <a:rPr lang="en-US" dirty="0" err="1"/>
-              <a:t>bir</a:t>
-            </a:r>
-            <a:r>
-              <a:rPr lang="en-US" dirty="0"/>
-              <a:t> </a:t>
-            </a:r>
-            <a:r>
-              <a:rPr lang="en-US" dirty="0" err="1"/>
-              <a:t>bileşik</a:t>
-            </a:r>
-            <a:r>
-              <a:rPr lang="en-US" dirty="0"/>
-              <a:t> </a:t>
-            </a:r>
-            <a:r>
-              <a:rPr lang="en-US" dirty="0" err="1"/>
-              <a:t>veya</a:t>
-            </a:r>
-            <a:r>
-              <a:rPr lang="en-US" dirty="0"/>
-              <a:t> </a:t>
-            </a:r>
-            <a:r>
-              <a:rPr lang="en-US" dirty="0" err="1"/>
-              <a:t>çok</a:t>
-            </a:r>
-            <a:r>
-              <a:rPr lang="en-US" dirty="0"/>
-              <a:t> </a:t>
-            </a:r>
-            <a:r>
-              <a:rPr lang="en-US" dirty="0" err="1"/>
-              <a:t>değerli</a:t>
-            </a:r>
-            <a:r>
-              <a:rPr lang="en-US" dirty="0"/>
-              <a:t> </a:t>
-            </a:r>
-            <a:r>
-              <a:rPr lang="en-US" dirty="0" err="1"/>
-              <a:t>nitelik</a:t>
-            </a:r>
-            <a:r>
-              <a:rPr lang="en-US" dirty="0"/>
-              <a:t> </a:t>
-            </a:r>
-            <a:r>
-              <a:rPr lang="en-US" dirty="0" err="1"/>
-              <a:t>içermiyorsa</a:t>
-            </a:r>
-            <a:r>
-              <a:rPr lang="en-US" dirty="0"/>
-              <a:t> </a:t>
-            </a:r>
-            <a:r>
-              <a:rPr lang="en-US" dirty="0" err="1"/>
-              <a:t>ve</a:t>
-            </a:r>
-            <a:r>
-              <a:rPr lang="en-US" dirty="0"/>
-              <a:t> her </a:t>
-            </a:r>
-            <a:r>
-              <a:rPr lang="en-US" dirty="0" err="1"/>
-              <a:t>nitelik</a:t>
-            </a:r>
-            <a:r>
-              <a:rPr lang="en-US" dirty="0"/>
-              <a:t> </a:t>
-            </a:r>
-            <a:r>
-              <a:rPr lang="en-US" dirty="0" err="1"/>
-              <a:t>tek</a:t>
-            </a:r>
-            <a:r>
-              <a:rPr lang="en-US" dirty="0"/>
-              <a:t> </a:t>
-            </a:r>
-            <a:r>
-              <a:rPr lang="en-US" dirty="0" err="1"/>
-              <a:t>değerli</a:t>
-            </a:r>
-            <a:r>
-              <a:rPr lang="en-US" dirty="0"/>
-              <a:t> </a:t>
-            </a:r>
-            <a:r>
-              <a:rPr lang="en-US" dirty="0" err="1"/>
-              <a:t>ise</a:t>
-            </a:r>
-            <a:r>
-              <a:rPr lang="en-US" dirty="0"/>
-              <a:t> </a:t>
-            </a:r>
-            <a:r>
-              <a:rPr lang="en-US" dirty="0" err="1"/>
-              <a:t>bu</a:t>
-            </a:r>
-            <a:r>
-              <a:rPr lang="en-US" dirty="0"/>
-              <a:t> </a:t>
-            </a:r>
-            <a:r>
-              <a:rPr lang="en-US" dirty="0" err="1"/>
-              <a:t>tablo</a:t>
-            </a:r>
-            <a:r>
-              <a:rPr lang="en-US" dirty="0"/>
-              <a:t> </a:t>
-            </a:r>
-            <a:r>
-              <a:rPr lang="en-US" dirty="0" err="1"/>
-              <a:t>birinci</a:t>
-            </a:r>
-            <a:r>
-              <a:rPr lang="en-US" dirty="0"/>
-              <a:t> normal </a:t>
-            </a:r>
-            <a:r>
-              <a:rPr lang="en-US" dirty="0" err="1"/>
-              <a:t>formdadır</a:t>
-            </a:r>
-            <a:r>
-              <a:rPr lang="en-US" dirty="0"/>
-              <a:t>. </a:t>
-            </a:r>
-          </a:p>
-          <a:p>
-            <a:pPr>
-              <a:lnSpc>
-                <a:spcPct val="150000"/>
-              </a:lnSpc>
+              <a:buNone/>
             </a:pPr>
             <a:r>
               <a:rPr lang="en-US" dirty="0"/>

--- a/Slides/Ders 5.0 Design 1NF.pptx
+++ b/Slides/Ders 5.0 Design 1NF.pptx
@@ -216,7 +216,7 @@
           <a:p>
             <a:fld id="{DD4244C5-5D67-C540-97C4-F007CFC432EF}" type="datetimeFigureOut">
               <a:rPr lang="tr-TR" smtClean="0"/>
-              <a:t>19.02.2024</a:t>
+              <a:t>14.04.2024</a:t>
             </a:fld>
             <a:endParaRPr lang="tr-TR"/>
           </a:p>
@@ -615,7 +615,7 @@
           <a:p>
             <a:fld id="{26396F4E-1D0B-3F44-AA0F-A3430AE5742F}" type="datetimeFigureOut">
               <a:rPr lang="tr-TR" smtClean="0"/>
-              <a:t>19.02.2024</a:t>
+              <a:t>14.04.2024</a:t>
             </a:fld>
             <a:endParaRPr lang="tr-TR"/>
           </a:p>
@@ -785,7 +785,7 @@
           <a:p>
             <a:fld id="{26396F4E-1D0B-3F44-AA0F-A3430AE5742F}" type="datetimeFigureOut">
               <a:rPr lang="tr-TR" smtClean="0"/>
-              <a:t>19.02.2024</a:t>
+              <a:t>14.04.2024</a:t>
             </a:fld>
             <a:endParaRPr lang="tr-TR"/>
           </a:p>
@@ -965,7 +965,7 @@
           <a:p>
             <a:fld id="{26396F4E-1D0B-3F44-AA0F-A3430AE5742F}" type="datetimeFigureOut">
               <a:rPr lang="tr-TR" smtClean="0"/>
-              <a:t>19.02.2024</a:t>
+              <a:t>14.04.2024</a:t>
             </a:fld>
             <a:endParaRPr lang="tr-TR"/>
           </a:p>
@@ -1135,7 +1135,7 @@
           <a:p>
             <a:fld id="{26396F4E-1D0B-3F44-AA0F-A3430AE5742F}" type="datetimeFigureOut">
               <a:rPr lang="tr-TR" smtClean="0"/>
-              <a:t>19.02.2024</a:t>
+              <a:t>14.04.2024</a:t>
             </a:fld>
             <a:endParaRPr lang="tr-TR"/>
           </a:p>
@@ -1379,7 +1379,7 @@
           <a:p>
             <a:fld id="{26396F4E-1D0B-3F44-AA0F-A3430AE5742F}" type="datetimeFigureOut">
               <a:rPr lang="tr-TR" smtClean="0"/>
-              <a:t>19.02.2024</a:t>
+              <a:t>14.04.2024</a:t>
             </a:fld>
             <a:endParaRPr lang="tr-TR"/>
           </a:p>
@@ -1611,7 +1611,7 @@
           <a:p>
             <a:fld id="{26396F4E-1D0B-3F44-AA0F-A3430AE5742F}" type="datetimeFigureOut">
               <a:rPr lang="tr-TR" smtClean="0"/>
-              <a:t>19.02.2024</a:t>
+              <a:t>14.04.2024</a:t>
             </a:fld>
             <a:endParaRPr lang="tr-TR"/>
           </a:p>
@@ -1978,7 +1978,7 @@
           <a:p>
             <a:fld id="{26396F4E-1D0B-3F44-AA0F-A3430AE5742F}" type="datetimeFigureOut">
               <a:rPr lang="tr-TR" smtClean="0"/>
-              <a:t>19.02.2024</a:t>
+              <a:t>14.04.2024</a:t>
             </a:fld>
             <a:endParaRPr lang="tr-TR"/>
           </a:p>
@@ -2096,7 +2096,7 @@
           <a:p>
             <a:fld id="{26396F4E-1D0B-3F44-AA0F-A3430AE5742F}" type="datetimeFigureOut">
               <a:rPr lang="tr-TR" smtClean="0"/>
-              <a:t>19.02.2024</a:t>
+              <a:t>14.04.2024</a:t>
             </a:fld>
             <a:endParaRPr lang="tr-TR"/>
           </a:p>
@@ -2191,7 +2191,7 @@
           <a:p>
             <a:fld id="{26396F4E-1D0B-3F44-AA0F-A3430AE5742F}" type="datetimeFigureOut">
               <a:rPr lang="tr-TR" smtClean="0"/>
-              <a:t>19.02.2024</a:t>
+              <a:t>14.04.2024</a:t>
             </a:fld>
             <a:endParaRPr lang="tr-TR"/>
           </a:p>
@@ -2468,7 +2468,7 @@
           <a:p>
             <a:fld id="{26396F4E-1D0B-3F44-AA0F-A3430AE5742F}" type="datetimeFigureOut">
               <a:rPr lang="tr-TR" smtClean="0"/>
-              <a:t>19.02.2024</a:t>
+              <a:t>14.04.2024</a:t>
             </a:fld>
             <a:endParaRPr lang="tr-TR"/>
           </a:p>
@@ -2725,7 +2725,7 @@
           <a:p>
             <a:fld id="{26396F4E-1D0B-3F44-AA0F-A3430AE5742F}" type="datetimeFigureOut">
               <a:rPr lang="tr-TR" smtClean="0"/>
-              <a:t>19.02.2024</a:t>
+              <a:t>14.04.2024</a:t>
             </a:fld>
             <a:endParaRPr lang="tr-TR"/>
           </a:p>
@@ -2938,7 +2938,7 @@
           <a:p>
             <a:fld id="{26396F4E-1D0B-3F44-AA0F-A3430AE5742F}" type="datetimeFigureOut">
               <a:rPr lang="tr-TR" smtClean="0"/>
-              <a:t>19.02.2024</a:t>
+              <a:t>14.04.2024</a:t>
             </a:fld>
             <a:endParaRPr lang="tr-TR"/>
           </a:p>
@@ -3527,7 +3527,7 @@
           <a:p>
             <a:r>
               <a:rPr lang="tr-TR" dirty="0"/>
-              <a:t>Oda: 329</a:t>
+              <a:t>Oda: 335</a:t>
             </a:r>
           </a:p>
         </p:txBody>
